--- a/Presentations/análise.pptx
+++ b/Presentations/análise.pptx
@@ -127,7 +127,7 @@
   </p:defaultTextStyle>
   <p:extLst>
     <p:ext uri="{EFAFB233-063F-42B5-8137-9DF3F51BA10A}">
-      <p15:sldGuideLst xmlns="" xmlns:p15="http://schemas.microsoft.com/office/powerpoint/2012/main">
+      <p15:sldGuideLst xmlns:p15="http://schemas.microsoft.com/office/powerpoint/2012/main" xmlns="">
         <p15:guide id="1" orient="horz" pos="2160">
           <p15:clr>
             <a:srgbClr val="A4A3A4"/>
@@ -726,7 +726,7 @@
             <a:fld id="{A849C5AD-4428-4E9C-9C84-11B72C9365FB}" type="datetimeFigureOut">
               <a:rPr lang="pt-PT" smtClean="0"/>
               <a:pPr/>
-              <a:t>16/11/2021</a:t>
+              <a:t>17/11/2021</a:t>
             </a:fld>
             <a:endParaRPr lang="pt-PT"/>
           </a:p>
@@ -794,7 +794,7 @@
     </p:spTree>
     <p:extLst>
       <p:ext uri="{BB962C8B-B14F-4D97-AF65-F5344CB8AC3E}">
-        <p14:creationId xmlns="" xmlns:p14="http://schemas.microsoft.com/office/powerpoint/2010/main" val="855386721"/>
+        <p14:creationId xmlns:p14="http://schemas.microsoft.com/office/powerpoint/2010/main" xmlns="" val="855386721"/>
       </p:ext>
     </p:extLst>
   </p:cSld>
@@ -880,7 +880,7 @@
             <a:fld id="{D7547E60-4BE7-4E4E-9AAA-5EE35AEC995C}" type="datetimeFigureOut">
               <a:rPr lang="pt-PT"/>
               <a:pPr/>
-              <a:t>16/11/2021</a:t>
+              <a:t>17/11/2021</a:t>
             </a:fld>
             <a:endParaRPr lang="pt-PT"/>
           </a:p>
@@ -1040,7 +1040,7 @@
     </p:spTree>
     <p:extLst>
       <p:ext uri="{BB962C8B-B14F-4D97-AF65-F5344CB8AC3E}">
-        <p14:creationId xmlns="" xmlns:p14="http://schemas.microsoft.com/office/powerpoint/2010/main" val="3632877244"/>
+        <p14:creationId xmlns:p14="http://schemas.microsoft.com/office/powerpoint/2010/main" xmlns="" val="3632877244"/>
       </p:ext>
     </p:extLst>
   </p:cSld>
@@ -2492,7 +2492,7 @@
           <p:cNvPr id="3" name="Título 2">
             <a:extLst>
               <a:ext uri="{FF2B5EF4-FFF2-40B4-BE49-F238E27FC236}">
-                <a16:creationId xmlns="" xmlns:a16="http://schemas.microsoft.com/office/drawing/2014/main" id="{8796298E-BAD5-44F6-A79F-5F078A970E9E}"/>
+                <a16:creationId xmlns:a16="http://schemas.microsoft.com/office/drawing/2014/main" xmlns="" id="{8796298E-BAD5-44F6-A79F-5F078A970E9E}"/>
               </a:ext>
             </a:extLst>
           </p:cNvPr>
@@ -2591,7 +2591,7 @@
     </p:spTree>
     <p:extLst>
       <p:ext uri="{BB962C8B-B14F-4D97-AF65-F5344CB8AC3E}">
-        <p14:creationId xmlns="" xmlns:p14="http://schemas.microsoft.com/office/powerpoint/2010/main" val="2572473668"/>
+        <p14:creationId xmlns:p14="http://schemas.microsoft.com/office/powerpoint/2010/main" xmlns="" val="2572473668"/>
       </p:ext>
     </p:extLst>
   </p:cSld>
@@ -2623,7 +2623,7 @@
           <p:cNvPr id="3" name="Título 2">
             <a:extLst>
               <a:ext uri="{FF2B5EF4-FFF2-40B4-BE49-F238E27FC236}">
-                <a16:creationId xmlns="" xmlns:a16="http://schemas.microsoft.com/office/drawing/2014/main" id="{8796298E-BAD5-44F6-A79F-5F078A970E9E}"/>
+                <a16:creationId xmlns:a16="http://schemas.microsoft.com/office/drawing/2014/main" xmlns="" id="{8796298E-BAD5-44F6-A79F-5F078A970E9E}"/>
               </a:ext>
             </a:extLst>
           </p:cNvPr>
@@ -2722,7 +2722,7 @@
     </p:spTree>
     <p:extLst>
       <p:ext uri="{BB962C8B-B14F-4D97-AF65-F5344CB8AC3E}">
-        <p14:creationId xmlns="" xmlns:p14="http://schemas.microsoft.com/office/powerpoint/2010/main" val="2572473668"/>
+        <p14:creationId xmlns:p14="http://schemas.microsoft.com/office/powerpoint/2010/main" xmlns="" val="2572473668"/>
       </p:ext>
     </p:extLst>
   </p:cSld>
@@ -2754,7 +2754,7 @@
           <p:cNvPr id="3" name="Título 2">
             <a:extLst>
               <a:ext uri="{FF2B5EF4-FFF2-40B4-BE49-F238E27FC236}">
-                <a16:creationId xmlns="" xmlns:a16="http://schemas.microsoft.com/office/drawing/2014/main" id="{8796298E-BAD5-44F6-A79F-5F078A970E9E}"/>
+                <a16:creationId xmlns:a16="http://schemas.microsoft.com/office/drawing/2014/main" xmlns="" id="{8796298E-BAD5-44F6-A79F-5F078A970E9E}"/>
               </a:ext>
             </a:extLst>
           </p:cNvPr>
@@ -2853,7 +2853,7 @@
     </p:spTree>
     <p:extLst>
       <p:ext uri="{BB962C8B-B14F-4D97-AF65-F5344CB8AC3E}">
-        <p14:creationId xmlns="" xmlns:p14="http://schemas.microsoft.com/office/powerpoint/2010/main" val="2572473668"/>
+        <p14:creationId xmlns:p14="http://schemas.microsoft.com/office/powerpoint/2010/main" xmlns="" val="2572473668"/>
       </p:ext>
     </p:extLst>
   </p:cSld>
@@ -2885,7 +2885,7 @@
           <p:cNvPr id="3" name="Título 2">
             <a:extLst>
               <a:ext uri="{FF2B5EF4-FFF2-40B4-BE49-F238E27FC236}">
-                <a16:creationId xmlns="" xmlns:a16="http://schemas.microsoft.com/office/drawing/2014/main" id="{8796298E-BAD5-44F6-A79F-5F078A970E9E}"/>
+                <a16:creationId xmlns:a16="http://schemas.microsoft.com/office/drawing/2014/main" xmlns="" id="{8796298E-BAD5-44F6-A79F-5F078A970E9E}"/>
               </a:ext>
             </a:extLst>
           </p:cNvPr>
@@ -3032,7 +3032,7 @@
     </p:spTree>
     <p:extLst>
       <p:ext uri="{BB962C8B-B14F-4D97-AF65-F5344CB8AC3E}">
-        <p14:creationId xmlns="" xmlns:p14="http://schemas.microsoft.com/office/powerpoint/2010/main" val="2572473668"/>
+        <p14:creationId xmlns:p14="http://schemas.microsoft.com/office/powerpoint/2010/main" xmlns="" val="2572473668"/>
       </p:ext>
     </p:extLst>
   </p:cSld>
@@ -3064,7 +3064,7 @@
           <p:cNvPr id="3" name="Título 2">
             <a:extLst>
               <a:ext uri="{FF2B5EF4-FFF2-40B4-BE49-F238E27FC236}">
-                <a16:creationId xmlns="" xmlns:a16="http://schemas.microsoft.com/office/drawing/2014/main" id="{8796298E-BAD5-44F6-A79F-5F078A970E9E}"/>
+                <a16:creationId xmlns:a16="http://schemas.microsoft.com/office/drawing/2014/main" xmlns="" id="{8796298E-BAD5-44F6-A79F-5F078A970E9E}"/>
               </a:ext>
             </a:extLst>
           </p:cNvPr>
@@ -3153,7 +3153,7 @@
     </p:spTree>
     <p:extLst>
       <p:ext uri="{BB962C8B-B14F-4D97-AF65-F5344CB8AC3E}">
-        <p14:creationId xmlns="" xmlns:p14="http://schemas.microsoft.com/office/powerpoint/2010/main" val="2572473668"/>
+        <p14:creationId xmlns:p14="http://schemas.microsoft.com/office/powerpoint/2010/main" xmlns="" val="2572473668"/>
       </p:ext>
     </p:extLst>
   </p:cSld>
@@ -3185,7 +3185,7 @@
           <p:cNvPr id="3" name="Título 2">
             <a:extLst>
               <a:ext uri="{FF2B5EF4-FFF2-40B4-BE49-F238E27FC236}">
-                <a16:creationId xmlns="" xmlns:a16="http://schemas.microsoft.com/office/drawing/2014/main" id="{8796298E-BAD5-44F6-A79F-5F078A970E9E}"/>
+                <a16:creationId xmlns:a16="http://schemas.microsoft.com/office/drawing/2014/main" xmlns="" id="{8796298E-BAD5-44F6-A79F-5F078A970E9E}"/>
               </a:ext>
             </a:extLst>
           </p:cNvPr>
@@ -3245,7 +3245,7 @@
     </p:spTree>
     <p:extLst>
       <p:ext uri="{BB962C8B-B14F-4D97-AF65-F5344CB8AC3E}">
-        <p14:creationId xmlns="" xmlns:p14="http://schemas.microsoft.com/office/powerpoint/2010/main" val="2572473668"/>
+        <p14:creationId xmlns:p14="http://schemas.microsoft.com/office/powerpoint/2010/main" xmlns="" val="2572473668"/>
       </p:ext>
     </p:extLst>
   </p:cSld>
@@ -3277,7 +3277,7 @@
           <p:cNvPr id="3" name="Título 2">
             <a:extLst>
               <a:ext uri="{FF2B5EF4-FFF2-40B4-BE49-F238E27FC236}">
-                <a16:creationId xmlns="" xmlns:a16="http://schemas.microsoft.com/office/drawing/2014/main" id="{3DF3180C-EDBC-4044-8629-A79F6440F505}"/>
+                <a16:creationId xmlns:a16="http://schemas.microsoft.com/office/drawing/2014/main" xmlns="" id="{3DF3180C-EDBC-4044-8629-A79F6440F505}"/>
               </a:ext>
             </a:extLst>
           </p:cNvPr>
@@ -3312,7 +3312,7 @@
       </p:sp>
       <p:pic>
         <p:nvPicPr>
-          <p:cNvPr id="9218" name="Picture 2"/>
+          <p:cNvPr id="1026" name="Picture 2"/>
           <p:cNvPicPr>
             <a:picLocks noChangeAspect="1" noChangeArrowheads="1"/>
           </p:cNvPicPr>
@@ -3327,8 +3327,8 @@
         </p:blipFill>
         <p:spPr bwMode="auto">
           <a:xfrm>
-            <a:off x="1428728" y="2928934"/>
-            <a:ext cx="7500958" cy="2008763"/>
+            <a:off x="1214414" y="2643182"/>
+            <a:ext cx="7715272" cy="2073267"/>
           </a:xfrm>
           <a:prstGeom prst="rect">
             <a:avLst/>
@@ -3346,7 +3346,7 @@
     </p:spTree>
     <p:extLst>
       <p:ext uri="{BB962C8B-B14F-4D97-AF65-F5344CB8AC3E}">
-        <p14:creationId xmlns="" xmlns:p14="http://schemas.microsoft.com/office/powerpoint/2010/main" val="3111128428"/>
+        <p14:creationId xmlns:p14="http://schemas.microsoft.com/office/powerpoint/2010/main" xmlns="" val="3111128428"/>
       </p:ext>
     </p:extLst>
   </p:cSld>
@@ -3385,7 +3385,7 @@
           <p:cNvPr id="2" name="Marcador de Posição do Texto 1">
             <a:extLst>
               <a:ext uri="{FF2B5EF4-FFF2-40B4-BE49-F238E27FC236}">
-                <a16:creationId xmlns="" xmlns:a16="http://schemas.microsoft.com/office/drawing/2014/main" id="{B12C2390-66C5-417A-A63E-9C0042C7E344}"/>
+                <a16:creationId xmlns:a16="http://schemas.microsoft.com/office/drawing/2014/main" xmlns="" id="{B12C2390-66C5-417A-A63E-9C0042C7E344}"/>
               </a:ext>
             </a:extLst>
           </p:cNvPr>
@@ -3411,22 +3411,14 @@
           <a:p>
             <a:r>
               <a:rPr lang="en-US" dirty="0" smtClean="0"/>
-              <a:t>E</a:t>
-            </a:r>
+              <a:t>Events;</a:t>
+            </a:r>
+            <a:endParaRPr lang="en-US" dirty="0"/>
+          </a:p>
+          <a:p>
             <a:r>
               <a:rPr lang="en-US" dirty="0" smtClean="0"/>
-              <a:t>vents;</a:t>
-            </a:r>
-            <a:endParaRPr lang="en-US" dirty="0"/>
-          </a:p>
-          <a:p>
-            <a:r>
-              <a:rPr lang="en-US" dirty="0" smtClean="0"/>
-              <a:t>Use cases</a:t>
-            </a:r>
-            <a:r>
-              <a:rPr lang="en-US" dirty="0" smtClean="0"/>
-              <a:t>;</a:t>
+              <a:t>Use cases;</a:t>
             </a:r>
             <a:endParaRPr lang="en-US" dirty="0"/>
           </a:p>
@@ -3497,7 +3489,7 @@
           <p:cNvPr id="3" name="Título 2">
             <a:extLst>
               <a:ext uri="{FF2B5EF4-FFF2-40B4-BE49-F238E27FC236}">
-                <a16:creationId xmlns="" xmlns:a16="http://schemas.microsoft.com/office/drawing/2014/main" id="{4AC8DC04-938A-4062-AEF9-2AF1933E0481}"/>
+                <a16:creationId xmlns:a16="http://schemas.microsoft.com/office/drawing/2014/main" xmlns="" id="{4AC8DC04-938A-4062-AEF9-2AF1933E0481}"/>
               </a:ext>
             </a:extLst>
           </p:cNvPr>
@@ -3525,7 +3517,7 @@
     </p:spTree>
     <p:extLst>
       <p:ext uri="{BB962C8B-B14F-4D97-AF65-F5344CB8AC3E}">
-        <p14:creationId xmlns="" xmlns:p14="http://schemas.microsoft.com/office/powerpoint/2010/main" val="2083579044"/>
+        <p14:creationId xmlns:p14="http://schemas.microsoft.com/office/powerpoint/2010/main" xmlns="" val="2083579044"/>
       </p:ext>
     </p:extLst>
   </p:cSld>
@@ -3557,7 +3549,7 @@
           <p:cNvPr id="3" name="Título 2">
             <a:extLst>
               <a:ext uri="{FF2B5EF4-FFF2-40B4-BE49-F238E27FC236}">
-                <a16:creationId xmlns="" xmlns:a16="http://schemas.microsoft.com/office/drawing/2014/main" id="{24BAE87D-226F-4F4C-BA38-CC469BD9C296}"/>
+                <a16:creationId xmlns:a16="http://schemas.microsoft.com/office/drawing/2014/main" xmlns="" id="{24BAE87D-226F-4F4C-BA38-CC469BD9C296}"/>
               </a:ext>
             </a:extLst>
           </p:cNvPr>
@@ -3609,7 +3601,7 @@
     </p:spTree>
     <p:extLst>
       <p:ext uri="{BB962C8B-B14F-4D97-AF65-F5344CB8AC3E}">
-        <p14:creationId xmlns="" xmlns:p14="http://schemas.microsoft.com/office/powerpoint/2010/main" val="480818972"/>
+        <p14:creationId xmlns:p14="http://schemas.microsoft.com/office/powerpoint/2010/main" xmlns="" val="480818972"/>
       </p:ext>
     </p:extLst>
   </p:cSld>
@@ -3641,7 +3633,7 @@
           <p:cNvPr id="3" name="Título 2">
             <a:extLst>
               <a:ext uri="{FF2B5EF4-FFF2-40B4-BE49-F238E27FC236}">
-                <a16:creationId xmlns="" xmlns:a16="http://schemas.microsoft.com/office/drawing/2014/main" id="{44E82692-35FA-463F-8AEF-B1832E637813}"/>
+                <a16:creationId xmlns:a16="http://schemas.microsoft.com/office/drawing/2014/main" xmlns="" id="{44E82692-35FA-463F-8AEF-B1832E637813}"/>
               </a:ext>
             </a:extLst>
           </p:cNvPr>
@@ -3699,7 +3691,7 @@
     </p:spTree>
     <p:extLst>
       <p:ext uri="{BB962C8B-B14F-4D97-AF65-F5344CB8AC3E}">
-        <p14:creationId xmlns="" xmlns:p14="http://schemas.microsoft.com/office/powerpoint/2010/main" val="1124449794"/>
+        <p14:creationId xmlns:p14="http://schemas.microsoft.com/office/powerpoint/2010/main" xmlns="" val="1124449794"/>
       </p:ext>
     </p:extLst>
   </p:cSld>
@@ -3731,7 +3723,7 @@
           <p:cNvPr id="3" name="Título 2">
             <a:extLst>
               <a:ext uri="{FF2B5EF4-FFF2-40B4-BE49-F238E27FC236}">
-                <a16:creationId xmlns="" xmlns:a16="http://schemas.microsoft.com/office/drawing/2014/main" id="{EDC9625F-4A21-4F5E-98E6-419EB27BF491}"/>
+                <a16:creationId xmlns:a16="http://schemas.microsoft.com/office/drawing/2014/main" xmlns="" id="{EDC9625F-4A21-4F5E-98E6-419EB27BF491}"/>
               </a:ext>
             </a:extLst>
           </p:cNvPr>
@@ -3789,7 +3781,7 @@
     </p:spTree>
     <p:extLst>
       <p:ext uri="{BB962C8B-B14F-4D97-AF65-F5344CB8AC3E}">
-        <p14:creationId xmlns="" xmlns:p14="http://schemas.microsoft.com/office/powerpoint/2010/main" val="1151258127"/>
+        <p14:creationId xmlns:p14="http://schemas.microsoft.com/office/powerpoint/2010/main" xmlns="" val="1151258127"/>
       </p:ext>
     </p:extLst>
   </p:cSld>
@@ -3821,7 +3813,7 @@
           <p:cNvPr id="3" name="Título 2">
             <a:extLst>
               <a:ext uri="{FF2B5EF4-FFF2-40B4-BE49-F238E27FC236}">
-                <a16:creationId xmlns="" xmlns:a16="http://schemas.microsoft.com/office/drawing/2014/main" id="{8796298E-BAD5-44F6-A79F-5F078A970E9E}"/>
+                <a16:creationId xmlns:a16="http://schemas.microsoft.com/office/drawing/2014/main" xmlns="" id="{8796298E-BAD5-44F6-A79F-5F078A970E9E}"/>
               </a:ext>
             </a:extLst>
           </p:cNvPr>
@@ -3881,7 +3873,7 @@
     </p:spTree>
     <p:extLst>
       <p:ext uri="{BB962C8B-B14F-4D97-AF65-F5344CB8AC3E}">
-        <p14:creationId xmlns="" xmlns:p14="http://schemas.microsoft.com/office/powerpoint/2010/main" val="2572473668"/>
+        <p14:creationId xmlns:p14="http://schemas.microsoft.com/office/powerpoint/2010/main" xmlns="" val="2572473668"/>
       </p:ext>
     </p:extLst>
   </p:cSld>
@@ -3913,7 +3905,7 @@
           <p:cNvPr id="3" name="Título 2">
             <a:extLst>
               <a:ext uri="{FF2B5EF4-FFF2-40B4-BE49-F238E27FC236}">
-                <a16:creationId xmlns="" xmlns:a16="http://schemas.microsoft.com/office/drawing/2014/main" id="{8796298E-BAD5-44F6-A79F-5F078A970E9E}"/>
+                <a16:creationId xmlns:a16="http://schemas.microsoft.com/office/drawing/2014/main" xmlns="" id="{8796298E-BAD5-44F6-A79F-5F078A970E9E}"/>
               </a:ext>
             </a:extLst>
           </p:cNvPr>
@@ -3966,7 +3958,7 @@
     </p:spTree>
     <p:extLst>
       <p:ext uri="{BB962C8B-B14F-4D97-AF65-F5344CB8AC3E}">
-        <p14:creationId xmlns="" xmlns:p14="http://schemas.microsoft.com/office/powerpoint/2010/main" val="2572473668"/>
+        <p14:creationId xmlns:p14="http://schemas.microsoft.com/office/powerpoint/2010/main" xmlns="" val="2572473668"/>
       </p:ext>
     </p:extLst>
   </p:cSld>
@@ -3998,7 +3990,7 @@
           <p:cNvPr id="3" name="Título 2">
             <a:extLst>
               <a:ext uri="{FF2B5EF4-FFF2-40B4-BE49-F238E27FC236}">
-                <a16:creationId xmlns="" xmlns:a16="http://schemas.microsoft.com/office/drawing/2014/main" id="{8796298E-BAD5-44F6-A79F-5F078A970E9E}"/>
+                <a16:creationId xmlns:a16="http://schemas.microsoft.com/office/drawing/2014/main" xmlns="" id="{8796298E-BAD5-44F6-A79F-5F078A970E9E}"/>
               </a:ext>
             </a:extLst>
           </p:cNvPr>
@@ -4051,7 +4043,7 @@
     </p:spTree>
     <p:extLst>
       <p:ext uri="{BB962C8B-B14F-4D97-AF65-F5344CB8AC3E}">
-        <p14:creationId xmlns="" xmlns:p14="http://schemas.microsoft.com/office/powerpoint/2010/main" val="2572473668"/>
+        <p14:creationId xmlns:p14="http://schemas.microsoft.com/office/powerpoint/2010/main" xmlns="" val="2572473668"/>
       </p:ext>
     </p:extLst>
   </p:cSld>
@@ -4083,7 +4075,7 @@
           <p:cNvPr id="3" name="Título 2">
             <a:extLst>
               <a:ext uri="{FF2B5EF4-FFF2-40B4-BE49-F238E27FC236}">
-                <a16:creationId xmlns="" xmlns:a16="http://schemas.microsoft.com/office/drawing/2014/main" id="{8796298E-BAD5-44F6-A79F-5F078A970E9E}"/>
+                <a16:creationId xmlns:a16="http://schemas.microsoft.com/office/drawing/2014/main" xmlns="" id="{8796298E-BAD5-44F6-A79F-5F078A970E9E}"/>
               </a:ext>
             </a:extLst>
           </p:cNvPr>
@@ -4174,7 +4166,7 @@
     </p:spTree>
     <p:extLst>
       <p:ext uri="{BB962C8B-B14F-4D97-AF65-F5344CB8AC3E}">
-        <p14:creationId xmlns="" xmlns:p14="http://schemas.microsoft.com/office/powerpoint/2010/main" val="2572473668"/>
+        <p14:creationId xmlns:p14="http://schemas.microsoft.com/office/powerpoint/2010/main" xmlns="" val="2572473668"/>
       </p:ext>
     </p:extLst>
   </p:cSld>
@@ -5035,7 +5027,7 @@
 </file>
 
 <file path=customXml/item1.xml><?xml version="1.0" encoding="utf-8"?>
-<p:properties xmlns:p="http://schemas.microsoft.com/office/2006/metadata/properties" xmlns:xsi="http://www.w3.org/2001/XMLSchema-instance" xmlns:pc="http://schemas.microsoft.com/office/infopath/2007/PartnerControls"/>
+<ct:contentTypeSchema xmlns:ct="http://schemas.microsoft.com/office/2006/metadata/contentType" xmlns:ma="http://schemas.microsoft.com/office/2006/metadata/properties/metaAttributes" ct:_="" ma:_="" ma:contentTypeName="TemplateFile" ma:contentTypeID="0x0101005EB5FCBB1E5ECD4D83FA6E62BA4F98FF04003B76559807ED7042AFCC9CD6E0E16B7A" ma:contentTypeVersion="23" ma:contentTypeDescription="Create a new document." ma:contentTypeScope="" ma:versionID="4e7ae912b4fbccaa31f4eb83f826eee0"/>
 </file>
 
 <file path=customXml/item2.xml><?xml version="1.0" encoding="utf-8"?>
@@ -5048,14 +5040,14 @@
 </file>
 
 <file path=customXml/item3.xml><?xml version="1.0" encoding="utf-8"?>
-<ct:contentTypeSchema xmlns:ct="http://schemas.microsoft.com/office/2006/metadata/contentType" xmlns:ma="http://schemas.microsoft.com/office/2006/metadata/properties/metaAttributes" ct:_="" ma:_="" ma:contentTypeName="TemplateFile" ma:contentTypeID="0x0101005EB5FCBB1E5ECD4D83FA6E62BA4F98FF04003B76559807ED7042AFCC9CD6E0E16B7A" ma:contentTypeVersion="23" ma:contentTypeDescription="Create a new document." ma:contentTypeScope="" ma:versionID="4e7ae912b4fbccaa31f4eb83f826eee0"/>
+<p:properties xmlns:p="http://schemas.microsoft.com/office/2006/metadata/properties" xmlns:xsi="http://www.w3.org/2001/XMLSchema-instance" xmlns:pc="http://schemas.microsoft.com/office/infopath/2007/PartnerControls"/>
 </file>
 
 <file path=customXml/itemProps1.xml><?xml version="1.0" encoding="utf-8"?>
-<ds:datastoreItem xmlns:ds="http://schemas.openxmlformats.org/officeDocument/2006/customXml" ds:itemID="{01D2A88F-2AED-40BE-90C1-A47312572039}">
+<ds:datastoreItem xmlns:ds="http://schemas.openxmlformats.org/officeDocument/2006/customXml" ds:itemID="{43739120-6E4D-43F1-BE63-8A56581E977C}">
   <ds:schemaRefs>
-    <ds:schemaRef ds:uri="http://schemas.microsoft.com/office/2006/metadata/properties"/>
-    <ds:schemaRef ds:uri="http://schemas.microsoft.com/office/infopath/2007/PartnerControls"/>
+    <ds:schemaRef ds:uri="http://schemas.microsoft.com/office/2006/metadata/contentType"/>
+    <ds:schemaRef ds:uri="http://schemas.microsoft.com/office/2006/metadata/properties/metaAttributes"/>
   </ds:schemaRefs>
 </ds:datastoreItem>
 </file>
@@ -5069,10 +5061,10 @@
 </file>
 
 <file path=customXml/itemProps3.xml><?xml version="1.0" encoding="utf-8"?>
-<ds:datastoreItem xmlns:ds="http://schemas.openxmlformats.org/officeDocument/2006/customXml" ds:itemID="{43739120-6E4D-43F1-BE63-8A56581E977C}">
+<ds:datastoreItem xmlns:ds="http://schemas.openxmlformats.org/officeDocument/2006/customXml" ds:itemID="{01D2A88F-2AED-40BE-90C1-A47312572039}">
   <ds:schemaRefs>
-    <ds:schemaRef ds:uri="http://schemas.microsoft.com/office/2006/metadata/contentType"/>
-    <ds:schemaRef ds:uri="http://schemas.microsoft.com/office/2006/metadata/properties/metaAttributes"/>
+    <ds:schemaRef ds:uri="http://schemas.microsoft.com/office/2006/metadata/properties"/>
+    <ds:schemaRef ds:uri="http://schemas.microsoft.com/office/infopath/2007/PartnerControls"/>
   </ds:schemaRefs>
 </ds:datastoreItem>
 </file>
--- a/Presentations/análise.pptx
+++ b/Presentations/análise.pptx
@@ -127,7 +127,7 @@
   </p:defaultTextStyle>
   <p:extLst>
     <p:ext uri="{EFAFB233-063F-42B5-8137-9DF3F51BA10A}">
-      <p15:sldGuideLst xmlns:p15="http://schemas.microsoft.com/office/powerpoint/2012/main" xmlns="">
+      <p15:sldGuideLst xmlns:p15="http://schemas.microsoft.com/office/powerpoint/2012/main">
         <p15:guide id="1" orient="horz" pos="2160">
           <p15:clr>
             <a:srgbClr val="A4A3A4"/>
@@ -794,7 +794,7 @@
     </p:spTree>
     <p:extLst>
       <p:ext uri="{BB962C8B-B14F-4D97-AF65-F5344CB8AC3E}">
-        <p14:creationId xmlns:p14="http://schemas.microsoft.com/office/powerpoint/2010/main" xmlns="" val="855386721"/>
+        <p14:creationId xmlns:p14="http://schemas.microsoft.com/office/powerpoint/2010/main" val="855386721"/>
       </p:ext>
     </p:extLst>
   </p:cSld>
@@ -1040,7 +1040,7 @@
     </p:spTree>
     <p:extLst>
       <p:ext uri="{BB962C8B-B14F-4D97-AF65-F5344CB8AC3E}">
-        <p14:creationId xmlns:p14="http://schemas.microsoft.com/office/powerpoint/2010/main" xmlns="" val="3632877244"/>
+        <p14:creationId xmlns:p14="http://schemas.microsoft.com/office/powerpoint/2010/main" val="3632877244"/>
       </p:ext>
     </p:extLst>
   </p:cSld>
@@ -2446,12 +2446,12 @@
               </a:spcAft>
             </a:pPr>
             <a:r>
-              <a:rPr lang="en-US" sz="4000" b="1" i="1">
+              <a:rPr lang="en-US" sz="4000" b="1" i="1" dirty="0">
                 <a:latin typeface="Calibri" panose="020F0502020204030204" pitchFamily="34" charset="0"/>
                 <a:ea typeface="Calibri" panose="020F0502020204030204" pitchFamily="34" charset="0"/>
                 <a:cs typeface="Times New Roman" panose="02020603050405020304" pitchFamily="18" charset="0"/>
               </a:rPr>
-              <a:t>Project Plan</a:t>
+              <a:t>Analysis Phase</a:t>
             </a:r>
             <a:endParaRPr lang="pt-PT" sz="4000" dirty="0">
               <a:effectLst/>
@@ -2492,7 +2492,7 @@
           <p:cNvPr id="3" name="Título 2">
             <a:extLst>
               <a:ext uri="{FF2B5EF4-FFF2-40B4-BE49-F238E27FC236}">
-                <a16:creationId xmlns:a16="http://schemas.microsoft.com/office/drawing/2014/main" xmlns="" id="{8796298E-BAD5-44F6-A79F-5F078A970E9E}"/>
+                <a16:creationId xmlns:a16="http://schemas.microsoft.com/office/drawing/2014/main" id="{8796298E-BAD5-44F6-A79F-5F078A970E9E}"/>
               </a:ext>
             </a:extLst>
           </p:cNvPr>
@@ -2509,10 +2509,9 @@
           <a:lstStyle/>
           <a:p>
             <a:r>
-              <a:rPr lang="en-US" dirty="0" smtClean="0"/>
+              <a:rPr lang="en-US" dirty="0"/>
               <a:t>Sequential diagram</a:t>
             </a:r>
-            <a:endParaRPr lang="en-US" dirty="0"/>
           </a:p>
         </p:txBody>
       </p:sp>
@@ -2565,23 +2564,23 @@
           <a:lstStyle/>
           <a:p>
             <a:r>
-              <a:rPr lang="pt-PT" dirty="0" err="1" smtClean="0"/>
+              <a:rPr lang="pt-PT" dirty="0" err="1"/>
               <a:t>Air</a:t>
             </a:r>
             <a:r>
-              <a:rPr lang="pt-PT" dirty="0" smtClean="0"/>
+              <a:rPr lang="pt-PT" dirty="0"/>
               <a:t> </a:t>
             </a:r>
             <a:r>
-              <a:rPr lang="pt-PT" dirty="0" err="1" smtClean="0"/>
+              <a:rPr lang="pt-PT" dirty="0" err="1"/>
               <a:t>humidity</a:t>
             </a:r>
             <a:r>
-              <a:rPr lang="pt-PT" dirty="0" smtClean="0"/>
+              <a:rPr lang="pt-PT" dirty="0"/>
               <a:t> </a:t>
             </a:r>
             <a:r>
-              <a:rPr lang="pt-PT" dirty="0" err="1" smtClean="0"/>
+              <a:rPr lang="pt-PT" dirty="0" err="1"/>
               <a:t>control</a:t>
             </a:r>
             <a:endParaRPr lang="pt-PT" dirty="0"/>
@@ -2591,7 +2590,7 @@
     </p:spTree>
     <p:extLst>
       <p:ext uri="{BB962C8B-B14F-4D97-AF65-F5344CB8AC3E}">
-        <p14:creationId xmlns:p14="http://schemas.microsoft.com/office/powerpoint/2010/main" xmlns="" val="2572473668"/>
+        <p14:creationId xmlns:p14="http://schemas.microsoft.com/office/powerpoint/2010/main" val="2572473668"/>
       </p:ext>
     </p:extLst>
   </p:cSld>
@@ -2623,7 +2622,7 @@
           <p:cNvPr id="3" name="Título 2">
             <a:extLst>
               <a:ext uri="{FF2B5EF4-FFF2-40B4-BE49-F238E27FC236}">
-                <a16:creationId xmlns:a16="http://schemas.microsoft.com/office/drawing/2014/main" xmlns="" id="{8796298E-BAD5-44F6-A79F-5F078A970E9E}"/>
+                <a16:creationId xmlns:a16="http://schemas.microsoft.com/office/drawing/2014/main" id="{8796298E-BAD5-44F6-A79F-5F078A970E9E}"/>
               </a:ext>
             </a:extLst>
           </p:cNvPr>
@@ -2640,10 +2639,9 @@
           <a:lstStyle/>
           <a:p>
             <a:r>
-              <a:rPr lang="en-US" dirty="0" smtClean="0"/>
+              <a:rPr lang="en-US" dirty="0"/>
               <a:t>Sequential diagram</a:t>
             </a:r>
-            <a:endParaRPr lang="en-US" dirty="0"/>
           </a:p>
         </p:txBody>
       </p:sp>
@@ -2696,23 +2694,23 @@
           <a:lstStyle/>
           <a:p>
             <a:r>
-              <a:rPr lang="pt-PT" dirty="0" err="1" smtClean="0"/>
+              <a:rPr lang="pt-PT" dirty="0" err="1"/>
               <a:t>Air</a:t>
             </a:r>
             <a:r>
-              <a:rPr lang="pt-PT" dirty="0" smtClean="0"/>
+              <a:rPr lang="pt-PT" dirty="0"/>
               <a:t> </a:t>
             </a:r>
             <a:r>
-              <a:rPr lang="pt-PT" dirty="0" err="1" smtClean="0"/>
+              <a:rPr lang="pt-PT" dirty="0" err="1"/>
               <a:t>temperature</a:t>
             </a:r>
             <a:r>
-              <a:rPr lang="pt-PT" dirty="0" smtClean="0"/>
+              <a:rPr lang="pt-PT" dirty="0"/>
               <a:t> </a:t>
             </a:r>
             <a:r>
-              <a:rPr lang="pt-PT" dirty="0" err="1" smtClean="0"/>
+              <a:rPr lang="pt-PT" dirty="0" err="1"/>
               <a:t>control</a:t>
             </a:r>
             <a:endParaRPr lang="pt-PT" dirty="0"/>
@@ -2722,7 +2720,7 @@
     </p:spTree>
     <p:extLst>
       <p:ext uri="{BB962C8B-B14F-4D97-AF65-F5344CB8AC3E}">
-        <p14:creationId xmlns:p14="http://schemas.microsoft.com/office/powerpoint/2010/main" xmlns="" val="2572473668"/>
+        <p14:creationId xmlns:p14="http://schemas.microsoft.com/office/powerpoint/2010/main" val="2572473668"/>
       </p:ext>
     </p:extLst>
   </p:cSld>
@@ -2754,7 +2752,7 @@
           <p:cNvPr id="3" name="Título 2">
             <a:extLst>
               <a:ext uri="{FF2B5EF4-FFF2-40B4-BE49-F238E27FC236}">
-                <a16:creationId xmlns:a16="http://schemas.microsoft.com/office/drawing/2014/main" xmlns="" id="{8796298E-BAD5-44F6-A79F-5F078A970E9E}"/>
+                <a16:creationId xmlns:a16="http://schemas.microsoft.com/office/drawing/2014/main" id="{8796298E-BAD5-44F6-A79F-5F078A970E9E}"/>
               </a:ext>
             </a:extLst>
           </p:cNvPr>
@@ -2771,10 +2769,9 @@
           <a:lstStyle/>
           <a:p>
             <a:r>
-              <a:rPr lang="en-US" dirty="0" smtClean="0"/>
+              <a:rPr lang="en-US" dirty="0"/>
               <a:t>Sequential diagram</a:t>
             </a:r>
-            <a:endParaRPr lang="en-US" dirty="0"/>
           </a:p>
         </p:txBody>
       </p:sp>
@@ -2827,23 +2824,23 @@
           <a:lstStyle/>
           <a:p>
             <a:r>
-              <a:rPr lang="pt-PT" dirty="0" err="1" smtClean="0"/>
+              <a:rPr lang="pt-PT" dirty="0" err="1"/>
               <a:t>Water</a:t>
             </a:r>
             <a:r>
-              <a:rPr lang="pt-PT" dirty="0" smtClean="0"/>
+              <a:rPr lang="pt-PT" dirty="0"/>
               <a:t> </a:t>
             </a:r>
             <a:r>
-              <a:rPr lang="pt-PT" dirty="0" err="1" smtClean="0"/>
+              <a:rPr lang="pt-PT" dirty="0" err="1"/>
               <a:t>temperature</a:t>
             </a:r>
             <a:r>
-              <a:rPr lang="pt-PT" dirty="0" smtClean="0"/>
+              <a:rPr lang="pt-PT" dirty="0"/>
               <a:t> </a:t>
             </a:r>
             <a:r>
-              <a:rPr lang="pt-PT" dirty="0" err="1" smtClean="0"/>
+              <a:rPr lang="pt-PT" dirty="0" err="1"/>
               <a:t>control</a:t>
             </a:r>
             <a:endParaRPr lang="pt-PT" dirty="0"/>
@@ -2853,7 +2850,7 @@
     </p:spTree>
     <p:extLst>
       <p:ext uri="{BB962C8B-B14F-4D97-AF65-F5344CB8AC3E}">
-        <p14:creationId xmlns:p14="http://schemas.microsoft.com/office/powerpoint/2010/main" xmlns="" val="2572473668"/>
+        <p14:creationId xmlns:p14="http://schemas.microsoft.com/office/powerpoint/2010/main" val="2572473668"/>
       </p:ext>
     </p:extLst>
   </p:cSld>
@@ -2885,7 +2882,7 @@
           <p:cNvPr id="3" name="Título 2">
             <a:extLst>
               <a:ext uri="{FF2B5EF4-FFF2-40B4-BE49-F238E27FC236}">
-                <a16:creationId xmlns:a16="http://schemas.microsoft.com/office/drawing/2014/main" xmlns="" id="{8796298E-BAD5-44F6-A79F-5F078A970E9E}"/>
+                <a16:creationId xmlns:a16="http://schemas.microsoft.com/office/drawing/2014/main" id="{8796298E-BAD5-44F6-A79F-5F078A970E9E}"/>
               </a:ext>
             </a:extLst>
           </p:cNvPr>
@@ -2902,10 +2899,9 @@
           <a:lstStyle/>
           <a:p>
             <a:r>
-              <a:rPr lang="en-US" dirty="0" smtClean="0"/>
+              <a:rPr lang="en-US" dirty="0"/>
               <a:t>Sequential diagram</a:t>
             </a:r>
-            <a:endParaRPr lang="en-US" dirty="0"/>
           </a:p>
         </p:txBody>
       </p:sp>
@@ -2982,23 +2978,23 @@
           <a:lstStyle/>
           <a:p>
             <a:r>
-              <a:rPr lang="pt-PT" dirty="0" err="1" smtClean="0"/>
+              <a:rPr lang="pt-PT" dirty="0" err="1"/>
               <a:t>Change</a:t>
             </a:r>
             <a:r>
-              <a:rPr lang="pt-PT" dirty="0" smtClean="0"/>
+              <a:rPr lang="pt-PT" dirty="0"/>
               <a:t> </a:t>
             </a:r>
             <a:r>
-              <a:rPr lang="pt-PT" dirty="0" err="1" smtClean="0"/>
+              <a:rPr lang="pt-PT" dirty="0" err="1"/>
               <a:t>control</a:t>
             </a:r>
             <a:r>
-              <a:rPr lang="pt-PT" dirty="0" smtClean="0"/>
+              <a:rPr lang="pt-PT" dirty="0"/>
               <a:t> </a:t>
             </a:r>
             <a:r>
-              <a:rPr lang="pt-PT" dirty="0" err="1" smtClean="0"/>
+              <a:rPr lang="pt-PT" dirty="0" err="1"/>
               <a:t>parameters</a:t>
             </a:r>
             <a:endParaRPr lang="pt-PT" dirty="0"/>
@@ -3032,7 +3028,7 @@
     </p:spTree>
     <p:extLst>
       <p:ext uri="{BB962C8B-B14F-4D97-AF65-F5344CB8AC3E}">
-        <p14:creationId xmlns:p14="http://schemas.microsoft.com/office/powerpoint/2010/main" xmlns="" val="2572473668"/>
+        <p14:creationId xmlns:p14="http://schemas.microsoft.com/office/powerpoint/2010/main" val="2572473668"/>
       </p:ext>
     </p:extLst>
   </p:cSld>
@@ -3064,7 +3060,7 @@
           <p:cNvPr id="3" name="Título 2">
             <a:extLst>
               <a:ext uri="{FF2B5EF4-FFF2-40B4-BE49-F238E27FC236}">
-                <a16:creationId xmlns:a16="http://schemas.microsoft.com/office/drawing/2014/main" xmlns="" id="{8796298E-BAD5-44F6-A79F-5F078A970E9E}"/>
+                <a16:creationId xmlns:a16="http://schemas.microsoft.com/office/drawing/2014/main" id="{8796298E-BAD5-44F6-A79F-5F078A970E9E}"/>
               </a:ext>
             </a:extLst>
           </p:cNvPr>
@@ -3081,10 +3077,9 @@
           <a:lstStyle/>
           <a:p>
             <a:r>
-              <a:rPr lang="en-US" dirty="0" smtClean="0"/>
+              <a:rPr lang="en-US" dirty="0"/>
               <a:t>Sequential diagram</a:t>
             </a:r>
-            <a:endParaRPr lang="en-US" dirty="0"/>
           </a:p>
         </p:txBody>
       </p:sp>
@@ -3135,15 +3130,15 @@
           <a:lstStyle/>
           <a:p>
             <a:r>
-              <a:rPr lang="pt-PT" dirty="0" err="1" smtClean="0"/>
+              <a:rPr lang="pt-PT" dirty="0" err="1"/>
               <a:t>Request</a:t>
             </a:r>
             <a:r>
-              <a:rPr lang="pt-PT" dirty="0" smtClean="0"/>
+              <a:rPr lang="pt-PT" dirty="0"/>
               <a:t> </a:t>
             </a:r>
             <a:r>
-              <a:rPr lang="pt-PT" dirty="0" err="1" smtClean="0"/>
+              <a:rPr lang="pt-PT" dirty="0" err="1"/>
               <a:t>report</a:t>
             </a:r>
             <a:endParaRPr lang="pt-PT" dirty="0"/>
@@ -3153,7 +3148,7 @@
     </p:spTree>
     <p:extLst>
       <p:ext uri="{BB962C8B-B14F-4D97-AF65-F5344CB8AC3E}">
-        <p14:creationId xmlns:p14="http://schemas.microsoft.com/office/powerpoint/2010/main" xmlns="" val="2572473668"/>
+        <p14:creationId xmlns:p14="http://schemas.microsoft.com/office/powerpoint/2010/main" val="2572473668"/>
       </p:ext>
     </p:extLst>
   </p:cSld>
@@ -3185,7 +3180,7 @@
           <p:cNvPr id="3" name="Título 2">
             <a:extLst>
               <a:ext uri="{FF2B5EF4-FFF2-40B4-BE49-F238E27FC236}">
-                <a16:creationId xmlns:a16="http://schemas.microsoft.com/office/drawing/2014/main" xmlns="" id="{8796298E-BAD5-44F6-A79F-5F078A970E9E}"/>
+                <a16:creationId xmlns:a16="http://schemas.microsoft.com/office/drawing/2014/main" id="{8796298E-BAD5-44F6-A79F-5F078A970E9E}"/>
               </a:ext>
             </a:extLst>
           </p:cNvPr>
@@ -3202,10 +3197,9 @@
           <a:lstStyle/>
           <a:p>
             <a:r>
-              <a:rPr lang="en-US" dirty="0" smtClean="0"/>
+              <a:rPr lang="en-US" dirty="0"/>
               <a:t>Budget</a:t>
             </a:r>
-            <a:endParaRPr lang="en-US" dirty="0"/>
           </a:p>
         </p:txBody>
       </p:sp>
@@ -3245,7 +3239,7 @@
     </p:spTree>
     <p:extLst>
       <p:ext uri="{BB962C8B-B14F-4D97-AF65-F5344CB8AC3E}">
-        <p14:creationId xmlns:p14="http://schemas.microsoft.com/office/powerpoint/2010/main" xmlns="" val="2572473668"/>
+        <p14:creationId xmlns:p14="http://schemas.microsoft.com/office/powerpoint/2010/main" val="2572473668"/>
       </p:ext>
     </p:extLst>
   </p:cSld>
@@ -3277,7 +3271,7 @@
           <p:cNvPr id="3" name="Título 2">
             <a:extLst>
               <a:ext uri="{FF2B5EF4-FFF2-40B4-BE49-F238E27FC236}">
-                <a16:creationId xmlns:a16="http://schemas.microsoft.com/office/drawing/2014/main" xmlns="" id="{3DF3180C-EDBC-4044-8629-A79F6440F505}"/>
+                <a16:creationId xmlns:a16="http://schemas.microsoft.com/office/drawing/2014/main" id="{3DF3180C-EDBC-4044-8629-A79F6440F505}"/>
               </a:ext>
             </a:extLst>
           </p:cNvPr>
@@ -3346,20 +3340,13 @@
     </p:spTree>
     <p:extLst>
       <p:ext uri="{BB962C8B-B14F-4D97-AF65-F5344CB8AC3E}">
-        <p14:creationId xmlns:p14="http://schemas.microsoft.com/office/powerpoint/2010/main" xmlns="" val="3111128428"/>
+        <p14:creationId xmlns:p14="http://schemas.microsoft.com/office/powerpoint/2010/main" val="3111128428"/>
       </p:ext>
     </p:extLst>
   </p:cSld>
   <p:clrMapOvr>
     <a:masterClrMapping/>
   </p:clrMapOvr>
-  <p:timing>
-    <p:tnLst>
-      <p:par>
-        <p:cTn id="1" dur="indefinite" restart="never" nodeType="tmRoot"/>
-      </p:par>
-    </p:tnLst>
-  </p:timing>
 </p:sld>
 </file>
 
@@ -3385,7 +3372,7 @@
           <p:cNvPr id="2" name="Marcador de Posição do Texto 1">
             <a:extLst>
               <a:ext uri="{FF2B5EF4-FFF2-40B4-BE49-F238E27FC236}">
-                <a16:creationId xmlns:a16="http://schemas.microsoft.com/office/drawing/2014/main" xmlns="" id="{B12C2390-66C5-417A-A63E-9C0042C7E344}"/>
+                <a16:creationId xmlns:a16="http://schemas.microsoft.com/office/drawing/2014/main" id="{B12C2390-66C5-417A-A63E-9C0042C7E344}"/>
               </a:ext>
             </a:extLst>
           </p:cNvPr>
@@ -3404,44 +3391,39 @@
           <a:lstStyle/>
           <a:p>
             <a:r>
-              <a:rPr lang="en-US" dirty="0" smtClean="0"/>
+              <a:rPr lang="en-US" dirty="0"/>
               <a:t>Project plan alterations</a:t>
             </a:r>
           </a:p>
           <a:p>
             <a:r>
-              <a:rPr lang="en-US" dirty="0" smtClean="0"/>
+              <a:rPr lang="en-US" dirty="0"/>
               <a:t>Events;</a:t>
             </a:r>
-            <a:endParaRPr lang="en-US" dirty="0"/>
-          </a:p>
-          <a:p>
-            <a:r>
-              <a:rPr lang="en-US" dirty="0" smtClean="0"/>
+          </a:p>
+          <a:p>
+            <a:r>
+              <a:rPr lang="en-US" dirty="0"/>
               <a:t>Use cases;</a:t>
             </a:r>
-            <a:endParaRPr lang="en-US" dirty="0"/>
-          </a:p>
-          <a:p>
-            <a:r>
-              <a:rPr lang="en-US" dirty="0" smtClean="0"/>
+          </a:p>
+          <a:p>
+            <a:r>
+              <a:rPr lang="en-US" dirty="0"/>
               <a:t>State diagrams;</a:t>
             </a:r>
-            <a:endParaRPr lang="en-US" dirty="0"/>
-          </a:p>
-          <a:p>
-            <a:r>
-              <a:rPr lang="en-US" dirty="0" smtClean="0"/>
+          </a:p>
+          <a:p>
+            <a:r>
+              <a:rPr lang="en-US" dirty="0"/>
               <a:t>Sequence diagrams;</a:t>
             </a:r>
-            <a:endParaRPr lang="en-US" dirty="0"/>
-          </a:p>
-          <a:p>
-            <a:r>
-              <a:rPr lang="en-US" dirty="0" smtClean="0"/>
+          </a:p>
+          <a:p>
+            <a:r>
+              <a:rPr lang="en-US" dirty="0"/>
               <a:t>Budget estimation;</a:t>
             </a:r>
-            <a:endParaRPr lang="en-US" dirty="0"/>
           </a:p>
           <a:p>
             <a:pPr marL="0" indent="0">
@@ -3489,7 +3471,7 @@
           <p:cNvPr id="3" name="Título 2">
             <a:extLst>
               <a:ext uri="{FF2B5EF4-FFF2-40B4-BE49-F238E27FC236}">
-                <a16:creationId xmlns:a16="http://schemas.microsoft.com/office/drawing/2014/main" xmlns="" id="{4AC8DC04-938A-4062-AEF9-2AF1933E0481}"/>
+                <a16:creationId xmlns:a16="http://schemas.microsoft.com/office/drawing/2014/main" id="{4AC8DC04-938A-4062-AEF9-2AF1933E0481}"/>
               </a:ext>
             </a:extLst>
           </p:cNvPr>
@@ -3517,7 +3499,7 @@
     </p:spTree>
     <p:extLst>
       <p:ext uri="{BB962C8B-B14F-4D97-AF65-F5344CB8AC3E}">
-        <p14:creationId xmlns:p14="http://schemas.microsoft.com/office/powerpoint/2010/main" xmlns="" val="2083579044"/>
+        <p14:creationId xmlns:p14="http://schemas.microsoft.com/office/powerpoint/2010/main" val="2083579044"/>
       </p:ext>
     </p:extLst>
   </p:cSld>
@@ -3549,7 +3531,7 @@
           <p:cNvPr id="3" name="Título 2">
             <a:extLst>
               <a:ext uri="{FF2B5EF4-FFF2-40B4-BE49-F238E27FC236}">
-                <a16:creationId xmlns:a16="http://schemas.microsoft.com/office/drawing/2014/main" xmlns="" id="{24BAE87D-226F-4F4C-BA38-CC469BD9C296}"/>
+                <a16:creationId xmlns:a16="http://schemas.microsoft.com/office/drawing/2014/main" id="{24BAE87D-226F-4F4C-BA38-CC469BD9C296}"/>
               </a:ext>
             </a:extLst>
           </p:cNvPr>
@@ -3601,7 +3583,7 @@
     </p:spTree>
     <p:extLst>
       <p:ext uri="{BB962C8B-B14F-4D97-AF65-F5344CB8AC3E}">
-        <p14:creationId xmlns:p14="http://schemas.microsoft.com/office/powerpoint/2010/main" xmlns="" val="480818972"/>
+        <p14:creationId xmlns:p14="http://schemas.microsoft.com/office/powerpoint/2010/main" val="480818972"/>
       </p:ext>
     </p:extLst>
   </p:cSld>
@@ -3633,7 +3615,7 @@
           <p:cNvPr id="3" name="Título 2">
             <a:extLst>
               <a:ext uri="{FF2B5EF4-FFF2-40B4-BE49-F238E27FC236}">
-                <a16:creationId xmlns:a16="http://schemas.microsoft.com/office/drawing/2014/main" xmlns="" id="{44E82692-35FA-463F-8AEF-B1832E637813}"/>
+                <a16:creationId xmlns:a16="http://schemas.microsoft.com/office/drawing/2014/main" id="{44E82692-35FA-463F-8AEF-B1832E637813}"/>
               </a:ext>
             </a:extLst>
           </p:cNvPr>
@@ -3691,7 +3673,7 @@
     </p:spTree>
     <p:extLst>
       <p:ext uri="{BB962C8B-B14F-4D97-AF65-F5344CB8AC3E}">
-        <p14:creationId xmlns:p14="http://schemas.microsoft.com/office/powerpoint/2010/main" xmlns="" val="1124449794"/>
+        <p14:creationId xmlns:p14="http://schemas.microsoft.com/office/powerpoint/2010/main" val="1124449794"/>
       </p:ext>
     </p:extLst>
   </p:cSld>
@@ -3723,7 +3705,7 @@
           <p:cNvPr id="3" name="Título 2">
             <a:extLst>
               <a:ext uri="{FF2B5EF4-FFF2-40B4-BE49-F238E27FC236}">
-                <a16:creationId xmlns:a16="http://schemas.microsoft.com/office/drawing/2014/main" xmlns="" id="{EDC9625F-4A21-4F5E-98E6-419EB27BF491}"/>
+                <a16:creationId xmlns:a16="http://schemas.microsoft.com/office/drawing/2014/main" id="{EDC9625F-4A21-4F5E-98E6-419EB27BF491}"/>
               </a:ext>
             </a:extLst>
           </p:cNvPr>
@@ -3781,7 +3763,7 @@
     </p:spTree>
     <p:extLst>
       <p:ext uri="{BB962C8B-B14F-4D97-AF65-F5344CB8AC3E}">
-        <p14:creationId xmlns:p14="http://schemas.microsoft.com/office/powerpoint/2010/main" xmlns="" val="1151258127"/>
+        <p14:creationId xmlns:p14="http://schemas.microsoft.com/office/powerpoint/2010/main" val="1151258127"/>
       </p:ext>
     </p:extLst>
   </p:cSld>
@@ -3813,7 +3795,7 @@
           <p:cNvPr id="3" name="Título 2">
             <a:extLst>
               <a:ext uri="{FF2B5EF4-FFF2-40B4-BE49-F238E27FC236}">
-                <a16:creationId xmlns:a16="http://schemas.microsoft.com/office/drawing/2014/main" xmlns="" id="{8796298E-BAD5-44F6-A79F-5F078A970E9E}"/>
+                <a16:creationId xmlns:a16="http://schemas.microsoft.com/office/drawing/2014/main" id="{8796298E-BAD5-44F6-A79F-5F078A970E9E}"/>
               </a:ext>
             </a:extLst>
           </p:cNvPr>
@@ -3830,10 +3812,9 @@
           <a:lstStyle/>
           <a:p>
             <a:r>
-              <a:rPr lang="en-US" dirty="0" smtClean="0"/>
+              <a:rPr lang="en-US" dirty="0"/>
               <a:t>Events</a:t>
             </a:r>
-            <a:endParaRPr lang="en-US" dirty="0"/>
           </a:p>
         </p:txBody>
       </p:sp>
@@ -3873,7 +3854,7 @@
     </p:spTree>
     <p:extLst>
       <p:ext uri="{BB962C8B-B14F-4D97-AF65-F5344CB8AC3E}">
-        <p14:creationId xmlns:p14="http://schemas.microsoft.com/office/powerpoint/2010/main" xmlns="" val="2572473668"/>
+        <p14:creationId xmlns:p14="http://schemas.microsoft.com/office/powerpoint/2010/main" val="2572473668"/>
       </p:ext>
     </p:extLst>
   </p:cSld>
@@ -3905,7 +3886,7 @@
           <p:cNvPr id="3" name="Título 2">
             <a:extLst>
               <a:ext uri="{FF2B5EF4-FFF2-40B4-BE49-F238E27FC236}">
-                <a16:creationId xmlns:a16="http://schemas.microsoft.com/office/drawing/2014/main" xmlns="" id="{8796298E-BAD5-44F6-A79F-5F078A970E9E}"/>
+                <a16:creationId xmlns:a16="http://schemas.microsoft.com/office/drawing/2014/main" id="{8796298E-BAD5-44F6-A79F-5F078A970E9E}"/>
               </a:ext>
             </a:extLst>
           </p:cNvPr>
@@ -3922,10 +3903,9 @@
           <a:lstStyle/>
           <a:p>
             <a:r>
-              <a:rPr lang="en-US" dirty="0" smtClean="0"/>
+              <a:rPr lang="en-US" dirty="0"/>
               <a:t>Use cases</a:t>
             </a:r>
-            <a:endParaRPr lang="en-US" dirty="0"/>
           </a:p>
         </p:txBody>
       </p:sp>
@@ -3958,7 +3938,7 @@
     </p:spTree>
     <p:extLst>
       <p:ext uri="{BB962C8B-B14F-4D97-AF65-F5344CB8AC3E}">
-        <p14:creationId xmlns:p14="http://schemas.microsoft.com/office/powerpoint/2010/main" xmlns="" val="2572473668"/>
+        <p14:creationId xmlns:p14="http://schemas.microsoft.com/office/powerpoint/2010/main" val="2572473668"/>
       </p:ext>
     </p:extLst>
   </p:cSld>
@@ -3990,7 +3970,7 @@
           <p:cNvPr id="3" name="Título 2">
             <a:extLst>
               <a:ext uri="{FF2B5EF4-FFF2-40B4-BE49-F238E27FC236}">
-                <a16:creationId xmlns:a16="http://schemas.microsoft.com/office/drawing/2014/main" xmlns="" id="{8796298E-BAD5-44F6-A79F-5F078A970E9E}"/>
+                <a16:creationId xmlns:a16="http://schemas.microsoft.com/office/drawing/2014/main" id="{8796298E-BAD5-44F6-A79F-5F078A970E9E}"/>
               </a:ext>
             </a:extLst>
           </p:cNvPr>
@@ -4007,10 +3987,9 @@
           <a:lstStyle/>
           <a:p>
             <a:r>
-              <a:rPr lang="en-US" dirty="0" smtClean="0"/>
+              <a:rPr lang="en-US" dirty="0"/>
               <a:t>State diagram</a:t>
             </a:r>
-            <a:endParaRPr lang="en-US" dirty="0"/>
           </a:p>
         </p:txBody>
       </p:sp>
@@ -4043,7 +4022,7 @@
     </p:spTree>
     <p:extLst>
       <p:ext uri="{BB962C8B-B14F-4D97-AF65-F5344CB8AC3E}">
-        <p14:creationId xmlns:p14="http://schemas.microsoft.com/office/powerpoint/2010/main" xmlns="" val="2572473668"/>
+        <p14:creationId xmlns:p14="http://schemas.microsoft.com/office/powerpoint/2010/main" val="2572473668"/>
       </p:ext>
     </p:extLst>
   </p:cSld>
@@ -4075,7 +4054,7 @@
           <p:cNvPr id="3" name="Título 2">
             <a:extLst>
               <a:ext uri="{FF2B5EF4-FFF2-40B4-BE49-F238E27FC236}">
-                <a16:creationId xmlns:a16="http://schemas.microsoft.com/office/drawing/2014/main" xmlns="" id="{8796298E-BAD5-44F6-A79F-5F078A970E9E}"/>
+                <a16:creationId xmlns:a16="http://schemas.microsoft.com/office/drawing/2014/main" id="{8796298E-BAD5-44F6-A79F-5F078A970E9E}"/>
               </a:ext>
             </a:extLst>
           </p:cNvPr>
@@ -4092,10 +4071,9 @@
           <a:lstStyle/>
           <a:p>
             <a:r>
-              <a:rPr lang="en-US" dirty="0" smtClean="0"/>
+              <a:rPr lang="en-US" dirty="0"/>
               <a:t>Sequential diagram</a:t>
             </a:r>
-            <a:endParaRPr lang="en-US" dirty="0"/>
           </a:p>
         </p:txBody>
       </p:sp>
@@ -4148,15 +4126,15 @@
           <a:lstStyle/>
           <a:p>
             <a:r>
-              <a:rPr lang="pt-PT" dirty="0" err="1" smtClean="0"/>
+              <a:rPr lang="pt-PT" dirty="0" err="1"/>
               <a:t>Light</a:t>
             </a:r>
             <a:r>
-              <a:rPr lang="pt-PT" dirty="0" smtClean="0"/>
+              <a:rPr lang="pt-PT" dirty="0"/>
               <a:t> </a:t>
             </a:r>
             <a:r>
-              <a:rPr lang="pt-PT" dirty="0" err="1" smtClean="0"/>
+              <a:rPr lang="pt-PT" dirty="0" err="1"/>
               <a:t>control</a:t>
             </a:r>
             <a:endParaRPr lang="pt-PT" dirty="0"/>
@@ -4166,7 +4144,7 @@
     </p:spTree>
     <p:extLst>
       <p:ext uri="{BB962C8B-B14F-4D97-AF65-F5344CB8AC3E}">
-        <p14:creationId xmlns:p14="http://schemas.microsoft.com/office/powerpoint/2010/main" xmlns="" val="2572473668"/>
+        <p14:creationId xmlns:p14="http://schemas.microsoft.com/office/powerpoint/2010/main" val="2572473668"/>
       </p:ext>
     </p:extLst>
   </p:cSld>
@@ -5027,10 +5005,6 @@
 </file>
 
 <file path=customXml/item1.xml><?xml version="1.0" encoding="utf-8"?>
-<ct:contentTypeSchema xmlns:ct="http://schemas.microsoft.com/office/2006/metadata/contentType" xmlns:ma="http://schemas.microsoft.com/office/2006/metadata/properties/metaAttributes" ct:_="" ma:_="" ma:contentTypeName="TemplateFile" ma:contentTypeID="0x0101005EB5FCBB1E5ECD4D83FA6E62BA4F98FF04003B76559807ED7042AFCC9CD6E0E16B7A" ma:contentTypeVersion="23" ma:contentTypeDescription="Create a new document." ma:contentTypeScope="" ma:versionID="4e7ae912b4fbccaa31f4eb83f826eee0"/>
-</file>
-
-<file path=customXml/item2.xml><?xml version="1.0" encoding="utf-8"?>
 <?mso-contentType ?>
 <FormTemplates xmlns="http://schemas.microsoft.com/sharepoint/v3/contenttype/forms">
   <Display>DocumentLibraryForm</Display>
@@ -5039,23 +5013,27 @@
 </FormTemplates>
 </file>
 
+<file path=customXml/item2.xml><?xml version="1.0" encoding="utf-8"?>
+<ct:contentTypeSchema xmlns:ct="http://schemas.microsoft.com/office/2006/metadata/contentType" xmlns:ma="http://schemas.microsoft.com/office/2006/metadata/properties/metaAttributes" ct:_="" ma:_="" ma:contentTypeName="TemplateFile" ma:contentTypeID="0x0101005EB5FCBB1E5ECD4D83FA6E62BA4F98FF04003B76559807ED7042AFCC9CD6E0E16B7A" ma:contentTypeVersion="23" ma:contentTypeDescription="Create a new document." ma:contentTypeScope="" ma:versionID="4e7ae912b4fbccaa31f4eb83f826eee0"/>
+</file>
+
 <file path=customXml/item3.xml><?xml version="1.0" encoding="utf-8"?>
 <p:properties xmlns:p="http://schemas.microsoft.com/office/2006/metadata/properties" xmlns:xsi="http://www.w3.org/2001/XMLSchema-instance" xmlns:pc="http://schemas.microsoft.com/office/infopath/2007/PartnerControls"/>
 </file>
 
 <file path=customXml/itemProps1.xml><?xml version="1.0" encoding="utf-8"?>
-<ds:datastoreItem xmlns:ds="http://schemas.openxmlformats.org/officeDocument/2006/customXml" ds:itemID="{43739120-6E4D-43F1-BE63-8A56581E977C}">
+<ds:datastoreItem xmlns:ds="http://schemas.openxmlformats.org/officeDocument/2006/customXml" ds:itemID="{639430A2-2E43-417E-8E0C-4D89782865E9}">
   <ds:schemaRefs>
-    <ds:schemaRef ds:uri="http://schemas.microsoft.com/office/2006/metadata/contentType"/>
-    <ds:schemaRef ds:uri="http://schemas.microsoft.com/office/2006/metadata/properties/metaAttributes"/>
+    <ds:schemaRef ds:uri="http://schemas.microsoft.com/sharepoint/v3/contenttype/forms"/>
   </ds:schemaRefs>
 </ds:datastoreItem>
 </file>
 
 <file path=customXml/itemProps2.xml><?xml version="1.0" encoding="utf-8"?>
-<ds:datastoreItem xmlns:ds="http://schemas.openxmlformats.org/officeDocument/2006/customXml" ds:itemID="{639430A2-2E43-417E-8E0C-4D89782865E9}">
+<ds:datastoreItem xmlns:ds="http://schemas.openxmlformats.org/officeDocument/2006/customXml" ds:itemID="{43739120-6E4D-43F1-BE63-8A56581E977C}">
   <ds:schemaRefs>
-    <ds:schemaRef ds:uri="http://schemas.microsoft.com/sharepoint/v3/contenttype/forms"/>
+    <ds:schemaRef ds:uri="http://schemas.microsoft.com/office/2006/metadata/contentType"/>
+    <ds:schemaRef ds:uri="http://schemas.microsoft.com/office/2006/metadata/properties/metaAttributes"/>
   </ds:schemaRefs>
 </ds:datastoreItem>
 </file>

--- a/Presentations/análise.pptx
+++ b/Presentations/análise.pptx
@@ -2446,12 +2446,12 @@
               </a:spcAft>
             </a:pPr>
             <a:r>
-              <a:rPr lang="en-US" sz="4000" b="1" i="1" dirty="0">
+              <a:rPr lang="en-US" sz="4000" b="1" i="1">
                 <a:latin typeface="Calibri" panose="020F0502020204030204" pitchFamily="34" charset="0"/>
                 <a:ea typeface="Calibri" panose="020F0502020204030204" pitchFamily="34" charset="0"/>
                 <a:cs typeface="Times New Roman" panose="02020603050405020304" pitchFamily="18" charset="0"/>
               </a:rPr>
-              <a:t>Analysis Phase</a:t>
+              <a:t>Analysis</a:t>
             </a:r>
             <a:endParaRPr lang="pt-PT" sz="4000" dirty="0">
               <a:effectLst/>
@@ -5005,6 +5005,10 @@
 </file>
 
 <file path=customXml/item1.xml><?xml version="1.0" encoding="utf-8"?>
+<ct:contentTypeSchema xmlns:ct="http://schemas.microsoft.com/office/2006/metadata/contentType" xmlns:ma="http://schemas.microsoft.com/office/2006/metadata/properties/metaAttributes" ct:_="" ma:_="" ma:contentTypeName="TemplateFile" ma:contentTypeID="0x0101005EB5FCBB1E5ECD4D83FA6E62BA4F98FF04003B76559807ED7042AFCC9CD6E0E16B7A" ma:contentTypeVersion="23" ma:contentTypeDescription="Create a new document." ma:contentTypeScope="" ma:versionID="4e7ae912b4fbccaa31f4eb83f826eee0"/>
+</file>
+
+<file path=customXml/item2.xml><?xml version="1.0" encoding="utf-8"?>
 <?mso-contentType ?>
 <FormTemplates xmlns="http://schemas.microsoft.com/sharepoint/v3/contenttype/forms">
   <Display>DocumentLibraryForm</Display>
@@ -5013,27 +5017,23 @@
 </FormTemplates>
 </file>
 
-<file path=customXml/item2.xml><?xml version="1.0" encoding="utf-8"?>
-<ct:contentTypeSchema xmlns:ct="http://schemas.microsoft.com/office/2006/metadata/contentType" xmlns:ma="http://schemas.microsoft.com/office/2006/metadata/properties/metaAttributes" ct:_="" ma:_="" ma:contentTypeName="TemplateFile" ma:contentTypeID="0x0101005EB5FCBB1E5ECD4D83FA6E62BA4F98FF04003B76559807ED7042AFCC9CD6E0E16B7A" ma:contentTypeVersion="23" ma:contentTypeDescription="Create a new document." ma:contentTypeScope="" ma:versionID="4e7ae912b4fbccaa31f4eb83f826eee0"/>
-</file>
-
 <file path=customXml/item3.xml><?xml version="1.0" encoding="utf-8"?>
 <p:properties xmlns:p="http://schemas.microsoft.com/office/2006/metadata/properties" xmlns:xsi="http://www.w3.org/2001/XMLSchema-instance" xmlns:pc="http://schemas.microsoft.com/office/infopath/2007/PartnerControls"/>
 </file>
 
 <file path=customXml/itemProps1.xml><?xml version="1.0" encoding="utf-8"?>
-<ds:datastoreItem xmlns:ds="http://schemas.openxmlformats.org/officeDocument/2006/customXml" ds:itemID="{639430A2-2E43-417E-8E0C-4D89782865E9}">
+<ds:datastoreItem xmlns:ds="http://schemas.openxmlformats.org/officeDocument/2006/customXml" ds:itemID="{43739120-6E4D-43F1-BE63-8A56581E977C}">
   <ds:schemaRefs>
-    <ds:schemaRef ds:uri="http://schemas.microsoft.com/sharepoint/v3/contenttype/forms"/>
+    <ds:schemaRef ds:uri="http://schemas.microsoft.com/office/2006/metadata/contentType"/>
+    <ds:schemaRef ds:uri="http://schemas.microsoft.com/office/2006/metadata/properties/metaAttributes"/>
   </ds:schemaRefs>
 </ds:datastoreItem>
 </file>
 
 <file path=customXml/itemProps2.xml><?xml version="1.0" encoding="utf-8"?>
-<ds:datastoreItem xmlns:ds="http://schemas.openxmlformats.org/officeDocument/2006/customXml" ds:itemID="{43739120-6E4D-43F1-BE63-8A56581E977C}">
+<ds:datastoreItem xmlns:ds="http://schemas.openxmlformats.org/officeDocument/2006/customXml" ds:itemID="{639430A2-2E43-417E-8E0C-4D89782865E9}">
   <ds:schemaRefs>
-    <ds:schemaRef ds:uri="http://schemas.microsoft.com/office/2006/metadata/contentType"/>
-    <ds:schemaRef ds:uri="http://schemas.microsoft.com/office/2006/metadata/properties/metaAttributes"/>
+    <ds:schemaRef ds:uri="http://schemas.microsoft.com/sharepoint/v3/contenttype/forms"/>
   </ds:schemaRefs>
 </ds:datastoreItem>
 </file>

--- a/Presentations/análise.pptx
+++ b/Presentations/análise.pptx
@@ -5,10 +5,10 @@
     <p:sldMasterId id="2147483648" r:id="rId4"/>
   </p:sldMasterIdLst>
   <p:notesMasterIdLst>
-    <p:notesMasterId r:id="rId21"/>
+    <p:notesMasterId r:id="rId22"/>
   </p:notesMasterIdLst>
   <p:handoutMasterIdLst>
-    <p:handoutMasterId r:id="rId22"/>
+    <p:handoutMasterId r:id="rId23"/>
   </p:handoutMasterIdLst>
   <p:sldIdLst>
     <p:sldId id="260" r:id="rId5"/>
@@ -16,17 +16,18 @@
     <p:sldId id="282" r:id="rId7"/>
     <p:sldId id="266" r:id="rId8"/>
     <p:sldId id="267" r:id="rId9"/>
-    <p:sldId id="262" r:id="rId10"/>
+    <p:sldId id="268" r:id="rId10"/>
     <p:sldId id="283" r:id="rId11"/>
     <p:sldId id="291" r:id="rId12"/>
-    <p:sldId id="286" r:id="rId13"/>
-    <p:sldId id="287" r:id="rId14"/>
-    <p:sldId id="284" r:id="rId15"/>
-    <p:sldId id="288" r:id="rId16"/>
-    <p:sldId id="289" r:id="rId17"/>
-    <p:sldId id="290" r:id="rId18"/>
-    <p:sldId id="285" r:id="rId19"/>
-    <p:sldId id="268" r:id="rId20"/>
+    <p:sldId id="292" r:id="rId13"/>
+    <p:sldId id="286" r:id="rId14"/>
+    <p:sldId id="287" r:id="rId15"/>
+    <p:sldId id="284" r:id="rId16"/>
+    <p:sldId id="288" r:id="rId17"/>
+    <p:sldId id="289" r:id="rId18"/>
+    <p:sldId id="290" r:id="rId19"/>
+    <p:sldId id="262" r:id="rId20"/>
+    <p:sldId id="285" r:id="rId21"/>
   </p:sldIdLst>
   <p:sldSz cx="9144000" cy="6858000" type="screen4x3"/>
   <p:notesSz cx="6858000" cy="9144000"/>
@@ -2517,7 +2518,7 @@
       </p:sp>
       <p:pic>
         <p:nvPicPr>
-          <p:cNvPr id="6156" name="Picture 12" descr="C:\Users\0\Desktop\sequential diagram5.drawio (2).png"/>
+          <p:cNvPr id="6148" name="Picture 4" descr="C:\Users\0\Desktop\sequential diagram2.drawio.png"/>
           <p:cNvPicPr>
             <a:picLocks noChangeAspect="1" noChangeArrowheads="1"/>
           </p:cNvPicPr>
@@ -2532,8 +2533,8 @@
         </p:blipFill>
         <p:spPr bwMode="auto">
           <a:xfrm>
-            <a:off x="1785918" y="2071678"/>
-            <a:ext cx="6201772" cy="3240000"/>
+            <a:off x="1788187" y="2071678"/>
+            <a:ext cx="6837069" cy="3571900"/>
           </a:xfrm>
           <a:prstGeom prst="rect">
             <a:avLst/>
@@ -2543,7 +2544,7 @@
       </p:pic>
       <p:sp>
         <p:nvSpPr>
-          <p:cNvPr id="7" name="CaixaDeTexto 6"/>
+          <p:cNvPr id="8" name="CaixaDeTexto 7"/>
           <p:cNvSpPr txBox="1"/>
           <p:nvPr/>
         </p:nvSpPr>
@@ -2565,15 +2566,7 @@
           <a:p>
             <a:r>
               <a:rPr lang="pt-PT" dirty="0" err="1"/>
-              <a:t>Air</a:t>
-            </a:r>
-            <a:r>
-              <a:rPr lang="pt-PT" dirty="0"/>
-              <a:t> </a:t>
-            </a:r>
-            <a:r>
-              <a:rPr lang="pt-PT" dirty="0" err="1"/>
-              <a:t>humidity</a:t>
+              <a:t>Light</a:t>
             </a:r>
             <a:r>
               <a:rPr lang="pt-PT" dirty="0"/>
@@ -2645,35 +2638,9 @@
           </a:p>
         </p:txBody>
       </p:sp>
-      <p:pic>
-        <p:nvPicPr>
-          <p:cNvPr id="6149" name="Picture 5" descr="C:\Users\0\Desktop\sequential diagram.drawio.png"/>
-          <p:cNvPicPr>
-            <a:picLocks noChangeAspect="1" noChangeArrowheads="1"/>
-          </p:cNvPicPr>
-          <p:nvPr/>
-        </p:nvPicPr>
-        <p:blipFill>
-          <a:blip r:embed="rId2"/>
-          <a:srcRect/>
-          <a:stretch>
-            <a:fillRect/>
-          </a:stretch>
-        </p:blipFill>
-        <p:spPr bwMode="auto">
-          <a:xfrm>
-            <a:off x="1785918" y="2071678"/>
-            <a:ext cx="6201770" cy="3240000"/>
-          </a:xfrm>
-          <a:prstGeom prst="rect">
-            <a:avLst/>
-          </a:prstGeom>
-          <a:noFill/>
-        </p:spPr>
-      </p:pic>
       <p:sp>
         <p:nvSpPr>
-          <p:cNvPr id="15" name="CaixaDeTexto 14"/>
+          <p:cNvPr id="7" name="CaixaDeTexto 6"/>
           <p:cNvSpPr txBox="1"/>
           <p:nvPr/>
         </p:nvSpPr>
@@ -2703,7 +2670,7 @@
             </a:r>
             <a:r>
               <a:rPr lang="pt-PT" dirty="0" err="1"/>
-              <a:t>temperature</a:t>
+              <a:t>humidity</a:t>
             </a:r>
             <a:r>
               <a:rPr lang="pt-PT" dirty="0"/>
@@ -2717,6 +2684,42 @@
           </a:p>
         </p:txBody>
       </p:sp>
+      <p:pic>
+        <p:nvPicPr>
+          <p:cNvPr id="4" name="Imagem 3">
+            <a:extLst>
+              <a:ext uri="{FF2B5EF4-FFF2-40B4-BE49-F238E27FC236}">
+                <a16:creationId xmlns:a16="http://schemas.microsoft.com/office/drawing/2014/main" id="{DCFC4C65-223E-4530-96F5-03E0A4F8E674}"/>
+              </a:ext>
+            </a:extLst>
+          </p:cNvPr>
+          <p:cNvPicPr>
+            <a:picLocks noChangeAspect="1"/>
+          </p:cNvPicPr>
+          <p:nvPr/>
+        </p:nvPicPr>
+        <p:blipFill>
+          <a:blip r:embed="rId2">
+            <a:extLst>
+              <a:ext uri="{28A0092B-C50C-407E-A947-70E740481C1C}">
+                <a14:useLocalDpi xmlns:a14="http://schemas.microsoft.com/office/drawing/2010/main" val="0"/>
+              </a:ext>
+            </a:extLst>
+          </a:blip>
+          <a:stretch>
+            <a:fillRect/>
+          </a:stretch>
+        </p:blipFill>
+        <p:spPr>
+          <a:xfrm>
+            <a:off x="1785918" y="2204864"/>
+            <a:ext cx="6941815" cy="3626621"/>
+          </a:xfrm>
+          <a:prstGeom prst="rect">
+            <a:avLst/>
+          </a:prstGeom>
+        </p:spPr>
+      </p:pic>
     </p:spTree>
     <p:extLst>
       <p:ext uri="{BB962C8B-B14F-4D97-AF65-F5344CB8AC3E}">
@@ -2777,7 +2780,7 @@
       </p:sp>
       <p:pic>
         <p:nvPicPr>
-          <p:cNvPr id="6147" name="Picture 3" descr="C:\Users\0\Desktop\sequential diagram3.drawio.png"/>
+          <p:cNvPr id="6149" name="Picture 5" descr="C:\Users\0\Desktop\sequential diagram.drawio.png"/>
           <p:cNvPicPr>
             <a:picLocks noChangeAspect="1" noChangeArrowheads="1"/>
           </p:cNvPicPr>
@@ -2792,8 +2795,8 @@
         </p:blipFill>
         <p:spPr bwMode="auto">
           <a:xfrm>
-            <a:off x="1785918" y="2071678"/>
-            <a:ext cx="4579916" cy="2160000"/>
+            <a:off x="1907704" y="2228744"/>
+            <a:ext cx="6480720" cy="3385732"/>
           </a:xfrm>
           <a:prstGeom prst="rect">
             <a:avLst/>
@@ -2803,7 +2806,7 @@
       </p:pic>
       <p:sp>
         <p:nvSpPr>
-          <p:cNvPr id="7" name="CaixaDeTexto 6"/>
+          <p:cNvPr id="15" name="CaixaDeTexto 14"/>
           <p:cNvSpPr txBox="1"/>
           <p:nvPr/>
         </p:nvSpPr>
@@ -2825,7 +2828,7 @@
           <a:p>
             <a:r>
               <a:rPr lang="pt-PT" dirty="0" err="1"/>
-              <a:t>Water</a:t>
+              <a:t>Air</a:t>
             </a:r>
             <a:r>
               <a:rPr lang="pt-PT" dirty="0"/>
@@ -2907,6 +2910,136 @@
       </p:sp>
       <p:pic>
         <p:nvPicPr>
+          <p:cNvPr id="6147" name="Picture 3" descr="C:\Users\0\Desktop\sequential diagram3.drawio.png"/>
+          <p:cNvPicPr>
+            <a:picLocks noChangeAspect="1" noChangeArrowheads="1"/>
+          </p:cNvPicPr>
+          <p:nvPr/>
+        </p:nvPicPr>
+        <p:blipFill>
+          <a:blip r:embed="rId2"/>
+          <a:srcRect/>
+          <a:stretch>
+            <a:fillRect/>
+          </a:stretch>
+        </p:blipFill>
+        <p:spPr bwMode="auto">
+          <a:xfrm>
+            <a:off x="1979712" y="2381679"/>
+            <a:ext cx="6389632" cy="3013506"/>
+          </a:xfrm>
+          <a:prstGeom prst="rect">
+            <a:avLst/>
+          </a:prstGeom>
+          <a:noFill/>
+        </p:spPr>
+      </p:pic>
+      <p:sp>
+        <p:nvSpPr>
+          <p:cNvPr id="7" name="CaixaDeTexto 6"/>
+          <p:cNvSpPr txBox="1"/>
+          <p:nvPr/>
+        </p:nvSpPr>
+        <p:spPr>
+          <a:xfrm>
+            <a:off x="1785918" y="1214422"/>
+            <a:ext cx="5214974" cy="369332"/>
+          </a:xfrm>
+          <a:prstGeom prst="rect">
+            <a:avLst/>
+          </a:prstGeom>
+          <a:noFill/>
+        </p:spPr>
+        <p:txBody>
+          <a:bodyPr wrap="square" rtlCol="0">
+            <a:spAutoFit/>
+          </a:bodyPr>
+          <a:lstStyle/>
+          <a:p>
+            <a:r>
+              <a:rPr lang="pt-PT" dirty="0" err="1"/>
+              <a:t>Water</a:t>
+            </a:r>
+            <a:r>
+              <a:rPr lang="pt-PT" dirty="0"/>
+              <a:t> </a:t>
+            </a:r>
+            <a:r>
+              <a:rPr lang="pt-PT" dirty="0" err="1"/>
+              <a:t>temperature</a:t>
+            </a:r>
+            <a:r>
+              <a:rPr lang="pt-PT" dirty="0"/>
+              <a:t> </a:t>
+            </a:r>
+            <a:r>
+              <a:rPr lang="pt-PT" dirty="0" err="1"/>
+              <a:t>control</a:t>
+            </a:r>
+            <a:endParaRPr lang="pt-PT" dirty="0"/>
+          </a:p>
+        </p:txBody>
+      </p:sp>
+    </p:spTree>
+    <p:extLst>
+      <p:ext uri="{BB962C8B-B14F-4D97-AF65-F5344CB8AC3E}">
+        <p14:creationId xmlns:p14="http://schemas.microsoft.com/office/powerpoint/2010/main" val="2572473668"/>
+      </p:ext>
+    </p:extLst>
+  </p:cSld>
+  <p:clrMapOvr>
+    <a:masterClrMapping/>
+  </p:clrMapOvr>
+</p:sld>
+</file>
+
+<file path=ppt/slides/slide14.xml><?xml version="1.0" encoding="utf-8"?>
+<p:sld xmlns:a="http://schemas.openxmlformats.org/drawingml/2006/main" xmlns:r="http://schemas.openxmlformats.org/officeDocument/2006/relationships" xmlns:p="http://schemas.openxmlformats.org/presentationml/2006/main">
+  <p:cSld>
+    <p:spTree>
+      <p:nvGrpSpPr>
+        <p:cNvPr id="1" name=""/>
+        <p:cNvGrpSpPr/>
+        <p:nvPr/>
+      </p:nvGrpSpPr>
+      <p:grpSpPr>
+        <a:xfrm>
+          <a:off x="0" y="0"/>
+          <a:ext cx="0" cy="0"/>
+          <a:chOff x="0" y="0"/>
+          <a:chExt cx="0" cy="0"/>
+        </a:xfrm>
+      </p:grpSpPr>
+      <p:sp>
+        <p:nvSpPr>
+          <p:cNvPr id="3" name="Título 2">
+            <a:extLst>
+              <a:ext uri="{FF2B5EF4-FFF2-40B4-BE49-F238E27FC236}">
+                <a16:creationId xmlns:a16="http://schemas.microsoft.com/office/drawing/2014/main" id="{8796298E-BAD5-44F6-A79F-5F078A970E9E}"/>
+              </a:ext>
+            </a:extLst>
+          </p:cNvPr>
+          <p:cNvSpPr>
+            <a:spLocks noGrp="1"/>
+          </p:cNvSpPr>
+          <p:nvPr>
+            <p:ph type="title"/>
+          </p:nvPr>
+        </p:nvSpPr>
+        <p:spPr/>
+        <p:txBody>
+          <a:bodyPr/>
+          <a:lstStyle/>
+          <a:p>
+            <a:r>
+              <a:rPr lang="en-US" dirty="0"/>
+              <a:t>Sequential diagram</a:t>
+            </a:r>
+          </a:p>
+        </p:txBody>
+      </p:sp>
+      <p:pic>
+        <p:nvPicPr>
           <p:cNvPr id="7171" name="Picture 3" descr="C:\Users\0\Desktop\sequential diagram4.drawio.png"/>
           <p:cNvPicPr>
             <a:picLocks noChangeAspect="1" noChangeArrowheads="1"/>
@@ -2922,8 +3055,8 @@
         </p:blipFill>
         <p:spPr bwMode="auto">
           <a:xfrm>
-            <a:off x="5929322" y="1928802"/>
-            <a:ext cx="2200275" cy="3438525"/>
+            <a:off x="5889545" y="1928802"/>
+            <a:ext cx="2517475" cy="3934235"/>
           </a:xfrm>
           <a:prstGeom prst="rect">
             <a:avLst/>
@@ -3038,7 +3171,7 @@
 </p:sld>
 </file>
 
-<file path=ppt/slides/slide14.xml><?xml version="1.0" encoding="utf-8"?>
+<file path=ppt/slides/slide15.xml><?xml version="1.0" encoding="utf-8"?>
 <p:sld xmlns:a="http://schemas.openxmlformats.org/drawingml/2006/main" xmlns:r="http://schemas.openxmlformats.org/officeDocument/2006/relationships" xmlns:p="http://schemas.openxmlformats.org/presentationml/2006/main">
   <p:cSld>
     <p:spTree>
@@ -3083,30 +3216,6 @@
           </a:p>
         </p:txBody>
       </p:sp>
-      <p:pic>
-        <p:nvPicPr>
-          <p:cNvPr id="12" name="Imagem 11" descr="sequential diagram9.drawio.png"/>
-          <p:cNvPicPr>
-            <a:picLocks noChangeAspect="1"/>
-          </p:cNvPicPr>
-          <p:nvPr/>
-        </p:nvPicPr>
-        <p:blipFill>
-          <a:blip r:embed="rId2"/>
-          <a:stretch>
-            <a:fillRect/>
-          </a:stretch>
-        </p:blipFill>
-        <p:spPr>
-          <a:xfrm>
-            <a:off x="2500298" y="2143115"/>
-            <a:ext cx="4601380" cy="3071835"/>
-          </a:xfrm>
-          <a:prstGeom prst="rect">
-            <a:avLst/>
-          </a:prstGeom>
-        </p:spPr>
-      </p:pic>
       <p:sp>
         <p:nvSpPr>
           <p:cNvPr id="8" name="CaixaDeTexto 7"/>
@@ -3145,6 +3254,42 @@
           </a:p>
         </p:txBody>
       </p:sp>
+      <p:pic>
+        <p:nvPicPr>
+          <p:cNvPr id="4" name="Imagem 3">
+            <a:extLst>
+              <a:ext uri="{FF2B5EF4-FFF2-40B4-BE49-F238E27FC236}">
+                <a16:creationId xmlns:a16="http://schemas.microsoft.com/office/drawing/2014/main" id="{378F0B72-88EF-4B91-85B9-53D7ED6F6220}"/>
+              </a:ext>
+            </a:extLst>
+          </p:cNvPr>
+          <p:cNvPicPr>
+            <a:picLocks noChangeAspect="1"/>
+          </p:cNvPicPr>
+          <p:nvPr/>
+        </p:nvPicPr>
+        <p:blipFill>
+          <a:blip r:embed="rId2">
+            <a:extLst>
+              <a:ext uri="{28A0092B-C50C-407E-A947-70E740481C1C}">
+                <a14:useLocalDpi xmlns:a14="http://schemas.microsoft.com/office/drawing/2010/main" val="0"/>
+              </a:ext>
+            </a:extLst>
+          </a:blip>
+          <a:stretch>
+            <a:fillRect/>
+          </a:stretch>
+        </p:blipFill>
+        <p:spPr>
+          <a:xfrm>
+            <a:off x="2483768" y="2204864"/>
+            <a:ext cx="5329407" cy="3557859"/>
+          </a:xfrm>
+          <a:prstGeom prst="rect">
+            <a:avLst/>
+          </a:prstGeom>
+        </p:spPr>
+      </p:pic>
     </p:spTree>
     <p:extLst>
       <p:ext uri="{BB962C8B-B14F-4D97-AF65-F5344CB8AC3E}">
@@ -3158,7 +3303,4138 @@
 </p:sld>
 </file>
 
-<file path=ppt/slides/slide15.xml><?xml version="1.0" encoding="utf-8"?>
+<file path=ppt/slides/slide16.xml><?xml version="1.0" encoding="utf-8"?>
+<p:sld xmlns:a="http://schemas.openxmlformats.org/drawingml/2006/main" xmlns:r="http://schemas.openxmlformats.org/officeDocument/2006/relationships" xmlns:p="http://schemas.openxmlformats.org/presentationml/2006/main">
+  <p:cSld>
+    <p:spTree>
+      <p:nvGrpSpPr>
+        <p:cNvPr id="1" name=""/>
+        <p:cNvGrpSpPr/>
+        <p:nvPr/>
+      </p:nvGrpSpPr>
+      <p:grpSpPr>
+        <a:xfrm>
+          <a:off x="0" y="0"/>
+          <a:ext cx="0" cy="0"/>
+          <a:chOff x="0" y="0"/>
+          <a:chExt cx="0" cy="0"/>
+        </a:xfrm>
+      </p:grpSpPr>
+      <p:sp>
+        <p:nvSpPr>
+          <p:cNvPr id="3" name="Título 2">
+            <a:extLst>
+              <a:ext uri="{FF2B5EF4-FFF2-40B4-BE49-F238E27FC236}">
+                <a16:creationId xmlns:a16="http://schemas.microsoft.com/office/drawing/2014/main" id="{8796298E-BAD5-44F6-A79F-5F078A970E9E}"/>
+              </a:ext>
+            </a:extLst>
+          </p:cNvPr>
+          <p:cNvSpPr>
+            <a:spLocks noGrp="1"/>
+          </p:cNvSpPr>
+          <p:nvPr>
+            <p:ph type="title"/>
+          </p:nvPr>
+        </p:nvSpPr>
+        <p:spPr/>
+        <p:txBody>
+          <a:bodyPr/>
+          <a:lstStyle/>
+          <a:p>
+            <a:r>
+              <a:rPr lang="en-US" dirty="0"/>
+              <a:t>Events</a:t>
+            </a:r>
+          </a:p>
+        </p:txBody>
+      </p:sp>
+      <p:graphicFrame>
+        <p:nvGraphicFramePr>
+          <p:cNvPr id="2" name="Tabela 1">
+            <a:extLst>
+              <a:ext uri="{FF2B5EF4-FFF2-40B4-BE49-F238E27FC236}">
+                <a16:creationId xmlns:a16="http://schemas.microsoft.com/office/drawing/2014/main" id="{C919E0D8-5304-4117-A7BC-2A6EA136252B}"/>
+              </a:ext>
+            </a:extLst>
+          </p:cNvPr>
+          <p:cNvGraphicFramePr>
+            <a:graphicFrameLocks noGrp="1"/>
+          </p:cNvGraphicFramePr>
+          <p:nvPr>
+            <p:extLst>
+              <p:ext uri="{D42A27DB-BD31-4B8C-83A1-F6EECF244321}">
+                <p14:modId xmlns:p14="http://schemas.microsoft.com/office/powerpoint/2010/main" val="2582570128"/>
+              </p:ext>
+            </p:extLst>
+          </p:nvPr>
+        </p:nvGraphicFramePr>
+        <p:xfrm>
+          <a:off x="1475656" y="2132856"/>
+          <a:ext cx="7472041" cy="3760460"/>
+        </p:xfrm>
+        <a:graphic>
+          <a:graphicData uri="http://schemas.openxmlformats.org/drawingml/2006/table">
+            <a:tbl>
+              <a:tblPr/>
+              <a:tblGrid>
+                <a:gridCol w="413446">
+                  <a:extLst>
+                    <a:ext uri="{9D8B030D-6E8A-4147-A177-3AD203B41FA5}">
+                      <a16:colId xmlns:a16="http://schemas.microsoft.com/office/drawing/2014/main" val="1250083023"/>
+                    </a:ext>
+                  </a:extLst>
+                </a:gridCol>
+                <a:gridCol w="1827166">
+                  <a:extLst>
+                    <a:ext uri="{9D8B030D-6E8A-4147-A177-3AD203B41FA5}">
+                      <a16:colId xmlns:a16="http://schemas.microsoft.com/office/drawing/2014/main" val="4090472905"/>
+                    </a:ext>
+                  </a:extLst>
+                </a:gridCol>
+                <a:gridCol w="1987210">
+                  <a:extLst>
+                    <a:ext uri="{9D8B030D-6E8A-4147-A177-3AD203B41FA5}">
+                      <a16:colId xmlns:a16="http://schemas.microsoft.com/office/drawing/2014/main" val="3915574900"/>
+                    </a:ext>
+                  </a:extLst>
+                </a:gridCol>
+                <a:gridCol w="2173927">
+                  <a:extLst>
+                    <a:ext uri="{9D8B030D-6E8A-4147-A177-3AD203B41FA5}">
+                      <a16:colId xmlns:a16="http://schemas.microsoft.com/office/drawing/2014/main" val="238233516"/>
+                    </a:ext>
+                  </a:extLst>
+                </a:gridCol>
+                <a:gridCol w="1070292">
+                  <a:extLst>
+                    <a:ext uri="{9D8B030D-6E8A-4147-A177-3AD203B41FA5}">
+                      <a16:colId xmlns:a16="http://schemas.microsoft.com/office/drawing/2014/main" val="3704661334"/>
+                    </a:ext>
+                  </a:extLst>
+                </a:gridCol>
+              </a:tblGrid>
+              <a:tr h="221204">
+                <a:tc>
+                  <a:txBody>
+                    <a:bodyPr/>
+                    <a:lstStyle/>
+                    <a:p>
+                      <a:pPr algn="l" fontAlgn="b"/>
+                      <a:r>
+                        <a:rPr lang="pt-PT" sz="1200" b="0" i="0" u="none" strike="noStrike">
+                          <a:solidFill>
+                            <a:srgbClr val="000000"/>
+                          </a:solidFill>
+                          <a:effectLst/>
+                          <a:latin typeface="Calibri" panose="020F0502020204030204" pitchFamily="34" charset="0"/>
+                        </a:rPr>
+                        <a:t> </a:t>
+                      </a:r>
+                    </a:p>
+                  </a:txBody>
+                  <a:tcPr marL="9525" marR="9525" marT="9525" marB="0" anchor="b">
+                    <a:lnL>
+                      <a:noFill/>
+                    </a:lnL>
+                    <a:lnR w="12700" cap="flat" cmpd="sng" algn="ctr">
+                      <a:solidFill>
+                        <a:srgbClr val="000000"/>
+                      </a:solidFill>
+                      <a:prstDash val="solid"/>
+                      <a:round/>
+                      <a:headEnd type="none" w="med" len="med"/>
+                      <a:tailEnd type="none" w="med" len="med"/>
+                    </a:lnR>
+                    <a:lnT>
+                      <a:noFill/>
+                    </a:lnT>
+                    <a:lnB w="12700" cap="flat" cmpd="sng" algn="ctr">
+                      <a:solidFill>
+                        <a:srgbClr val="000000"/>
+                      </a:solidFill>
+                      <a:prstDash val="solid"/>
+                      <a:round/>
+                      <a:headEnd type="none" w="med" len="med"/>
+                      <a:tailEnd type="none" w="med" len="med"/>
+                    </a:lnB>
+                  </a:tcPr>
+                </a:tc>
+                <a:tc>
+                  <a:txBody>
+                    <a:bodyPr/>
+                    <a:lstStyle/>
+                    <a:p>
+                      <a:pPr algn="l" fontAlgn="b"/>
+                      <a:r>
+                        <a:rPr lang="pt-PT" sz="1200" b="0" i="0" u="none" strike="noStrike">
+                          <a:solidFill>
+                            <a:srgbClr val="000000"/>
+                          </a:solidFill>
+                          <a:effectLst/>
+                          <a:latin typeface="Calibri" panose="020F0502020204030204" pitchFamily="34" charset="0"/>
+                        </a:rPr>
+                        <a:t>Event name</a:t>
+                      </a:r>
+                    </a:p>
+                  </a:txBody>
+                  <a:tcPr marL="9525" marR="9525" marT="9525" marB="0" anchor="b">
+                    <a:lnL w="12700" cap="flat" cmpd="sng" algn="ctr">
+                      <a:solidFill>
+                        <a:srgbClr val="000000"/>
+                      </a:solidFill>
+                      <a:prstDash val="solid"/>
+                      <a:round/>
+                      <a:headEnd type="none" w="med" len="med"/>
+                      <a:tailEnd type="none" w="med" len="med"/>
+                    </a:lnL>
+                    <a:lnR w="6350" cap="flat" cmpd="sng" algn="ctr">
+                      <a:solidFill>
+                        <a:srgbClr val="000000"/>
+                      </a:solidFill>
+                      <a:prstDash val="solid"/>
+                      <a:round/>
+                      <a:headEnd type="none" w="med" len="med"/>
+                      <a:tailEnd type="none" w="med" len="med"/>
+                    </a:lnR>
+                    <a:lnT w="12700" cap="flat" cmpd="sng" algn="ctr">
+                      <a:solidFill>
+                        <a:srgbClr val="000000"/>
+                      </a:solidFill>
+                      <a:prstDash val="solid"/>
+                      <a:round/>
+                      <a:headEnd type="none" w="med" len="med"/>
+                      <a:tailEnd type="none" w="med" len="med"/>
+                    </a:lnT>
+                    <a:lnB w="12700" cap="flat" cmpd="sng" algn="ctr">
+                      <a:solidFill>
+                        <a:srgbClr val="000000"/>
+                      </a:solidFill>
+                      <a:prstDash val="solid"/>
+                      <a:round/>
+                      <a:headEnd type="none" w="med" len="med"/>
+                      <a:tailEnd type="none" w="med" len="med"/>
+                    </a:lnB>
+                    <a:solidFill>
+                      <a:srgbClr val="8DB4E2"/>
+                    </a:solidFill>
+                  </a:tcPr>
+                </a:tc>
+                <a:tc>
+                  <a:txBody>
+                    <a:bodyPr/>
+                    <a:lstStyle/>
+                    <a:p>
+                      <a:pPr algn="l" fontAlgn="b"/>
+                      <a:r>
+                        <a:rPr lang="pt-PT" sz="1200" b="0" i="0" u="none" strike="noStrike">
+                          <a:solidFill>
+                            <a:srgbClr val="000000"/>
+                          </a:solidFill>
+                          <a:effectLst/>
+                          <a:latin typeface="Calibri" panose="020F0502020204030204" pitchFamily="34" charset="0"/>
+                        </a:rPr>
+                        <a:t>Trigger condition</a:t>
+                      </a:r>
+                    </a:p>
+                  </a:txBody>
+                  <a:tcPr marL="9525" marR="9525" marT="9525" marB="0" anchor="b">
+                    <a:lnL w="6350" cap="flat" cmpd="sng" algn="ctr">
+                      <a:solidFill>
+                        <a:srgbClr val="000000"/>
+                      </a:solidFill>
+                      <a:prstDash val="solid"/>
+                      <a:round/>
+                      <a:headEnd type="none" w="med" len="med"/>
+                      <a:tailEnd type="none" w="med" len="med"/>
+                    </a:lnL>
+                    <a:lnR w="6350" cap="flat" cmpd="sng" algn="ctr">
+                      <a:solidFill>
+                        <a:srgbClr val="000000"/>
+                      </a:solidFill>
+                      <a:prstDash val="solid"/>
+                      <a:round/>
+                      <a:headEnd type="none" w="med" len="med"/>
+                      <a:tailEnd type="none" w="med" len="med"/>
+                    </a:lnR>
+                    <a:lnT w="12700" cap="flat" cmpd="sng" algn="ctr">
+                      <a:solidFill>
+                        <a:srgbClr val="000000"/>
+                      </a:solidFill>
+                      <a:prstDash val="solid"/>
+                      <a:round/>
+                      <a:headEnd type="none" w="med" len="med"/>
+                      <a:tailEnd type="none" w="med" len="med"/>
+                    </a:lnT>
+                    <a:lnB w="12700" cap="flat" cmpd="sng" algn="ctr">
+                      <a:solidFill>
+                        <a:srgbClr val="000000"/>
+                      </a:solidFill>
+                      <a:prstDash val="solid"/>
+                      <a:round/>
+                      <a:headEnd type="none" w="med" len="med"/>
+                      <a:tailEnd type="none" w="med" len="med"/>
+                    </a:lnB>
+                    <a:solidFill>
+                      <a:srgbClr val="E6B8B7"/>
+                    </a:solidFill>
+                  </a:tcPr>
+                </a:tc>
+                <a:tc>
+                  <a:txBody>
+                    <a:bodyPr/>
+                    <a:lstStyle/>
+                    <a:p>
+                      <a:pPr algn="l" fontAlgn="b"/>
+                      <a:r>
+                        <a:rPr lang="pt-PT" sz="1200" b="0" i="0" u="none" strike="noStrike">
+                          <a:solidFill>
+                            <a:srgbClr val="000000"/>
+                          </a:solidFill>
+                          <a:effectLst/>
+                          <a:latin typeface="Calibri" panose="020F0502020204030204" pitchFamily="34" charset="0"/>
+                        </a:rPr>
+                        <a:t>Response</a:t>
+                      </a:r>
+                    </a:p>
+                  </a:txBody>
+                  <a:tcPr marL="9525" marR="9525" marT="9525" marB="0" anchor="b">
+                    <a:lnL w="6350" cap="flat" cmpd="sng" algn="ctr">
+                      <a:solidFill>
+                        <a:srgbClr val="000000"/>
+                      </a:solidFill>
+                      <a:prstDash val="solid"/>
+                      <a:round/>
+                      <a:headEnd type="none" w="med" len="med"/>
+                      <a:tailEnd type="none" w="med" len="med"/>
+                    </a:lnL>
+                    <a:lnR w="6350" cap="flat" cmpd="sng" algn="ctr">
+                      <a:solidFill>
+                        <a:srgbClr val="000000"/>
+                      </a:solidFill>
+                      <a:prstDash val="solid"/>
+                      <a:round/>
+                      <a:headEnd type="none" w="med" len="med"/>
+                      <a:tailEnd type="none" w="med" len="med"/>
+                    </a:lnR>
+                    <a:lnT w="12700" cap="flat" cmpd="sng" algn="ctr">
+                      <a:solidFill>
+                        <a:srgbClr val="000000"/>
+                      </a:solidFill>
+                      <a:prstDash val="solid"/>
+                      <a:round/>
+                      <a:headEnd type="none" w="med" len="med"/>
+                      <a:tailEnd type="none" w="med" len="med"/>
+                    </a:lnT>
+                    <a:lnB w="12700" cap="flat" cmpd="sng" algn="ctr">
+                      <a:solidFill>
+                        <a:srgbClr val="000000"/>
+                      </a:solidFill>
+                      <a:prstDash val="solid"/>
+                      <a:round/>
+                      <a:headEnd type="none" w="med" len="med"/>
+                      <a:tailEnd type="none" w="med" len="med"/>
+                    </a:lnB>
+                    <a:solidFill>
+                      <a:srgbClr val="D8E4BC"/>
+                    </a:solidFill>
+                  </a:tcPr>
+                </a:tc>
+                <a:tc>
+                  <a:txBody>
+                    <a:bodyPr/>
+                    <a:lstStyle/>
+                    <a:p>
+                      <a:pPr algn="l" fontAlgn="b"/>
+                      <a:r>
+                        <a:rPr lang="pt-PT" sz="1200" b="0" i="0" u="none" strike="noStrike">
+                          <a:solidFill>
+                            <a:srgbClr val="000000"/>
+                          </a:solidFill>
+                          <a:effectLst/>
+                          <a:latin typeface="Calibri" panose="020F0502020204030204" pitchFamily="34" charset="0"/>
+                        </a:rPr>
+                        <a:t>Category</a:t>
+                      </a:r>
+                    </a:p>
+                  </a:txBody>
+                  <a:tcPr marL="9525" marR="9525" marT="9525" marB="0" anchor="b">
+                    <a:lnL w="6350" cap="flat" cmpd="sng" algn="ctr">
+                      <a:solidFill>
+                        <a:srgbClr val="000000"/>
+                      </a:solidFill>
+                      <a:prstDash val="solid"/>
+                      <a:round/>
+                      <a:headEnd type="none" w="med" len="med"/>
+                      <a:tailEnd type="none" w="med" len="med"/>
+                    </a:lnL>
+                    <a:lnR w="12700" cap="flat" cmpd="sng" algn="ctr">
+                      <a:solidFill>
+                        <a:srgbClr val="000000"/>
+                      </a:solidFill>
+                      <a:prstDash val="solid"/>
+                      <a:round/>
+                      <a:headEnd type="none" w="med" len="med"/>
+                      <a:tailEnd type="none" w="med" len="med"/>
+                    </a:lnR>
+                    <a:lnT w="12700" cap="flat" cmpd="sng" algn="ctr">
+                      <a:solidFill>
+                        <a:srgbClr val="000000"/>
+                      </a:solidFill>
+                      <a:prstDash val="solid"/>
+                      <a:round/>
+                      <a:headEnd type="none" w="med" len="med"/>
+                      <a:tailEnd type="none" w="med" len="med"/>
+                    </a:lnT>
+                    <a:lnB w="12700" cap="flat" cmpd="sng" algn="ctr">
+                      <a:solidFill>
+                        <a:srgbClr val="000000"/>
+                      </a:solidFill>
+                      <a:prstDash val="solid"/>
+                      <a:round/>
+                      <a:headEnd type="none" w="med" len="med"/>
+                      <a:tailEnd type="none" w="med" len="med"/>
+                    </a:lnB>
+                    <a:solidFill>
+                      <a:srgbClr val="FCD5B4"/>
+                    </a:solidFill>
+                  </a:tcPr>
+                </a:tc>
+                <a:extLst>
+                  <a:ext uri="{0D108BD9-81ED-4DB2-BD59-A6C34878D82A}">
+                    <a16:rowId xmlns:a16="http://schemas.microsoft.com/office/drawing/2014/main" val="3629390220"/>
+                  </a:ext>
+                </a:extLst>
+              </a:tr>
+              <a:tr h="252804">
+                <a:tc rowSpan="12">
+                  <a:txBody>
+                    <a:bodyPr/>
+                    <a:lstStyle/>
+                    <a:p>
+                      <a:pPr algn="ctr" fontAlgn="ctr"/>
+                      <a:r>
+                        <a:rPr lang="pt-PT" sz="1200" b="0" i="0" u="none" strike="noStrike" dirty="0" err="1">
+                          <a:solidFill>
+                            <a:srgbClr val="000000"/>
+                          </a:solidFill>
+                          <a:effectLst/>
+                          <a:latin typeface="Calibri" panose="020F0502020204030204" pitchFamily="34" charset="0"/>
+                        </a:rPr>
+                        <a:t>greenhouse</a:t>
+                      </a:r>
+                      <a:endParaRPr lang="pt-PT" sz="1200" b="0" i="0" u="none" strike="noStrike" dirty="0">
+                        <a:solidFill>
+                          <a:srgbClr val="000000"/>
+                        </a:solidFill>
+                        <a:effectLst/>
+                        <a:latin typeface="Calibri" panose="020F0502020204030204" pitchFamily="34" charset="0"/>
+                      </a:endParaRPr>
+                    </a:p>
+                  </a:txBody>
+                  <a:tcPr marL="9525" marR="9525" marT="9525" marB="0" vert="vert270" anchor="ctr">
+                    <a:lnL w="12700" cap="flat" cmpd="sng" algn="ctr">
+                      <a:solidFill>
+                        <a:srgbClr val="000000"/>
+                      </a:solidFill>
+                      <a:prstDash val="solid"/>
+                      <a:round/>
+                      <a:headEnd type="none" w="med" len="med"/>
+                      <a:tailEnd type="none" w="med" len="med"/>
+                    </a:lnL>
+                    <a:lnR w="12700" cap="flat" cmpd="sng" algn="ctr">
+                      <a:solidFill>
+                        <a:srgbClr val="000000"/>
+                      </a:solidFill>
+                      <a:prstDash val="solid"/>
+                      <a:round/>
+                      <a:headEnd type="none" w="med" len="med"/>
+                      <a:tailEnd type="none" w="med" len="med"/>
+                    </a:lnR>
+                    <a:lnT w="12700" cap="flat" cmpd="sng" algn="ctr">
+                      <a:solidFill>
+                        <a:srgbClr val="000000"/>
+                      </a:solidFill>
+                      <a:prstDash val="solid"/>
+                      <a:round/>
+                      <a:headEnd type="none" w="med" len="med"/>
+                      <a:tailEnd type="none" w="med" len="med"/>
+                    </a:lnT>
+                    <a:lnB w="6350" cap="flat" cmpd="sng" algn="ctr">
+                      <a:solidFill>
+                        <a:srgbClr val="000000"/>
+                      </a:solidFill>
+                      <a:prstDash val="solid"/>
+                      <a:round/>
+                      <a:headEnd type="none" w="med" len="med"/>
+                      <a:tailEnd type="none" w="med" len="med"/>
+                    </a:lnB>
+                    <a:solidFill>
+                      <a:srgbClr val="DDD9C4"/>
+                    </a:solidFill>
+                  </a:tcPr>
+                </a:tc>
+                <a:tc>
+                  <a:txBody>
+                    <a:bodyPr/>
+                    <a:lstStyle/>
+                    <a:p>
+                      <a:pPr algn="l" fontAlgn="b"/>
+                      <a:r>
+                        <a:rPr lang="pt-PT" sz="1200" b="0" i="0" u="none" strike="noStrike">
+                          <a:solidFill>
+                            <a:srgbClr val="000000"/>
+                          </a:solidFill>
+                          <a:effectLst/>
+                          <a:latin typeface="Calibri" panose="020F0502020204030204" pitchFamily="34" charset="0"/>
+                        </a:rPr>
+                        <a:t>Sample air temperature</a:t>
+                      </a:r>
+                    </a:p>
+                  </a:txBody>
+                  <a:tcPr marL="9525" marR="9525" marT="9525" marB="0" anchor="b">
+                    <a:lnL w="12700" cap="flat" cmpd="sng" algn="ctr">
+                      <a:solidFill>
+                        <a:srgbClr val="000000"/>
+                      </a:solidFill>
+                      <a:prstDash val="solid"/>
+                      <a:round/>
+                      <a:headEnd type="none" w="med" len="med"/>
+                      <a:tailEnd type="none" w="med" len="med"/>
+                    </a:lnL>
+                    <a:lnR w="6350" cap="flat" cmpd="sng" algn="ctr">
+                      <a:solidFill>
+                        <a:srgbClr val="000000"/>
+                      </a:solidFill>
+                      <a:prstDash val="solid"/>
+                      <a:round/>
+                      <a:headEnd type="none" w="med" len="med"/>
+                      <a:tailEnd type="none" w="med" len="med"/>
+                    </a:lnR>
+                    <a:lnT w="12700" cap="flat" cmpd="sng" algn="ctr">
+                      <a:solidFill>
+                        <a:srgbClr val="000000"/>
+                      </a:solidFill>
+                      <a:prstDash val="solid"/>
+                      <a:round/>
+                      <a:headEnd type="none" w="med" len="med"/>
+                      <a:tailEnd type="none" w="med" len="med"/>
+                    </a:lnT>
+                    <a:lnB w="6350" cap="flat" cmpd="sng" algn="ctr">
+                      <a:solidFill>
+                        <a:srgbClr val="000000"/>
+                      </a:solidFill>
+                      <a:prstDash val="solid"/>
+                      <a:round/>
+                      <a:headEnd type="none" w="med" len="med"/>
+                      <a:tailEnd type="none" w="med" len="med"/>
+                    </a:lnB>
+                    <a:solidFill>
+                      <a:srgbClr val="C5D9F1"/>
+                    </a:solidFill>
+                  </a:tcPr>
+                </a:tc>
+                <a:tc>
+                  <a:txBody>
+                    <a:bodyPr/>
+                    <a:lstStyle/>
+                    <a:p>
+                      <a:pPr algn="l" fontAlgn="b"/>
+                      <a:r>
+                        <a:rPr lang="pt-PT" sz="1200" b="0" i="0" u="none" strike="noStrike">
+                          <a:solidFill>
+                            <a:srgbClr val="000000"/>
+                          </a:solidFill>
+                          <a:effectLst/>
+                          <a:latin typeface="Calibri" panose="020F0502020204030204" pitchFamily="34" charset="0"/>
+                        </a:rPr>
+                        <a:t>Timer</a:t>
+                      </a:r>
+                    </a:p>
+                  </a:txBody>
+                  <a:tcPr marL="9525" marR="9525" marT="9525" marB="0" anchor="b">
+                    <a:lnL w="6350" cap="flat" cmpd="sng" algn="ctr">
+                      <a:solidFill>
+                        <a:srgbClr val="000000"/>
+                      </a:solidFill>
+                      <a:prstDash val="solid"/>
+                      <a:round/>
+                      <a:headEnd type="none" w="med" len="med"/>
+                      <a:tailEnd type="none" w="med" len="med"/>
+                    </a:lnL>
+                    <a:lnR w="6350" cap="flat" cmpd="sng" algn="ctr">
+                      <a:solidFill>
+                        <a:srgbClr val="000000"/>
+                      </a:solidFill>
+                      <a:prstDash val="solid"/>
+                      <a:round/>
+                      <a:headEnd type="none" w="med" len="med"/>
+                      <a:tailEnd type="none" w="med" len="med"/>
+                    </a:lnR>
+                    <a:lnT w="12700" cap="flat" cmpd="sng" algn="ctr">
+                      <a:solidFill>
+                        <a:srgbClr val="000000"/>
+                      </a:solidFill>
+                      <a:prstDash val="solid"/>
+                      <a:round/>
+                      <a:headEnd type="none" w="med" len="med"/>
+                      <a:tailEnd type="none" w="med" len="med"/>
+                    </a:lnT>
+                    <a:lnB w="6350" cap="flat" cmpd="sng" algn="ctr">
+                      <a:solidFill>
+                        <a:srgbClr val="000000"/>
+                      </a:solidFill>
+                      <a:prstDash val="solid"/>
+                      <a:round/>
+                      <a:headEnd type="none" w="med" len="med"/>
+                      <a:tailEnd type="none" w="med" len="med"/>
+                    </a:lnB>
+                    <a:solidFill>
+                      <a:srgbClr val="F2DCDB"/>
+                    </a:solidFill>
+                  </a:tcPr>
+                </a:tc>
+                <a:tc>
+                  <a:txBody>
+                    <a:bodyPr/>
+                    <a:lstStyle/>
+                    <a:p>
+                      <a:pPr algn="l" fontAlgn="b"/>
+                      <a:r>
+                        <a:rPr lang="pt-PT" sz="1200" b="0" i="0" u="none" strike="noStrike">
+                          <a:solidFill>
+                            <a:srgbClr val="000000"/>
+                          </a:solidFill>
+                          <a:effectLst/>
+                          <a:latin typeface="Calibri" panose="020F0502020204030204" pitchFamily="34" charset="0"/>
+                        </a:rPr>
+                        <a:t>Collect data</a:t>
+                      </a:r>
+                    </a:p>
+                  </a:txBody>
+                  <a:tcPr marL="9525" marR="9525" marT="9525" marB="0" anchor="b">
+                    <a:lnL w="6350" cap="flat" cmpd="sng" algn="ctr">
+                      <a:solidFill>
+                        <a:srgbClr val="000000"/>
+                      </a:solidFill>
+                      <a:prstDash val="solid"/>
+                      <a:round/>
+                      <a:headEnd type="none" w="med" len="med"/>
+                      <a:tailEnd type="none" w="med" len="med"/>
+                    </a:lnL>
+                    <a:lnR w="6350" cap="flat" cmpd="sng" algn="ctr">
+                      <a:solidFill>
+                        <a:srgbClr val="000000"/>
+                      </a:solidFill>
+                      <a:prstDash val="solid"/>
+                      <a:round/>
+                      <a:headEnd type="none" w="med" len="med"/>
+                      <a:tailEnd type="none" w="med" len="med"/>
+                    </a:lnR>
+                    <a:lnT w="12700" cap="flat" cmpd="sng" algn="ctr">
+                      <a:solidFill>
+                        <a:srgbClr val="000000"/>
+                      </a:solidFill>
+                      <a:prstDash val="solid"/>
+                      <a:round/>
+                      <a:headEnd type="none" w="med" len="med"/>
+                      <a:tailEnd type="none" w="med" len="med"/>
+                    </a:lnT>
+                    <a:lnB w="6350" cap="flat" cmpd="sng" algn="ctr">
+                      <a:solidFill>
+                        <a:srgbClr val="000000"/>
+                      </a:solidFill>
+                      <a:prstDash val="solid"/>
+                      <a:round/>
+                      <a:headEnd type="none" w="med" len="med"/>
+                      <a:tailEnd type="none" w="med" len="med"/>
+                    </a:lnB>
+                    <a:solidFill>
+                      <a:srgbClr val="EBF1DE"/>
+                    </a:solidFill>
+                  </a:tcPr>
+                </a:tc>
+                <a:tc>
+                  <a:txBody>
+                    <a:bodyPr/>
+                    <a:lstStyle/>
+                    <a:p>
+                      <a:pPr algn="l" fontAlgn="b"/>
+                      <a:r>
+                        <a:rPr lang="pt-PT" sz="1200" b="0" i="0" u="none" strike="noStrike">
+                          <a:solidFill>
+                            <a:srgbClr val="000000"/>
+                          </a:solidFill>
+                          <a:effectLst/>
+                          <a:latin typeface="Calibri" panose="020F0502020204030204" pitchFamily="34" charset="0"/>
+                        </a:rPr>
+                        <a:t>Synchronous</a:t>
+                      </a:r>
+                    </a:p>
+                  </a:txBody>
+                  <a:tcPr marL="9525" marR="9525" marT="9525" marB="0" anchor="b">
+                    <a:lnL w="6350" cap="flat" cmpd="sng" algn="ctr">
+                      <a:solidFill>
+                        <a:srgbClr val="000000"/>
+                      </a:solidFill>
+                      <a:prstDash val="solid"/>
+                      <a:round/>
+                      <a:headEnd type="none" w="med" len="med"/>
+                      <a:tailEnd type="none" w="med" len="med"/>
+                    </a:lnL>
+                    <a:lnR w="12700" cap="flat" cmpd="sng" algn="ctr">
+                      <a:solidFill>
+                        <a:srgbClr val="000000"/>
+                      </a:solidFill>
+                      <a:prstDash val="solid"/>
+                      <a:round/>
+                      <a:headEnd type="none" w="med" len="med"/>
+                      <a:tailEnd type="none" w="med" len="med"/>
+                    </a:lnR>
+                    <a:lnT w="12700" cap="flat" cmpd="sng" algn="ctr">
+                      <a:solidFill>
+                        <a:srgbClr val="000000"/>
+                      </a:solidFill>
+                      <a:prstDash val="solid"/>
+                      <a:round/>
+                      <a:headEnd type="none" w="med" len="med"/>
+                      <a:tailEnd type="none" w="med" len="med"/>
+                    </a:lnT>
+                    <a:lnB w="6350" cap="flat" cmpd="sng" algn="ctr">
+                      <a:solidFill>
+                        <a:srgbClr val="000000"/>
+                      </a:solidFill>
+                      <a:prstDash val="solid"/>
+                      <a:round/>
+                      <a:headEnd type="none" w="med" len="med"/>
+                      <a:tailEnd type="none" w="med" len="med"/>
+                    </a:lnB>
+                    <a:solidFill>
+                      <a:srgbClr val="FDE9D9"/>
+                    </a:solidFill>
+                  </a:tcPr>
+                </a:tc>
+                <a:extLst>
+                  <a:ext uri="{0D108BD9-81ED-4DB2-BD59-A6C34878D82A}">
+                    <a16:rowId xmlns:a16="http://schemas.microsoft.com/office/drawing/2014/main" val="1858714873"/>
+                  </a:ext>
+                </a:extLst>
+              </a:tr>
+              <a:tr h="252804">
+                <a:tc vMerge="1">
+                  <a:txBody>
+                    <a:bodyPr/>
+                    <a:lstStyle/>
+                    <a:p>
+                      <a:endParaRPr lang="en-US"/>
+                    </a:p>
+                  </a:txBody>
+                  <a:tcPr/>
+                </a:tc>
+                <a:tc>
+                  <a:txBody>
+                    <a:bodyPr/>
+                    <a:lstStyle/>
+                    <a:p>
+                      <a:pPr algn="l" fontAlgn="b"/>
+                      <a:r>
+                        <a:rPr lang="pt-PT" sz="1200" b="0" i="0" u="none" strike="noStrike">
+                          <a:solidFill>
+                            <a:srgbClr val="000000"/>
+                          </a:solidFill>
+                          <a:effectLst/>
+                          <a:latin typeface="Calibri" panose="020F0502020204030204" pitchFamily="34" charset="0"/>
+                        </a:rPr>
+                        <a:t>Sample air humidity</a:t>
+                      </a:r>
+                    </a:p>
+                  </a:txBody>
+                  <a:tcPr marL="9525" marR="9525" marT="9525" marB="0" anchor="b">
+                    <a:lnL w="12700" cap="flat" cmpd="sng" algn="ctr">
+                      <a:solidFill>
+                        <a:srgbClr val="000000"/>
+                      </a:solidFill>
+                      <a:prstDash val="solid"/>
+                      <a:round/>
+                      <a:headEnd type="none" w="med" len="med"/>
+                      <a:tailEnd type="none" w="med" len="med"/>
+                    </a:lnL>
+                    <a:lnR w="6350" cap="flat" cmpd="sng" algn="ctr">
+                      <a:solidFill>
+                        <a:srgbClr val="000000"/>
+                      </a:solidFill>
+                      <a:prstDash val="solid"/>
+                      <a:round/>
+                      <a:headEnd type="none" w="med" len="med"/>
+                      <a:tailEnd type="none" w="med" len="med"/>
+                    </a:lnR>
+                    <a:lnT w="6350" cap="flat" cmpd="sng" algn="ctr">
+                      <a:solidFill>
+                        <a:srgbClr val="000000"/>
+                      </a:solidFill>
+                      <a:prstDash val="solid"/>
+                      <a:round/>
+                      <a:headEnd type="none" w="med" len="med"/>
+                      <a:tailEnd type="none" w="med" len="med"/>
+                    </a:lnT>
+                    <a:lnB w="6350" cap="flat" cmpd="sng" algn="ctr">
+                      <a:solidFill>
+                        <a:srgbClr val="000000"/>
+                      </a:solidFill>
+                      <a:prstDash val="solid"/>
+                      <a:round/>
+                      <a:headEnd type="none" w="med" len="med"/>
+                      <a:tailEnd type="none" w="med" len="med"/>
+                    </a:lnB>
+                    <a:solidFill>
+                      <a:srgbClr val="C5D9F1"/>
+                    </a:solidFill>
+                  </a:tcPr>
+                </a:tc>
+                <a:tc>
+                  <a:txBody>
+                    <a:bodyPr/>
+                    <a:lstStyle/>
+                    <a:p>
+                      <a:pPr algn="l" fontAlgn="b"/>
+                      <a:r>
+                        <a:rPr lang="pt-PT" sz="1200" b="0" i="0" u="none" strike="noStrike">
+                          <a:solidFill>
+                            <a:srgbClr val="000000"/>
+                          </a:solidFill>
+                          <a:effectLst/>
+                          <a:latin typeface="Calibri" panose="020F0502020204030204" pitchFamily="34" charset="0"/>
+                        </a:rPr>
+                        <a:t>Timer</a:t>
+                      </a:r>
+                    </a:p>
+                  </a:txBody>
+                  <a:tcPr marL="9525" marR="9525" marT="9525" marB="0" anchor="b">
+                    <a:lnL w="6350" cap="flat" cmpd="sng" algn="ctr">
+                      <a:solidFill>
+                        <a:srgbClr val="000000"/>
+                      </a:solidFill>
+                      <a:prstDash val="solid"/>
+                      <a:round/>
+                      <a:headEnd type="none" w="med" len="med"/>
+                      <a:tailEnd type="none" w="med" len="med"/>
+                    </a:lnL>
+                    <a:lnR w="6350" cap="flat" cmpd="sng" algn="ctr">
+                      <a:solidFill>
+                        <a:srgbClr val="000000"/>
+                      </a:solidFill>
+                      <a:prstDash val="solid"/>
+                      <a:round/>
+                      <a:headEnd type="none" w="med" len="med"/>
+                      <a:tailEnd type="none" w="med" len="med"/>
+                    </a:lnR>
+                    <a:lnT w="6350" cap="flat" cmpd="sng" algn="ctr">
+                      <a:solidFill>
+                        <a:srgbClr val="000000"/>
+                      </a:solidFill>
+                      <a:prstDash val="solid"/>
+                      <a:round/>
+                      <a:headEnd type="none" w="med" len="med"/>
+                      <a:tailEnd type="none" w="med" len="med"/>
+                    </a:lnT>
+                    <a:lnB w="6350" cap="flat" cmpd="sng" algn="ctr">
+                      <a:solidFill>
+                        <a:srgbClr val="000000"/>
+                      </a:solidFill>
+                      <a:prstDash val="solid"/>
+                      <a:round/>
+                      <a:headEnd type="none" w="med" len="med"/>
+                      <a:tailEnd type="none" w="med" len="med"/>
+                    </a:lnB>
+                    <a:solidFill>
+                      <a:srgbClr val="F2DCDB"/>
+                    </a:solidFill>
+                  </a:tcPr>
+                </a:tc>
+                <a:tc>
+                  <a:txBody>
+                    <a:bodyPr/>
+                    <a:lstStyle/>
+                    <a:p>
+                      <a:pPr algn="l" fontAlgn="b"/>
+                      <a:r>
+                        <a:rPr lang="pt-PT" sz="1200" b="0" i="0" u="none" strike="noStrike">
+                          <a:solidFill>
+                            <a:srgbClr val="000000"/>
+                          </a:solidFill>
+                          <a:effectLst/>
+                          <a:latin typeface="Calibri" panose="020F0502020204030204" pitchFamily="34" charset="0"/>
+                        </a:rPr>
+                        <a:t>Collect data</a:t>
+                      </a:r>
+                    </a:p>
+                  </a:txBody>
+                  <a:tcPr marL="9525" marR="9525" marT="9525" marB="0" anchor="b">
+                    <a:lnL w="6350" cap="flat" cmpd="sng" algn="ctr">
+                      <a:solidFill>
+                        <a:srgbClr val="000000"/>
+                      </a:solidFill>
+                      <a:prstDash val="solid"/>
+                      <a:round/>
+                      <a:headEnd type="none" w="med" len="med"/>
+                      <a:tailEnd type="none" w="med" len="med"/>
+                    </a:lnL>
+                    <a:lnR w="6350" cap="flat" cmpd="sng" algn="ctr">
+                      <a:solidFill>
+                        <a:srgbClr val="000000"/>
+                      </a:solidFill>
+                      <a:prstDash val="solid"/>
+                      <a:round/>
+                      <a:headEnd type="none" w="med" len="med"/>
+                      <a:tailEnd type="none" w="med" len="med"/>
+                    </a:lnR>
+                    <a:lnT w="6350" cap="flat" cmpd="sng" algn="ctr">
+                      <a:solidFill>
+                        <a:srgbClr val="000000"/>
+                      </a:solidFill>
+                      <a:prstDash val="solid"/>
+                      <a:round/>
+                      <a:headEnd type="none" w="med" len="med"/>
+                      <a:tailEnd type="none" w="med" len="med"/>
+                    </a:lnT>
+                    <a:lnB w="6350" cap="flat" cmpd="sng" algn="ctr">
+                      <a:solidFill>
+                        <a:srgbClr val="000000"/>
+                      </a:solidFill>
+                      <a:prstDash val="solid"/>
+                      <a:round/>
+                      <a:headEnd type="none" w="med" len="med"/>
+                      <a:tailEnd type="none" w="med" len="med"/>
+                    </a:lnB>
+                    <a:solidFill>
+                      <a:srgbClr val="EBF1DE"/>
+                    </a:solidFill>
+                  </a:tcPr>
+                </a:tc>
+                <a:tc>
+                  <a:txBody>
+                    <a:bodyPr/>
+                    <a:lstStyle/>
+                    <a:p>
+                      <a:pPr algn="l" fontAlgn="b"/>
+                      <a:r>
+                        <a:rPr lang="pt-PT" sz="1200" b="0" i="0" u="none" strike="noStrike">
+                          <a:solidFill>
+                            <a:srgbClr val="000000"/>
+                          </a:solidFill>
+                          <a:effectLst/>
+                          <a:latin typeface="Calibri" panose="020F0502020204030204" pitchFamily="34" charset="0"/>
+                        </a:rPr>
+                        <a:t>Synchronous</a:t>
+                      </a:r>
+                    </a:p>
+                  </a:txBody>
+                  <a:tcPr marL="9525" marR="9525" marT="9525" marB="0" anchor="b">
+                    <a:lnL w="6350" cap="flat" cmpd="sng" algn="ctr">
+                      <a:solidFill>
+                        <a:srgbClr val="000000"/>
+                      </a:solidFill>
+                      <a:prstDash val="solid"/>
+                      <a:round/>
+                      <a:headEnd type="none" w="med" len="med"/>
+                      <a:tailEnd type="none" w="med" len="med"/>
+                    </a:lnL>
+                    <a:lnR w="12700" cap="flat" cmpd="sng" algn="ctr">
+                      <a:solidFill>
+                        <a:srgbClr val="000000"/>
+                      </a:solidFill>
+                      <a:prstDash val="solid"/>
+                      <a:round/>
+                      <a:headEnd type="none" w="med" len="med"/>
+                      <a:tailEnd type="none" w="med" len="med"/>
+                    </a:lnR>
+                    <a:lnT w="6350" cap="flat" cmpd="sng" algn="ctr">
+                      <a:solidFill>
+                        <a:srgbClr val="000000"/>
+                      </a:solidFill>
+                      <a:prstDash val="solid"/>
+                      <a:round/>
+                      <a:headEnd type="none" w="med" len="med"/>
+                      <a:tailEnd type="none" w="med" len="med"/>
+                    </a:lnT>
+                    <a:lnB w="6350" cap="flat" cmpd="sng" algn="ctr">
+                      <a:solidFill>
+                        <a:srgbClr val="000000"/>
+                      </a:solidFill>
+                      <a:prstDash val="solid"/>
+                      <a:round/>
+                      <a:headEnd type="none" w="med" len="med"/>
+                      <a:tailEnd type="none" w="med" len="med"/>
+                    </a:lnB>
+                    <a:solidFill>
+                      <a:srgbClr val="FDE9D9"/>
+                    </a:solidFill>
+                  </a:tcPr>
+                </a:tc>
+                <a:extLst>
+                  <a:ext uri="{0D108BD9-81ED-4DB2-BD59-A6C34878D82A}">
+                    <a16:rowId xmlns:a16="http://schemas.microsoft.com/office/drawing/2014/main" val="3843296210"/>
+                  </a:ext>
+                </a:extLst>
+              </a:tr>
+              <a:tr h="252804">
+                <a:tc vMerge="1">
+                  <a:txBody>
+                    <a:bodyPr/>
+                    <a:lstStyle/>
+                    <a:p>
+                      <a:endParaRPr lang="en-US"/>
+                    </a:p>
+                  </a:txBody>
+                  <a:tcPr/>
+                </a:tc>
+                <a:tc>
+                  <a:txBody>
+                    <a:bodyPr/>
+                    <a:lstStyle/>
+                    <a:p>
+                      <a:pPr algn="l" fontAlgn="b"/>
+                      <a:r>
+                        <a:rPr lang="pt-PT" sz="1200" b="0" i="0" u="none" strike="noStrike">
+                          <a:solidFill>
+                            <a:srgbClr val="000000"/>
+                          </a:solidFill>
+                          <a:effectLst/>
+                          <a:latin typeface="Calibri" panose="020F0502020204030204" pitchFamily="34" charset="0"/>
+                        </a:rPr>
+                        <a:t>Sample water temperature</a:t>
+                      </a:r>
+                    </a:p>
+                  </a:txBody>
+                  <a:tcPr marL="9525" marR="9525" marT="9525" marB="0" anchor="b">
+                    <a:lnL w="12700" cap="flat" cmpd="sng" algn="ctr">
+                      <a:solidFill>
+                        <a:srgbClr val="000000"/>
+                      </a:solidFill>
+                      <a:prstDash val="solid"/>
+                      <a:round/>
+                      <a:headEnd type="none" w="med" len="med"/>
+                      <a:tailEnd type="none" w="med" len="med"/>
+                    </a:lnL>
+                    <a:lnR w="6350" cap="flat" cmpd="sng" algn="ctr">
+                      <a:solidFill>
+                        <a:srgbClr val="000000"/>
+                      </a:solidFill>
+                      <a:prstDash val="solid"/>
+                      <a:round/>
+                      <a:headEnd type="none" w="med" len="med"/>
+                      <a:tailEnd type="none" w="med" len="med"/>
+                    </a:lnR>
+                    <a:lnT w="6350" cap="flat" cmpd="sng" algn="ctr">
+                      <a:solidFill>
+                        <a:srgbClr val="000000"/>
+                      </a:solidFill>
+                      <a:prstDash val="solid"/>
+                      <a:round/>
+                      <a:headEnd type="none" w="med" len="med"/>
+                      <a:tailEnd type="none" w="med" len="med"/>
+                    </a:lnT>
+                    <a:lnB w="6350" cap="flat" cmpd="sng" algn="ctr">
+                      <a:solidFill>
+                        <a:srgbClr val="000000"/>
+                      </a:solidFill>
+                      <a:prstDash val="solid"/>
+                      <a:round/>
+                      <a:headEnd type="none" w="med" len="med"/>
+                      <a:tailEnd type="none" w="med" len="med"/>
+                    </a:lnB>
+                    <a:solidFill>
+                      <a:srgbClr val="C5D9F1"/>
+                    </a:solidFill>
+                  </a:tcPr>
+                </a:tc>
+                <a:tc>
+                  <a:txBody>
+                    <a:bodyPr/>
+                    <a:lstStyle/>
+                    <a:p>
+                      <a:pPr algn="l" fontAlgn="b"/>
+                      <a:r>
+                        <a:rPr lang="pt-PT" sz="1200" b="0" i="0" u="none" strike="noStrike">
+                          <a:solidFill>
+                            <a:srgbClr val="000000"/>
+                          </a:solidFill>
+                          <a:effectLst/>
+                          <a:latin typeface="Calibri" panose="020F0502020204030204" pitchFamily="34" charset="0"/>
+                        </a:rPr>
+                        <a:t>Timer</a:t>
+                      </a:r>
+                    </a:p>
+                  </a:txBody>
+                  <a:tcPr marL="9525" marR="9525" marT="9525" marB="0" anchor="b">
+                    <a:lnL w="6350" cap="flat" cmpd="sng" algn="ctr">
+                      <a:solidFill>
+                        <a:srgbClr val="000000"/>
+                      </a:solidFill>
+                      <a:prstDash val="solid"/>
+                      <a:round/>
+                      <a:headEnd type="none" w="med" len="med"/>
+                      <a:tailEnd type="none" w="med" len="med"/>
+                    </a:lnL>
+                    <a:lnR w="6350" cap="flat" cmpd="sng" algn="ctr">
+                      <a:solidFill>
+                        <a:srgbClr val="000000"/>
+                      </a:solidFill>
+                      <a:prstDash val="solid"/>
+                      <a:round/>
+                      <a:headEnd type="none" w="med" len="med"/>
+                      <a:tailEnd type="none" w="med" len="med"/>
+                    </a:lnR>
+                    <a:lnT w="6350" cap="flat" cmpd="sng" algn="ctr">
+                      <a:solidFill>
+                        <a:srgbClr val="000000"/>
+                      </a:solidFill>
+                      <a:prstDash val="solid"/>
+                      <a:round/>
+                      <a:headEnd type="none" w="med" len="med"/>
+                      <a:tailEnd type="none" w="med" len="med"/>
+                    </a:lnT>
+                    <a:lnB w="6350" cap="flat" cmpd="sng" algn="ctr">
+                      <a:solidFill>
+                        <a:srgbClr val="000000"/>
+                      </a:solidFill>
+                      <a:prstDash val="solid"/>
+                      <a:round/>
+                      <a:headEnd type="none" w="med" len="med"/>
+                      <a:tailEnd type="none" w="med" len="med"/>
+                    </a:lnB>
+                    <a:solidFill>
+                      <a:srgbClr val="F2DCDB"/>
+                    </a:solidFill>
+                  </a:tcPr>
+                </a:tc>
+                <a:tc>
+                  <a:txBody>
+                    <a:bodyPr/>
+                    <a:lstStyle/>
+                    <a:p>
+                      <a:pPr algn="l" fontAlgn="b"/>
+                      <a:r>
+                        <a:rPr lang="pt-PT" sz="1200" b="0" i="0" u="none" strike="noStrike">
+                          <a:solidFill>
+                            <a:srgbClr val="000000"/>
+                          </a:solidFill>
+                          <a:effectLst/>
+                          <a:latin typeface="Calibri" panose="020F0502020204030204" pitchFamily="34" charset="0"/>
+                        </a:rPr>
+                        <a:t>Collect data</a:t>
+                      </a:r>
+                    </a:p>
+                  </a:txBody>
+                  <a:tcPr marL="9525" marR="9525" marT="9525" marB="0" anchor="b">
+                    <a:lnL w="6350" cap="flat" cmpd="sng" algn="ctr">
+                      <a:solidFill>
+                        <a:srgbClr val="000000"/>
+                      </a:solidFill>
+                      <a:prstDash val="solid"/>
+                      <a:round/>
+                      <a:headEnd type="none" w="med" len="med"/>
+                      <a:tailEnd type="none" w="med" len="med"/>
+                    </a:lnL>
+                    <a:lnR w="6350" cap="flat" cmpd="sng" algn="ctr">
+                      <a:solidFill>
+                        <a:srgbClr val="000000"/>
+                      </a:solidFill>
+                      <a:prstDash val="solid"/>
+                      <a:round/>
+                      <a:headEnd type="none" w="med" len="med"/>
+                      <a:tailEnd type="none" w="med" len="med"/>
+                    </a:lnR>
+                    <a:lnT w="6350" cap="flat" cmpd="sng" algn="ctr">
+                      <a:solidFill>
+                        <a:srgbClr val="000000"/>
+                      </a:solidFill>
+                      <a:prstDash val="solid"/>
+                      <a:round/>
+                      <a:headEnd type="none" w="med" len="med"/>
+                      <a:tailEnd type="none" w="med" len="med"/>
+                    </a:lnT>
+                    <a:lnB w="6350" cap="flat" cmpd="sng" algn="ctr">
+                      <a:solidFill>
+                        <a:srgbClr val="000000"/>
+                      </a:solidFill>
+                      <a:prstDash val="solid"/>
+                      <a:round/>
+                      <a:headEnd type="none" w="med" len="med"/>
+                      <a:tailEnd type="none" w="med" len="med"/>
+                    </a:lnB>
+                    <a:solidFill>
+                      <a:srgbClr val="EBF1DE"/>
+                    </a:solidFill>
+                  </a:tcPr>
+                </a:tc>
+                <a:tc>
+                  <a:txBody>
+                    <a:bodyPr/>
+                    <a:lstStyle/>
+                    <a:p>
+                      <a:pPr algn="l" fontAlgn="b"/>
+                      <a:r>
+                        <a:rPr lang="pt-PT" sz="1200" b="0" i="0" u="none" strike="noStrike">
+                          <a:solidFill>
+                            <a:srgbClr val="000000"/>
+                          </a:solidFill>
+                          <a:effectLst/>
+                          <a:latin typeface="Calibri" panose="020F0502020204030204" pitchFamily="34" charset="0"/>
+                        </a:rPr>
+                        <a:t>Synchronous</a:t>
+                      </a:r>
+                    </a:p>
+                  </a:txBody>
+                  <a:tcPr marL="9525" marR="9525" marT="9525" marB="0" anchor="b">
+                    <a:lnL w="6350" cap="flat" cmpd="sng" algn="ctr">
+                      <a:solidFill>
+                        <a:srgbClr val="000000"/>
+                      </a:solidFill>
+                      <a:prstDash val="solid"/>
+                      <a:round/>
+                      <a:headEnd type="none" w="med" len="med"/>
+                      <a:tailEnd type="none" w="med" len="med"/>
+                    </a:lnL>
+                    <a:lnR w="12700" cap="flat" cmpd="sng" algn="ctr">
+                      <a:solidFill>
+                        <a:srgbClr val="000000"/>
+                      </a:solidFill>
+                      <a:prstDash val="solid"/>
+                      <a:round/>
+                      <a:headEnd type="none" w="med" len="med"/>
+                      <a:tailEnd type="none" w="med" len="med"/>
+                    </a:lnR>
+                    <a:lnT w="6350" cap="flat" cmpd="sng" algn="ctr">
+                      <a:solidFill>
+                        <a:srgbClr val="000000"/>
+                      </a:solidFill>
+                      <a:prstDash val="solid"/>
+                      <a:round/>
+                      <a:headEnd type="none" w="med" len="med"/>
+                      <a:tailEnd type="none" w="med" len="med"/>
+                    </a:lnT>
+                    <a:lnB w="6350" cap="flat" cmpd="sng" algn="ctr">
+                      <a:solidFill>
+                        <a:srgbClr val="000000"/>
+                      </a:solidFill>
+                      <a:prstDash val="solid"/>
+                      <a:round/>
+                      <a:headEnd type="none" w="med" len="med"/>
+                      <a:tailEnd type="none" w="med" len="med"/>
+                    </a:lnB>
+                    <a:solidFill>
+                      <a:srgbClr val="FDE9D9"/>
+                    </a:solidFill>
+                  </a:tcPr>
+                </a:tc>
+                <a:extLst>
+                  <a:ext uri="{0D108BD9-81ED-4DB2-BD59-A6C34878D82A}">
+                    <a16:rowId xmlns:a16="http://schemas.microsoft.com/office/drawing/2014/main" val="1193002498"/>
+                  </a:ext>
+                </a:extLst>
+              </a:tr>
+              <a:tr h="252804">
+                <a:tc vMerge="1">
+                  <a:txBody>
+                    <a:bodyPr/>
+                    <a:lstStyle/>
+                    <a:p>
+                      <a:endParaRPr lang="en-US"/>
+                    </a:p>
+                  </a:txBody>
+                  <a:tcPr/>
+                </a:tc>
+                <a:tc>
+                  <a:txBody>
+                    <a:bodyPr/>
+                    <a:lstStyle/>
+                    <a:p>
+                      <a:pPr algn="l" fontAlgn="b"/>
+                      <a:r>
+                        <a:rPr lang="pt-PT" sz="1200" b="0" i="0" u="none" strike="noStrike">
+                          <a:solidFill>
+                            <a:srgbClr val="000000"/>
+                          </a:solidFill>
+                          <a:effectLst/>
+                          <a:latin typeface="Calibri" panose="020F0502020204030204" pitchFamily="34" charset="0"/>
+                        </a:rPr>
+                        <a:t>Sample luminosity</a:t>
+                      </a:r>
+                    </a:p>
+                  </a:txBody>
+                  <a:tcPr marL="9525" marR="9525" marT="9525" marB="0" anchor="b">
+                    <a:lnL w="12700" cap="flat" cmpd="sng" algn="ctr">
+                      <a:solidFill>
+                        <a:srgbClr val="000000"/>
+                      </a:solidFill>
+                      <a:prstDash val="solid"/>
+                      <a:round/>
+                      <a:headEnd type="none" w="med" len="med"/>
+                      <a:tailEnd type="none" w="med" len="med"/>
+                    </a:lnL>
+                    <a:lnR w="6350" cap="flat" cmpd="sng" algn="ctr">
+                      <a:solidFill>
+                        <a:srgbClr val="000000"/>
+                      </a:solidFill>
+                      <a:prstDash val="solid"/>
+                      <a:round/>
+                      <a:headEnd type="none" w="med" len="med"/>
+                      <a:tailEnd type="none" w="med" len="med"/>
+                    </a:lnR>
+                    <a:lnT w="6350" cap="flat" cmpd="sng" algn="ctr">
+                      <a:solidFill>
+                        <a:srgbClr val="000000"/>
+                      </a:solidFill>
+                      <a:prstDash val="solid"/>
+                      <a:round/>
+                      <a:headEnd type="none" w="med" len="med"/>
+                      <a:tailEnd type="none" w="med" len="med"/>
+                    </a:lnT>
+                    <a:lnB w="6350" cap="flat" cmpd="sng" algn="ctr">
+                      <a:solidFill>
+                        <a:srgbClr val="000000"/>
+                      </a:solidFill>
+                      <a:prstDash val="solid"/>
+                      <a:round/>
+                      <a:headEnd type="none" w="med" len="med"/>
+                      <a:tailEnd type="none" w="med" len="med"/>
+                    </a:lnB>
+                    <a:solidFill>
+                      <a:srgbClr val="C5D9F1"/>
+                    </a:solidFill>
+                  </a:tcPr>
+                </a:tc>
+                <a:tc>
+                  <a:txBody>
+                    <a:bodyPr/>
+                    <a:lstStyle/>
+                    <a:p>
+                      <a:pPr algn="l" fontAlgn="b"/>
+                      <a:r>
+                        <a:rPr lang="pt-PT" sz="1200" b="0" i="0" u="none" strike="noStrike">
+                          <a:solidFill>
+                            <a:srgbClr val="000000"/>
+                          </a:solidFill>
+                          <a:effectLst/>
+                          <a:latin typeface="Calibri" panose="020F0502020204030204" pitchFamily="34" charset="0"/>
+                        </a:rPr>
+                        <a:t>Timer</a:t>
+                      </a:r>
+                    </a:p>
+                  </a:txBody>
+                  <a:tcPr marL="9525" marR="9525" marT="9525" marB="0" anchor="b">
+                    <a:lnL w="6350" cap="flat" cmpd="sng" algn="ctr">
+                      <a:solidFill>
+                        <a:srgbClr val="000000"/>
+                      </a:solidFill>
+                      <a:prstDash val="solid"/>
+                      <a:round/>
+                      <a:headEnd type="none" w="med" len="med"/>
+                      <a:tailEnd type="none" w="med" len="med"/>
+                    </a:lnL>
+                    <a:lnR w="6350" cap="flat" cmpd="sng" algn="ctr">
+                      <a:solidFill>
+                        <a:srgbClr val="000000"/>
+                      </a:solidFill>
+                      <a:prstDash val="solid"/>
+                      <a:round/>
+                      <a:headEnd type="none" w="med" len="med"/>
+                      <a:tailEnd type="none" w="med" len="med"/>
+                    </a:lnR>
+                    <a:lnT w="6350" cap="flat" cmpd="sng" algn="ctr">
+                      <a:solidFill>
+                        <a:srgbClr val="000000"/>
+                      </a:solidFill>
+                      <a:prstDash val="solid"/>
+                      <a:round/>
+                      <a:headEnd type="none" w="med" len="med"/>
+                      <a:tailEnd type="none" w="med" len="med"/>
+                    </a:lnT>
+                    <a:lnB w="6350" cap="flat" cmpd="sng" algn="ctr">
+                      <a:solidFill>
+                        <a:srgbClr val="000000"/>
+                      </a:solidFill>
+                      <a:prstDash val="solid"/>
+                      <a:round/>
+                      <a:headEnd type="none" w="med" len="med"/>
+                      <a:tailEnd type="none" w="med" len="med"/>
+                    </a:lnB>
+                    <a:solidFill>
+                      <a:srgbClr val="F2DCDB"/>
+                    </a:solidFill>
+                  </a:tcPr>
+                </a:tc>
+                <a:tc>
+                  <a:txBody>
+                    <a:bodyPr/>
+                    <a:lstStyle/>
+                    <a:p>
+                      <a:pPr algn="l" fontAlgn="b"/>
+                      <a:r>
+                        <a:rPr lang="pt-PT" sz="1200" b="0" i="0" u="none" strike="noStrike">
+                          <a:solidFill>
+                            <a:srgbClr val="000000"/>
+                          </a:solidFill>
+                          <a:effectLst/>
+                          <a:latin typeface="Calibri" panose="020F0502020204030204" pitchFamily="34" charset="0"/>
+                        </a:rPr>
+                        <a:t>Collect data</a:t>
+                      </a:r>
+                    </a:p>
+                  </a:txBody>
+                  <a:tcPr marL="9525" marR="9525" marT="9525" marB="0" anchor="b">
+                    <a:lnL w="6350" cap="flat" cmpd="sng" algn="ctr">
+                      <a:solidFill>
+                        <a:srgbClr val="000000"/>
+                      </a:solidFill>
+                      <a:prstDash val="solid"/>
+                      <a:round/>
+                      <a:headEnd type="none" w="med" len="med"/>
+                      <a:tailEnd type="none" w="med" len="med"/>
+                    </a:lnL>
+                    <a:lnR w="6350" cap="flat" cmpd="sng" algn="ctr">
+                      <a:solidFill>
+                        <a:srgbClr val="000000"/>
+                      </a:solidFill>
+                      <a:prstDash val="solid"/>
+                      <a:round/>
+                      <a:headEnd type="none" w="med" len="med"/>
+                      <a:tailEnd type="none" w="med" len="med"/>
+                    </a:lnR>
+                    <a:lnT w="6350" cap="flat" cmpd="sng" algn="ctr">
+                      <a:solidFill>
+                        <a:srgbClr val="000000"/>
+                      </a:solidFill>
+                      <a:prstDash val="solid"/>
+                      <a:round/>
+                      <a:headEnd type="none" w="med" len="med"/>
+                      <a:tailEnd type="none" w="med" len="med"/>
+                    </a:lnT>
+                    <a:lnB w="6350" cap="flat" cmpd="sng" algn="ctr">
+                      <a:solidFill>
+                        <a:srgbClr val="000000"/>
+                      </a:solidFill>
+                      <a:prstDash val="solid"/>
+                      <a:round/>
+                      <a:headEnd type="none" w="med" len="med"/>
+                      <a:tailEnd type="none" w="med" len="med"/>
+                    </a:lnB>
+                    <a:solidFill>
+                      <a:srgbClr val="EBF1DE"/>
+                    </a:solidFill>
+                  </a:tcPr>
+                </a:tc>
+                <a:tc>
+                  <a:txBody>
+                    <a:bodyPr/>
+                    <a:lstStyle/>
+                    <a:p>
+                      <a:pPr algn="l" fontAlgn="b"/>
+                      <a:r>
+                        <a:rPr lang="pt-PT" sz="1200" b="0" i="0" u="none" strike="noStrike">
+                          <a:solidFill>
+                            <a:srgbClr val="000000"/>
+                          </a:solidFill>
+                          <a:effectLst/>
+                          <a:latin typeface="Calibri" panose="020F0502020204030204" pitchFamily="34" charset="0"/>
+                        </a:rPr>
+                        <a:t>Synchronous</a:t>
+                      </a:r>
+                    </a:p>
+                  </a:txBody>
+                  <a:tcPr marL="9525" marR="9525" marT="9525" marB="0" anchor="b">
+                    <a:lnL w="6350" cap="flat" cmpd="sng" algn="ctr">
+                      <a:solidFill>
+                        <a:srgbClr val="000000"/>
+                      </a:solidFill>
+                      <a:prstDash val="solid"/>
+                      <a:round/>
+                      <a:headEnd type="none" w="med" len="med"/>
+                      <a:tailEnd type="none" w="med" len="med"/>
+                    </a:lnL>
+                    <a:lnR w="12700" cap="flat" cmpd="sng" algn="ctr">
+                      <a:solidFill>
+                        <a:srgbClr val="000000"/>
+                      </a:solidFill>
+                      <a:prstDash val="solid"/>
+                      <a:round/>
+                      <a:headEnd type="none" w="med" len="med"/>
+                      <a:tailEnd type="none" w="med" len="med"/>
+                    </a:lnR>
+                    <a:lnT w="6350" cap="flat" cmpd="sng" algn="ctr">
+                      <a:solidFill>
+                        <a:srgbClr val="000000"/>
+                      </a:solidFill>
+                      <a:prstDash val="solid"/>
+                      <a:round/>
+                      <a:headEnd type="none" w="med" len="med"/>
+                      <a:tailEnd type="none" w="med" len="med"/>
+                    </a:lnT>
+                    <a:lnB w="6350" cap="flat" cmpd="sng" algn="ctr">
+                      <a:solidFill>
+                        <a:srgbClr val="000000"/>
+                      </a:solidFill>
+                      <a:prstDash val="solid"/>
+                      <a:round/>
+                      <a:headEnd type="none" w="med" len="med"/>
+                      <a:tailEnd type="none" w="med" len="med"/>
+                    </a:lnB>
+                    <a:solidFill>
+                      <a:srgbClr val="FDE9D9"/>
+                    </a:solidFill>
+                  </a:tcPr>
+                </a:tc>
+                <a:extLst>
+                  <a:ext uri="{0D108BD9-81ED-4DB2-BD59-A6C34878D82A}">
+                    <a16:rowId xmlns:a16="http://schemas.microsoft.com/office/drawing/2014/main" val="2715660774"/>
+                  </a:ext>
+                </a:extLst>
+              </a:tr>
+              <a:tr h="252804">
+                <a:tc vMerge="1">
+                  <a:txBody>
+                    <a:bodyPr/>
+                    <a:lstStyle/>
+                    <a:p>
+                      <a:endParaRPr lang="en-US"/>
+                    </a:p>
+                  </a:txBody>
+                  <a:tcPr/>
+                </a:tc>
+                <a:tc>
+                  <a:txBody>
+                    <a:bodyPr/>
+                    <a:lstStyle/>
+                    <a:p>
+                      <a:pPr algn="l" fontAlgn="b"/>
+                      <a:r>
+                        <a:rPr lang="pt-PT" sz="1200" b="0" i="0" u="none" strike="noStrike">
+                          <a:solidFill>
+                            <a:srgbClr val="000000"/>
+                          </a:solidFill>
+                          <a:effectLst/>
+                          <a:latin typeface="Calibri" panose="020F0502020204030204" pitchFamily="34" charset="0"/>
+                        </a:rPr>
+                        <a:t>Take picture</a:t>
+                      </a:r>
+                    </a:p>
+                  </a:txBody>
+                  <a:tcPr marL="9525" marR="9525" marT="9525" marB="0" anchor="b">
+                    <a:lnL w="12700" cap="flat" cmpd="sng" algn="ctr">
+                      <a:solidFill>
+                        <a:srgbClr val="000000"/>
+                      </a:solidFill>
+                      <a:prstDash val="solid"/>
+                      <a:round/>
+                      <a:headEnd type="none" w="med" len="med"/>
+                      <a:tailEnd type="none" w="med" len="med"/>
+                    </a:lnL>
+                    <a:lnR w="6350" cap="flat" cmpd="sng" algn="ctr">
+                      <a:solidFill>
+                        <a:srgbClr val="000000"/>
+                      </a:solidFill>
+                      <a:prstDash val="solid"/>
+                      <a:round/>
+                      <a:headEnd type="none" w="med" len="med"/>
+                      <a:tailEnd type="none" w="med" len="med"/>
+                    </a:lnR>
+                    <a:lnT w="6350" cap="flat" cmpd="sng" algn="ctr">
+                      <a:solidFill>
+                        <a:srgbClr val="000000"/>
+                      </a:solidFill>
+                      <a:prstDash val="solid"/>
+                      <a:round/>
+                      <a:headEnd type="none" w="med" len="med"/>
+                      <a:tailEnd type="none" w="med" len="med"/>
+                    </a:lnT>
+                    <a:lnB w="6350" cap="flat" cmpd="sng" algn="ctr">
+                      <a:solidFill>
+                        <a:srgbClr val="000000"/>
+                      </a:solidFill>
+                      <a:prstDash val="solid"/>
+                      <a:round/>
+                      <a:headEnd type="none" w="med" len="med"/>
+                      <a:tailEnd type="none" w="med" len="med"/>
+                    </a:lnB>
+                    <a:solidFill>
+                      <a:srgbClr val="C5D9F1"/>
+                    </a:solidFill>
+                  </a:tcPr>
+                </a:tc>
+                <a:tc>
+                  <a:txBody>
+                    <a:bodyPr/>
+                    <a:lstStyle/>
+                    <a:p>
+                      <a:pPr algn="l" fontAlgn="b"/>
+                      <a:r>
+                        <a:rPr lang="pt-PT" sz="1200" b="0" i="0" u="none" strike="noStrike">
+                          <a:solidFill>
+                            <a:srgbClr val="000000"/>
+                          </a:solidFill>
+                          <a:effectLst/>
+                          <a:latin typeface="Calibri" panose="020F0502020204030204" pitchFamily="34" charset="0"/>
+                        </a:rPr>
+                        <a:t>Timer</a:t>
+                      </a:r>
+                    </a:p>
+                  </a:txBody>
+                  <a:tcPr marL="9525" marR="9525" marT="9525" marB="0" anchor="b">
+                    <a:lnL w="6350" cap="flat" cmpd="sng" algn="ctr">
+                      <a:solidFill>
+                        <a:srgbClr val="000000"/>
+                      </a:solidFill>
+                      <a:prstDash val="solid"/>
+                      <a:round/>
+                      <a:headEnd type="none" w="med" len="med"/>
+                      <a:tailEnd type="none" w="med" len="med"/>
+                    </a:lnL>
+                    <a:lnR w="6350" cap="flat" cmpd="sng" algn="ctr">
+                      <a:solidFill>
+                        <a:srgbClr val="000000"/>
+                      </a:solidFill>
+                      <a:prstDash val="solid"/>
+                      <a:round/>
+                      <a:headEnd type="none" w="med" len="med"/>
+                      <a:tailEnd type="none" w="med" len="med"/>
+                    </a:lnR>
+                    <a:lnT w="6350" cap="flat" cmpd="sng" algn="ctr">
+                      <a:solidFill>
+                        <a:srgbClr val="000000"/>
+                      </a:solidFill>
+                      <a:prstDash val="solid"/>
+                      <a:round/>
+                      <a:headEnd type="none" w="med" len="med"/>
+                      <a:tailEnd type="none" w="med" len="med"/>
+                    </a:lnT>
+                    <a:lnB w="6350" cap="flat" cmpd="sng" algn="ctr">
+                      <a:solidFill>
+                        <a:srgbClr val="000000"/>
+                      </a:solidFill>
+                      <a:prstDash val="solid"/>
+                      <a:round/>
+                      <a:headEnd type="none" w="med" len="med"/>
+                      <a:tailEnd type="none" w="med" len="med"/>
+                    </a:lnB>
+                    <a:solidFill>
+                      <a:srgbClr val="F2DCDB"/>
+                    </a:solidFill>
+                  </a:tcPr>
+                </a:tc>
+                <a:tc>
+                  <a:txBody>
+                    <a:bodyPr/>
+                    <a:lstStyle/>
+                    <a:p>
+                      <a:pPr algn="l" fontAlgn="b"/>
+                      <a:r>
+                        <a:rPr lang="pt-PT" sz="1200" b="0" i="0" u="none" strike="noStrike">
+                          <a:solidFill>
+                            <a:srgbClr val="000000"/>
+                          </a:solidFill>
+                          <a:effectLst/>
+                          <a:latin typeface="Calibri" panose="020F0502020204030204" pitchFamily="34" charset="0"/>
+                        </a:rPr>
+                        <a:t>Collect data</a:t>
+                      </a:r>
+                    </a:p>
+                  </a:txBody>
+                  <a:tcPr marL="9525" marR="9525" marT="9525" marB="0" anchor="b">
+                    <a:lnL w="6350" cap="flat" cmpd="sng" algn="ctr">
+                      <a:solidFill>
+                        <a:srgbClr val="000000"/>
+                      </a:solidFill>
+                      <a:prstDash val="solid"/>
+                      <a:round/>
+                      <a:headEnd type="none" w="med" len="med"/>
+                      <a:tailEnd type="none" w="med" len="med"/>
+                    </a:lnL>
+                    <a:lnR w="6350" cap="flat" cmpd="sng" algn="ctr">
+                      <a:solidFill>
+                        <a:srgbClr val="000000"/>
+                      </a:solidFill>
+                      <a:prstDash val="solid"/>
+                      <a:round/>
+                      <a:headEnd type="none" w="med" len="med"/>
+                      <a:tailEnd type="none" w="med" len="med"/>
+                    </a:lnR>
+                    <a:lnT w="6350" cap="flat" cmpd="sng" algn="ctr">
+                      <a:solidFill>
+                        <a:srgbClr val="000000"/>
+                      </a:solidFill>
+                      <a:prstDash val="solid"/>
+                      <a:round/>
+                      <a:headEnd type="none" w="med" len="med"/>
+                      <a:tailEnd type="none" w="med" len="med"/>
+                    </a:lnT>
+                    <a:lnB w="6350" cap="flat" cmpd="sng" algn="ctr">
+                      <a:solidFill>
+                        <a:srgbClr val="000000"/>
+                      </a:solidFill>
+                      <a:prstDash val="solid"/>
+                      <a:round/>
+                      <a:headEnd type="none" w="med" len="med"/>
+                      <a:tailEnd type="none" w="med" len="med"/>
+                    </a:lnB>
+                    <a:solidFill>
+                      <a:srgbClr val="EBF1DE"/>
+                    </a:solidFill>
+                  </a:tcPr>
+                </a:tc>
+                <a:tc>
+                  <a:txBody>
+                    <a:bodyPr/>
+                    <a:lstStyle/>
+                    <a:p>
+                      <a:pPr algn="l" fontAlgn="b"/>
+                      <a:r>
+                        <a:rPr lang="pt-PT" sz="1200" b="0" i="0" u="none" strike="noStrike">
+                          <a:solidFill>
+                            <a:srgbClr val="000000"/>
+                          </a:solidFill>
+                          <a:effectLst/>
+                          <a:latin typeface="Calibri" panose="020F0502020204030204" pitchFamily="34" charset="0"/>
+                        </a:rPr>
+                        <a:t>Synchronous</a:t>
+                      </a:r>
+                    </a:p>
+                  </a:txBody>
+                  <a:tcPr marL="9525" marR="9525" marT="9525" marB="0" anchor="b">
+                    <a:lnL w="6350" cap="flat" cmpd="sng" algn="ctr">
+                      <a:solidFill>
+                        <a:srgbClr val="000000"/>
+                      </a:solidFill>
+                      <a:prstDash val="solid"/>
+                      <a:round/>
+                      <a:headEnd type="none" w="med" len="med"/>
+                      <a:tailEnd type="none" w="med" len="med"/>
+                    </a:lnL>
+                    <a:lnR w="12700" cap="flat" cmpd="sng" algn="ctr">
+                      <a:solidFill>
+                        <a:srgbClr val="000000"/>
+                      </a:solidFill>
+                      <a:prstDash val="solid"/>
+                      <a:round/>
+                      <a:headEnd type="none" w="med" len="med"/>
+                      <a:tailEnd type="none" w="med" len="med"/>
+                    </a:lnR>
+                    <a:lnT w="6350" cap="flat" cmpd="sng" algn="ctr">
+                      <a:solidFill>
+                        <a:srgbClr val="000000"/>
+                      </a:solidFill>
+                      <a:prstDash val="solid"/>
+                      <a:round/>
+                      <a:headEnd type="none" w="med" len="med"/>
+                      <a:tailEnd type="none" w="med" len="med"/>
+                    </a:lnT>
+                    <a:lnB w="6350" cap="flat" cmpd="sng" algn="ctr">
+                      <a:solidFill>
+                        <a:srgbClr val="000000"/>
+                      </a:solidFill>
+                      <a:prstDash val="solid"/>
+                      <a:round/>
+                      <a:headEnd type="none" w="med" len="med"/>
+                      <a:tailEnd type="none" w="med" len="med"/>
+                    </a:lnB>
+                    <a:solidFill>
+                      <a:srgbClr val="FDE9D9"/>
+                    </a:solidFill>
+                  </a:tcPr>
+                </a:tc>
+                <a:extLst>
+                  <a:ext uri="{0D108BD9-81ED-4DB2-BD59-A6C34878D82A}">
+                    <a16:rowId xmlns:a16="http://schemas.microsoft.com/office/drawing/2014/main" val="1204630461"/>
+                  </a:ext>
+                </a:extLst>
+              </a:tr>
+              <a:tr h="252804">
+                <a:tc vMerge="1">
+                  <a:txBody>
+                    <a:bodyPr/>
+                    <a:lstStyle/>
+                    <a:p>
+                      <a:endParaRPr lang="en-US"/>
+                    </a:p>
+                  </a:txBody>
+                  <a:tcPr/>
+                </a:tc>
+                <a:tc>
+                  <a:txBody>
+                    <a:bodyPr/>
+                    <a:lstStyle/>
+                    <a:p>
+                      <a:pPr algn="l" fontAlgn="b"/>
+                      <a:r>
+                        <a:rPr lang="pt-PT" sz="1200" b="0" i="0" u="none" strike="noStrike">
+                          <a:solidFill>
+                            <a:srgbClr val="000000"/>
+                          </a:solidFill>
+                          <a:effectLst/>
+                          <a:latin typeface="Calibri" panose="020F0502020204030204" pitchFamily="34" charset="0"/>
+                        </a:rPr>
+                        <a:t>Adjust heater</a:t>
+                      </a:r>
+                    </a:p>
+                  </a:txBody>
+                  <a:tcPr marL="9525" marR="9525" marT="9525" marB="0" anchor="b">
+                    <a:lnL w="12700" cap="flat" cmpd="sng" algn="ctr">
+                      <a:solidFill>
+                        <a:srgbClr val="000000"/>
+                      </a:solidFill>
+                      <a:prstDash val="solid"/>
+                      <a:round/>
+                      <a:headEnd type="none" w="med" len="med"/>
+                      <a:tailEnd type="none" w="med" len="med"/>
+                    </a:lnL>
+                    <a:lnR w="6350" cap="flat" cmpd="sng" algn="ctr">
+                      <a:solidFill>
+                        <a:srgbClr val="000000"/>
+                      </a:solidFill>
+                      <a:prstDash val="solid"/>
+                      <a:round/>
+                      <a:headEnd type="none" w="med" len="med"/>
+                      <a:tailEnd type="none" w="med" len="med"/>
+                    </a:lnR>
+                    <a:lnT w="6350" cap="flat" cmpd="sng" algn="ctr">
+                      <a:solidFill>
+                        <a:srgbClr val="000000"/>
+                      </a:solidFill>
+                      <a:prstDash val="solid"/>
+                      <a:round/>
+                      <a:headEnd type="none" w="med" len="med"/>
+                      <a:tailEnd type="none" w="med" len="med"/>
+                    </a:lnT>
+                    <a:lnB w="6350" cap="flat" cmpd="sng" algn="ctr">
+                      <a:solidFill>
+                        <a:srgbClr val="000000"/>
+                      </a:solidFill>
+                      <a:prstDash val="solid"/>
+                      <a:round/>
+                      <a:headEnd type="none" w="med" len="med"/>
+                      <a:tailEnd type="none" w="med" len="med"/>
+                    </a:lnB>
+                    <a:solidFill>
+                      <a:srgbClr val="C5D9F1"/>
+                    </a:solidFill>
+                  </a:tcPr>
+                </a:tc>
+                <a:tc>
+                  <a:txBody>
+                    <a:bodyPr/>
+                    <a:lstStyle/>
+                    <a:p>
+                      <a:pPr algn="l" fontAlgn="b"/>
+                      <a:r>
+                        <a:rPr lang="pt-PT" sz="1200" b="0" i="0" u="none" strike="noStrike">
+                          <a:solidFill>
+                            <a:srgbClr val="000000"/>
+                          </a:solidFill>
+                          <a:effectLst/>
+                          <a:latin typeface="Calibri" panose="020F0502020204030204" pitchFamily="34" charset="0"/>
+                        </a:rPr>
+                        <a:t>Event sample air temperature</a:t>
+                      </a:r>
+                    </a:p>
+                  </a:txBody>
+                  <a:tcPr marL="9525" marR="9525" marT="9525" marB="0" anchor="b">
+                    <a:lnL w="6350" cap="flat" cmpd="sng" algn="ctr">
+                      <a:solidFill>
+                        <a:srgbClr val="000000"/>
+                      </a:solidFill>
+                      <a:prstDash val="solid"/>
+                      <a:round/>
+                      <a:headEnd type="none" w="med" len="med"/>
+                      <a:tailEnd type="none" w="med" len="med"/>
+                    </a:lnL>
+                    <a:lnR w="6350" cap="flat" cmpd="sng" algn="ctr">
+                      <a:solidFill>
+                        <a:srgbClr val="000000"/>
+                      </a:solidFill>
+                      <a:prstDash val="solid"/>
+                      <a:round/>
+                      <a:headEnd type="none" w="med" len="med"/>
+                      <a:tailEnd type="none" w="med" len="med"/>
+                    </a:lnR>
+                    <a:lnT w="6350" cap="flat" cmpd="sng" algn="ctr">
+                      <a:solidFill>
+                        <a:srgbClr val="000000"/>
+                      </a:solidFill>
+                      <a:prstDash val="solid"/>
+                      <a:round/>
+                      <a:headEnd type="none" w="med" len="med"/>
+                      <a:tailEnd type="none" w="med" len="med"/>
+                    </a:lnT>
+                    <a:lnB w="6350" cap="flat" cmpd="sng" algn="ctr">
+                      <a:solidFill>
+                        <a:srgbClr val="000000"/>
+                      </a:solidFill>
+                      <a:prstDash val="solid"/>
+                      <a:round/>
+                      <a:headEnd type="none" w="med" len="med"/>
+                      <a:tailEnd type="none" w="med" len="med"/>
+                    </a:lnB>
+                    <a:solidFill>
+                      <a:srgbClr val="F2DCDB"/>
+                    </a:solidFill>
+                  </a:tcPr>
+                </a:tc>
+                <a:tc>
+                  <a:txBody>
+                    <a:bodyPr/>
+                    <a:lstStyle/>
+                    <a:p>
+                      <a:pPr algn="l" fontAlgn="b"/>
+                      <a:r>
+                        <a:rPr lang="pt-PT" sz="1200" b="0" i="0" u="none" strike="noStrike">
+                          <a:solidFill>
+                            <a:srgbClr val="000000"/>
+                          </a:solidFill>
+                          <a:effectLst/>
+                          <a:latin typeface="Calibri" panose="020F0502020204030204" pitchFamily="34" charset="0"/>
+                        </a:rPr>
+                        <a:t>Turn heater ON/OFF</a:t>
+                      </a:r>
+                    </a:p>
+                  </a:txBody>
+                  <a:tcPr marL="9525" marR="9525" marT="9525" marB="0" anchor="b">
+                    <a:lnL w="6350" cap="flat" cmpd="sng" algn="ctr">
+                      <a:solidFill>
+                        <a:srgbClr val="000000"/>
+                      </a:solidFill>
+                      <a:prstDash val="solid"/>
+                      <a:round/>
+                      <a:headEnd type="none" w="med" len="med"/>
+                      <a:tailEnd type="none" w="med" len="med"/>
+                    </a:lnL>
+                    <a:lnR w="6350" cap="flat" cmpd="sng" algn="ctr">
+                      <a:solidFill>
+                        <a:srgbClr val="000000"/>
+                      </a:solidFill>
+                      <a:prstDash val="solid"/>
+                      <a:round/>
+                      <a:headEnd type="none" w="med" len="med"/>
+                      <a:tailEnd type="none" w="med" len="med"/>
+                    </a:lnR>
+                    <a:lnT w="6350" cap="flat" cmpd="sng" algn="ctr">
+                      <a:solidFill>
+                        <a:srgbClr val="000000"/>
+                      </a:solidFill>
+                      <a:prstDash val="solid"/>
+                      <a:round/>
+                      <a:headEnd type="none" w="med" len="med"/>
+                      <a:tailEnd type="none" w="med" len="med"/>
+                    </a:lnT>
+                    <a:lnB w="6350" cap="flat" cmpd="sng" algn="ctr">
+                      <a:solidFill>
+                        <a:srgbClr val="000000"/>
+                      </a:solidFill>
+                      <a:prstDash val="solid"/>
+                      <a:round/>
+                      <a:headEnd type="none" w="med" len="med"/>
+                      <a:tailEnd type="none" w="med" len="med"/>
+                    </a:lnB>
+                    <a:solidFill>
+                      <a:srgbClr val="EBF1DE"/>
+                    </a:solidFill>
+                  </a:tcPr>
+                </a:tc>
+                <a:tc>
+                  <a:txBody>
+                    <a:bodyPr/>
+                    <a:lstStyle/>
+                    <a:p>
+                      <a:pPr algn="l" fontAlgn="b"/>
+                      <a:r>
+                        <a:rPr lang="pt-PT" sz="1200" b="0" i="0" u="none" strike="noStrike">
+                          <a:solidFill>
+                            <a:srgbClr val="000000"/>
+                          </a:solidFill>
+                          <a:effectLst/>
+                          <a:latin typeface="Calibri" panose="020F0502020204030204" pitchFamily="34" charset="0"/>
+                        </a:rPr>
+                        <a:t>Asynchronous</a:t>
+                      </a:r>
+                    </a:p>
+                  </a:txBody>
+                  <a:tcPr marL="9525" marR="9525" marT="9525" marB="0" anchor="b">
+                    <a:lnL w="6350" cap="flat" cmpd="sng" algn="ctr">
+                      <a:solidFill>
+                        <a:srgbClr val="000000"/>
+                      </a:solidFill>
+                      <a:prstDash val="solid"/>
+                      <a:round/>
+                      <a:headEnd type="none" w="med" len="med"/>
+                      <a:tailEnd type="none" w="med" len="med"/>
+                    </a:lnL>
+                    <a:lnR w="12700" cap="flat" cmpd="sng" algn="ctr">
+                      <a:solidFill>
+                        <a:srgbClr val="000000"/>
+                      </a:solidFill>
+                      <a:prstDash val="solid"/>
+                      <a:round/>
+                      <a:headEnd type="none" w="med" len="med"/>
+                      <a:tailEnd type="none" w="med" len="med"/>
+                    </a:lnR>
+                    <a:lnT w="6350" cap="flat" cmpd="sng" algn="ctr">
+                      <a:solidFill>
+                        <a:srgbClr val="000000"/>
+                      </a:solidFill>
+                      <a:prstDash val="solid"/>
+                      <a:round/>
+                      <a:headEnd type="none" w="med" len="med"/>
+                      <a:tailEnd type="none" w="med" len="med"/>
+                    </a:lnT>
+                    <a:lnB w="6350" cap="flat" cmpd="sng" algn="ctr">
+                      <a:solidFill>
+                        <a:srgbClr val="000000"/>
+                      </a:solidFill>
+                      <a:prstDash val="solid"/>
+                      <a:round/>
+                      <a:headEnd type="none" w="med" len="med"/>
+                      <a:tailEnd type="none" w="med" len="med"/>
+                    </a:lnB>
+                    <a:solidFill>
+                      <a:srgbClr val="FDE9D9"/>
+                    </a:solidFill>
+                  </a:tcPr>
+                </a:tc>
+                <a:extLst>
+                  <a:ext uri="{0D108BD9-81ED-4DB2-BD59-A6C34878D82A}">
+                    <a16:rowId xmlns:a16="http://schemas.microsoft.com/office/drawing/2014/main" val="3391449538"/>
+                  </a:ext>
+                </a:extLst>
+              </a:tr>
+              <a:tr h="252804">
+                <a:tc vMerge="1">
+                  <a:txBody>
+                    <a:bodyPr/>
+                    <a:lstStyle/>
+                    <a:p>
+                      <a:endParaRPr lang="en-US"/>
+                    </a:p>
+                  </a:txBody>
+                  <a:tcPr/>
+                </a:tc>
+                <a:tc>
+                  <a:txBody>
+                    <a:bodyPr/>
+                    <a:lstStyle/>
+                    <a:p>
+                      <a:pPr algn="l" fontAlgn="b"/>
+                      <a:r>
+                        <a:rPr lang="pt-PT" sz="1200" b="0" i="0" u="none" strike="noStrike">
+                          <a:solidFill>
+                            <a:srgbClr val="000000"/>
+                          </a:solidFill>
+                          <a:effectLst/>
+                          <a:latin typeface="Calibri" panose="020F0502020204030204" pitchFamily="34" charset="0"/>
+                        </a:rPr>
+                        <a:t>Adjust Window</a:t>
+                      </a:r>
+                    </a:p>
+                  </a:txBody>
+                  <a:tcPr marL="9525" marR="9525" marT="9525" marB="0" anchor="b">
+                    <a:lnL w="12700" cap="flat" cmpd="sng" algn="ctr">
+                      <a:solidFill>
+                        <a:srgbClr val="000000"/>
+                      </a:solidFill>
+                      <a:prstDash val="solid"/>
+                      <a:round/>
+                      <a:headEnd type="none" w="med" len="med"/>
+                      <a:tailEnd type="none" w="med" len="med"/>
+                    </a:lnL>
+                    <a:lnR w="6350" cap="flat" cmpd="sng" algn="ctr">
+                      <a:solidFill>
+                        <a:srgbClr val="000000"/>
+                      </a:solidFill>
+                      <a:prstDash val="solid"/>
+                      <a:round/>
+                      <a:headEnd type="none" w="med" len="med"/>
+                      <a:tailEnd type="none" w="med" len="med"/>
+                    </a:lnR>
+                    <a:lnT w="6350" cap="flat" cmpd="sng" algn="ctr">
+                      <a:solidFill>
+                        <a:srgbClr val="000000"/>
+                      </a:solidFill>
+                      <a:prstDash val="solid"/>
+                      <a:round/>
+                      <a:headEnd type="none" w="med" len="med"/>
+                      <a:tailEnd type="none" w="med" len="med"/>
+                    </a:lnT>
+                    <a:lnB w="6350" cap="flat" cmpd="sng" algn="ctr">
+                      <a:solidFill>
+                        <a:srgbClr val="000000"/>
+                      </a:solidFill>
+                      <a:prstDash val="solid"/>
+                      <a:round/>
+                      <a:headEnd type="none" w="med" len="med"/>
+                      <a:tailEnd type="none" w="med" len="med"/>
+                    </a:lnB>
+                    <a:solidFill>
+                      <a:srgbClr val="C5D9F1"/>
+                    </a:solidFill>
+                  </a:tcPr>
+                </a:tc>
+                <a:tc>
+                  <a:txBody>
+                    <a:bodyPr/>
+                    <a:lstStyle/>
+                    <a:p>
+                      <a:pPr algn="l" fontAlgn="b"/>
+                      <a:r>
+                        <a:rPr lang="pt-PT" sz="1200" b="0" i="0" u="none" strike="noStrike">
+                          <a:solidFill>
+                            <a:srgbClr val="000000"/>
+                          </a:solidFill>
+                          <a:effectLst/>
+                          <a:latin typeface="Calibri" panose="020F0502020204030204" pitchFamily="34" charset="0"/>
+                        </a:rPr>
+                        <a:t>Event sample air humidity</a:t>
+                      </a:r>
+                    </a:p>
+                  </a:txBody>
+                  <a:tcPr marL="9525" marR="9525" marT="9525" marB="0" anchor="b">
+                    <a:lnL w="6350" cap="flat" cmpd="sng" algn="ctr">
+                      <a:solidFill>
+                        <a:srgbClr val="000000"/>
+                      </a:solidFill>
+                      <a:prstDash val="solid"/>
+                      <a:round/>
+                      <a:headEnd type="none" w="med" len="med"/>
+                      <a:tailEnd type="none" w="med" len="med"/>
+                    </a:lnL>
+                    <a:lnR w="6350" cap="flat" cmpd="sng" algn="ctr">
+                      <a:solidFill>
+                        <a:srgbClr val="000000"/>
+                      </a:solidFill>
+                      <a:prstDash val="solid"/>
+                      <a:round/>
+                      <a:headEnd type="none" w="med" len="med"/>
+                      <a:tailEnd type="none" w="med" len="med"/>
+                    </a:lnR>
+                    <a:lnT w="6350" cap="flat" cmpd="sng" algn="ctr">
+                      <a:solidFill>
+                        <a:srgbClr val="000000"/>
+                      </a:solidFill>
+                      <a:prstDash val="solid"/>
+                      <a:round/>
+                      <a:headEnd type="none" w="med" len="med"/>
+                      <a:tailEnd type="none" w="med" len="med"/>
+                    </a:lnT>
+                    <a:lnB w="6350" cap="flat" cmpd="sng" algn="ctr">
+                      <a:solidFill>
+                        <a:srgbClr val="000000"/>
+                      </a:solidFill>
+                      <a:prstDash val="solid"/>
+                      <a:round/>
+                      <a:headEnd type="none" w="med" len="med"/>
+                      <a:tailEnd type="none" w="med" len="med"/>
+                    </a:lnB>
+                    <a:solidFill>
+                      <a:srgbClr val="F2DCDB"/>
+                    </a:solidFill>
+                  </a:tcPr>
+                </a:tc>
+                <a:tc>
+                  <a:txBody>
+                    <a:bodyPr/>
+                    <a:lstStyle/>
+                    <a:p>
+                      <a:pPr algn="l" fontAlgn="b"/>
+                      <a:r>
+                        <a:rPr lang="pt-PT" sz="1200" b="0" i="0" u="none" strike="noStrike">
+                          <a:solidFill>
+                            <a:srgbClr val="000000"/>
+                          </a:solidFill>
+                          <a:effectLst/>
+                          <a:latin typeface="Calibri" panose="020F0502020204030204" pitchFamily="34" charset="0"/>
+                        </a:rPr>
+                        <a:t>Control window opening angle</a:t>
+                      </a:r>
+                    </a:p>
+                  </a:txBody>
+                  <a:tcPr marL="9525" marR="9525" marT="9525" marB="0" anchor="b">
+                    <a:lnL w="6350" cap="flat" cmpd="sng" algn="ctr">
+                      <a:solidFill>
+                        <a:srgbClr val="000000"/>
+                      </a:solidFill>
+                      <a:prstDash val="solid"/>
+                      <a:round/>
+                      <a:headEnd type="none" w="med" len="med"/>
+                      <a:tailEnd type="none" w="med" len="med"/>
+                    </a:lnL>
+                    <a:lnR w="6350" cap="flat" cmpd="sng" algn="ctr">
+                      <a:solidFill>
+                        <a:srgbClr val="000000"/>
+                      </a:solidFill>
+                      <a:prstDash val="solid"/>
+                      <a:round/>
+                      <a:headEnd type="none" w="med" len="med"/>
+                      <a:tailEnd type="none" w="med" len="med"/>
+                    </a:lnR>
+                    <a:lnT w="6350" cap="flat" cmpd="sng" algn="ctr">
+                      <a:solidFill>
+                        <a:srgbClr val="000000"/>
+                      </a:solidFill>
+                      <a:prstDash val="solid"/>
+                      <a:round/>
+                      <a:headEnd type="none" w="med" len="med"/>
+                      <a:tailEnd type="none" w="med" len="med"/>
+                    </a:lnT>
+                    <a:lnB w="6350" cap="flat" cmpd="sng" algn="ctr">
+                      <a:solidFill>
+                        <a:srgbClr val="000000"/>
+                      </a:solidFill>
+                      <a:prstDash val="solid"/>
+                      <a:round/>
+                      <a:headEnd type="none" w="med" len="med"/>
+                      <a:tailEnd type="none" w="med" len="med"/>
+                    </a:lnB>
+                    <a:solidFill>
+                      <a:srgbClr val="EBF1DE"/>
+                    </a:solidFill>
+                  </a:tcPr>
+                </a:tc>
+                <a:tc>
+                  <a:txBody>
+                    <a:bodyPr/>
+                    <a:lstStyle/>
+                    <a:p>
+                      <a:pPr algn="l" fontAlgn="b"/>
+                      <a:r>
+                        <a:rPr lang="pt-PT" sz="1200" b="0" i="0" u="none" strike="noStrike">
+                          <a:solidFill>
+                            <a:srgbClr val="000000"/>
+                          </a:solidFill>
+                          <a:effectLst/>
+                          <a:latin typeface="Calibri" panose="020F0502020204030204" pitchFamily="34" charset="0"/>
+                        </a:rPr>
+                        <a:t>Asynchronous</a:t>
+                      </a:r>
+                    </a:p>
+                  </a:txBody>
+                  <a:tcPr marL="9525" marR="9525" marT="9525" marB="0" anchor="b">
+                    <a:lnL w="6350" cap="flat" cmpd="sng" algn="ctr">
+                      <a:solidFill>
+                        <a:srgbClr val="000000"/>
+                      </a:solidFill>
+                      <a:prstDash val="solid"/>
+                      <a:round/>
+                      <a:headEnd type="none" w="med" len="med"/>
+                      <a:tailEnd type="none" w="med" len="med"/>
+                    </a:lnL>
+                    <a:lnR w="12700" cap="flat" cmpd="sng" algn="ctr">
+                      <a:solidFill>
+                        <a:srgbClr val="000000"/>
+                      </a:solidFill>
+                      <a:prstDash val="solid"/>
+                      <a:round/>
+                      <a:headEnd type="none" w="med" len="med"/>
+                      <a:tailEnd type="none" w="med" len="med"/>
+                    </a:lnR>
+                    <a:lnT w="6350" cap="flat" cmpd="sng" algn="ctr">
+                      <a:solidFill>
+                        <a:srgbClr val="000000"/>
+                      </a:solidFill>
+                      <a:prstDash val="solid"/>
+                      <a:round/>
+                      <a:headEnd type="none" w="med" len="med"/>
+                      <a:tailEnd type="none" w="med" len="med"/>
+                    </a:lnT>
+                    <a:lnB w="6350" cap="flat" cmpd="sng" algn="ctr">
+                      <a:solidFill>
+                        <a:srgbClr val="000000"/>
+                      </a:solidFill>
+                      <a:prstDash val="solid"/>
+                      <a:round/>
+                      <a:headEnd type="none" w="med" len="med"/>
+                      <a:tailEnd type="none" w="med" len="med"/>
+                    </a:lnB>
+                    <a:solidFill>
+                      <a:srgbClr val="FDE9D9"/>
+                    </a:solidFill>
+                  </a:tcPr>
+                </a:tc>
+                <a:extLst>
+                  <a:ext uri="{0D108BD9-81ED-4DB2-BD59-A6C34878D82A}">
+                    <a16:rowId xmlns:a16="http://schemas.microsoft.com/office/drawing/2014/main" val="790658249"/>
+                  </a:ext>
+                </a:extLst>
+              </a:tr>
+              <a:tr h="252804">
+                <a:tc vMerge="1">
+                  <a:txBody>
+                    <a:bodyPr/>
+                    <a:lstStyle/>
+                    <a:p>
+                      <a:endParaRPr lang="en-US"/>
+                    </a:p>
+                  </a:txBody>
+                  <a:tcPr/>
+                </a:tc>
+                <a:tc>
+                  <a:txBody>
+                    <a:bodyPr/>
+                    <a:lstStyle/>
+                    <a:p>
+                      <a:pPr algn="l" fontAlgn="b"/>
+                      <a:r>
+                        <a:rPr lang="pt-PT" sz="1200" b="0" i="0" u="none" strike="noStrike">
+                          <a:solidFill>
+                            <a:srgbClr val="000000"/>
+                          </a:solidFill>
+                          <a:effectLst/>
+                          <a:latin typeface="Calibri" panose="020F0502020204030204" pitchFamily="34" charset="0"/>
+                        </a:rPr>
+                        <a:t>Adjust light</a:t>
+                      </a:r>
+                    </a:p>
+                  </a:txBody>
+                  <a:tcPr marL="9525" marR="9525" marT="9525" marB="0" anchor="b">
+                    <a:lnL w="12700" cap="flat" cmpd="sng" algn="ctr">
+                      <a:solidFill>
+                        <a:srgbClr val="000000"/>
+                      </a:solidFill>
+                      <a:prstDash val="solid"/>
+                      <a:round/>
+                      <a:headEnd type="none" w="med" len="med"/>
+                      <a:tailEnd type="none" w="med" len="med"/>
+                    </a:lnL>
+                    <a:lnR w="6350" cap="flat" cmpd="sng" algn="ctr">
+                      <a:solidFill>
+                        <a:srgbClr val="000000"/>
+                      </a:solidFill>
+                      <a:prstDash val="solid"/>
+                      <a:round/>
+                      <a:headEnd type="none" w="med" len="med"/>
+                      <a:tailEnd type="none" w="med" len="med"/>
+                    </a:lnR>
+                    <a:lnT w="6350" cap="flat" cmpd="sng" algn="ctr">
+                      <a:solidFill>
+                        <a:srgbClr val="000000"/>
+                      </a:solidFill>
+                      <a:prstDash val="solid"/>
+                      <a:round/>
+                      <a:headEnd type="none" w="med" len="med"/>
+                      <a:tailEnd type="none" w="med" len="med"/>
+                    </a:lnT>
+                    <a:lnB w="6350" cap="flat" cmpd="sng" algn="ctr">
+                      <a:solidFill>
+                        <a:srgbClr val="000000"/>
+                      </a:solidFill>
+                      <a:prstDash val="solid"/>
+                      <a:round/>
+                      <a:headEnd type="none" w="med" len="med"/>
+                      <a:tailEnd type="none" w="med" len="med"/>
+                    </a:lnB>
+                    <a:solidFill>
+                      <a:srgbClr val="C5D9F1"/>
+                    </a:solidFill>
+                  </a:tcPr>
+                </a:tc>
+                <a:tc>
+                  <a:txBody>
+                    <a:bodyPr/>
+                    <a:lstStyle/>
+                    <a:p>
+                      <a:pPr algn="l" fontAlgn="b"/>
+                      <a:r>
+                        <a:rPr lang="pt-PT" sz="1200" b="0" i="0" u="none" strike="noStrike">
+                          <a:solidFill>
+                            <a:srgbClr val="000000"/>
+                          </a:solidFill>
+                          <a:effectLst/>
+                          <a:latin typeface="Calibri" panose="020F0502020204030204" pitchFamily="34" charset="0"/>
+                        </a:rPr>
+                        <a:t>Event sample luminosity</a:t>
+                      </a:r>
+                    </a:p>
+                  </a:txBody>
+                  <a:tcPr marL="9525" marR="9525" marT="9525" marB="0" anchor="b">
+                    <a:lnL w="6350" cap="flat" cmpd="sng" algn="ctr">
+                      <a:solidFill>
+                        <a:srgbClr val="000000"/>
+                      </a:solidFill>
+                      <a:prstDash val="solid"/>
+                      <a:round/>
+                      <a:headEnd type="none" w="med" len="med"/>
+                      <a:tailEnd type="none" w="med" len="med"/>
+                    </a:lnL>
+                    <a:lnR w="6350" cap="flat" cmpd="sng" algn="ctr">
+                      <a:solidFill>
+                        <a:srgbClr val="000000"/>
+                      </a:solidFill>
+                      <a:prstDash val="solid"/>
+                      <a:round/>
+                      <a:headEnd type="none" w="med" len="med"/>
+                      <a:tailEnd type="none" w="med" len="med"/>
+                    </a:lnR>
+                    <a:lnT w="6350" cap="flat" cmpd="sng" algn="ctr">
+                      <a:solidFill>
+                        <a:srgbClr val="000000"/>
+                      </a:solidFill>
+                      <a:prstDash val="solid"/>
+                      <a:round/>
+                      <a:headEnd type="none" w="med" len="med"/>
+                      <a:tailEnd type="none" w="med" len="med"/>
+                    </a:lnT>
+                    <a:lnB w="6350" cap="flat" cmpd="sng" algn="ctr">
+                      <a:solidFill>
+                        <a:srgbClr val="000000"/>
+                      </a:solidFill>
+                      <a:prstDash val="solid"/>
+                      <a:round/>
+                      <a:headEnd type="none" w="med" len="med"/>
+                      <a:tailEnd type="none" w="med" len="med"/>
+                    </a:lnB>
+                    <a:solidFill>
+                      <a:srgbClr val="F2DCDB"/>
+                    </a:solidFill>
+                  </a:tcPr>
+                </a:tc>
+                <a:tc>
+                  <a:txBody>
+                    <a:bodyPr/>
+                    <a:lstStyle/>
+                    <a:p>
+                      <a:pPr algn="l" fontAlgn="b"/>
+                      <a:r>
+                        <a:rPr lang="pt-PT" sz="1200" b="0" i="0" u="none" strike="noStrike">
+                          <a:solidFill>
+                            <a:srgbClr val="000000"/>
+                          </a:solidFill>
+                          <a:effectLst/>
+                          <a:latin typeface="Calibri" panose="020F0502020204030204" pitchFamily="34" charset="0"/>
+                        </a:rPr>
+                        <a:t>Turn light ON/OFF</a:t>
+                      </a:r>
+                    </a:p>
+                  </a:txBody>
+                  <a:tcPr marL="9525" marR="9525" marT="9525" marB="0" anchor="b">
+                    <a:lnL w="6350" cap="flat" cmpd="sng" algn="ctr">
+                      <a:solidFill>
+                        <a:srgbClr val="000000"/>
+                      </a:solidFill>
+                      <a:prstDash val="solid"/>
+                      <a:round/>
+                      <a:headEnd type="none" w="med" len="med"/>
+                      <a:tailEnd type="none" w="med" len="med"/>
+                    </a:lnL>
+                    <a:lnR w="6350" cap="flat" cmpd="sng" algn="ctr">
+                      <a:solidFill>
+                        <a:srgbClr val="000000"/>
+                      </a:solidFill>
+                      <a:prstDash val="solid"/>
+                      <a:round/>
+                      <a:headEnd type="none" w="med" len="med"/>
+                      <a:tailEnd type="none" w="med" len="med"/>
+                    </a:lnR>
+                    <a:lnT w="6350" cap="flat" cmpd="sng" algn="ctr">
+                      <a:solidFill>
+                        <a:srgbClr val="000000"/>
+                      </a:solidFill>
+                      <a:prstDash val="solid"/>
+                      <a:round/>
+                      <a:headEnd type="none" w="med" len="med"/>
+                      <a:tailEnd type="none" w="med" len="med"/>
+                    </a:lnT>
+                    <a:lnB w="6350" cap="flat" cmpd="sng" algn="ctr">
+                      <a:solidFill>
+                        <a:srgbClr val="000000"/>
+                      </a:solidFill>
+                      <a:prstDash val="solid"/>
+                      <a:round/>
+                      <a:headEnd type="none" w="med" len="med"/>
+                      <a:tailEnd type="none" w="med" len="med"/>
+                    </a:lnB>
+                    <a:solidFill>
+                      <a:srgbClr val="EBF1DE"/>
+                    </a:solidFill>
+                  </a:tcPr>
+                </a:tc>
+                <a:tc>
+                  <a:txBody>
+                    <a:bodyPr/>
+                    <a:lstStyle/>
+                    <a:p>
+                      <a:pPr algn="l" fontAlgn="b"/>
+                      <a:r>
+                        <a:rPr lang="pt-PT" sz="1200" b="0" i="0" u="none" strike="noStrike">
+                          <a:solidFill>
+                            <a:srgbClr val="000000"/>
+                          </a:solidFill>
+                          <a:effectLst/>
+                          <a:latin typeface="Calibri" panose="020F0502020204030204" pitchFamily="34" charset="0"/>
+                        </a:rPr>
+                        <a:t>Asynchronous</a:t>
+                      </a:r>
+                    </a:p>
+                  </a:txBody>
+                  <a:tcPr marL="9525" marR="9525" marT="9525" marB="0" anchor="b">
+                    <a:lnL w="6350" cap="flat" cmpd="sng" algn="ctr">
+                      <a:solidFill>
+                        <a:srgbClr val="000000"/>
+                      </a:solidFill>
+                      <a:prstDash val="solid"/>
+                      <a:round/>
+                      <a:headEnd type="none" w="med" len="med"/>
+                      <a:tailEnd type="none" w="med" len="med"/>
+                    </a:lnL>
+                    <a:lnR w="12700" cap="flat" cmpd="sng" algn="ctr">
+                      <a:solidFill>
+                        <a:srgbClr val="000000"/>
+                      </a:solidFill>
+                      <a:prstDash val="solid"/>
+                      <a:round/>
+                      <a:headEnd type="none" w="med" len="med"/>
+                      <a:tailEnd type="none" w="med" len="med"/>
+                    </a:lnR>
+                    <a:lnT w="6350" cap="flat" cmpd="sng" algn="ctr">
+                      <a:solidFill>
+                        <a:srgbClr val="000000"/>
+                      </a:solidFill>
+                      <a:prstDash val="solid"/>
+                      <a:round/>
+                      <a:headEnd type="none" w="med" len="med"/>
+                      <a:tailEnd type="none" w="med" len="med"/>
+                    </a:lnT>
+                    <a:lnB w="6350" cap="flat" cmpd="sng" algn="ctr">
+                      <a:solidFill>
+                        <a:srgbClr val="000000"/>
+                      </a:solidFill>
+                      <a:prstDash val="solid"/>
+                      <a:round/>
+                      <a:headEnd type="none" w="med" len="med"/>
+                      <a:tailEnd type="none" w="med" len="med"/>
+                    </a:lnB>
+                    <a:solidFill>
+                      <a:srgbClr val="FDE9D9"/>
+                    </a:solidFill>
+                  </a:tcPr>
+                </a:tc>
+                <a:extLst>
+                  <a:ext uri="{0D108BD9-81ED-4DB2-BD59-A6C34878D82A}">
+                    <a16:rowId xmlns:a16="http://schemas.microsoft.com/office/drawing/2014/main" val="117865501"/>
+                  </a:ext>
+                </a:extLst>
+              </a:tr>
+              <a:tr h="252804">
+                <a:tc vMerge="1">
+                  <a:txBody>
+                    <a:bodyPr/>
+                    <a:lstStyle/>
+                    <a:p>
+                      <a:endParaRPr lang="en-US"/>
+                    </a:p>
+                  </a:txBody>
+                  <a:tcPr/>
+                </a:tc>
+                <a:tc>
+                  <a:txBody>
+                    <a:bodyPr/>
+                    <a:lstStyle/>
+                    <a:p>
+                      <a:pPr algn="l" fontAlgn="b"/>
+                      <a:r>
+                        <a:rPr lang="pt-PT" sz="1200" b="0" i="0" u="none" strike="noStrike">
+                          <a:solidFill>
+                            <a:srgbClr val="000000"/>
+                          </a:solidFill>
+                          <a:effectLst/>
+                          <a:latin typeface="Calibri" panose="020F0502020204030204" pitchFamily="34" charset="0"/>
+                        </a:rPr>
+                        <a:t>Adjust water pump</a:t>
+                      </a:r>
+                    </a:p>
+                  </a:txBody>
+                  <a:tcPr marL="9525" marR="9525" marT="9525" marB="0" anchor="b">
+                    <a:lnL w="12700" cap="flat" cmpd="sng" algn="ctr">
+                      <a:solidFill>
+                        <a:srgbClr val="000000"/>
+                      </a:solidFill>
+                      <a:prstDash val="solid"/>
+                      <a:round/>
+                      <a:headEnd type="none" w="med" len="med"/>
+                      <a:tailEnd type="none" w="med" len="med"/>
+                    </a:lnL>
+                    <a:lnR w="6350" cap="flat" cmpd="sng" algn="ctr">
+                      <a:solidFill>
+                        <a:srgbClr val="000000"/>
+                      </a:solidFill>
+                      <a:prstDash val="solid"/>
+                      <a:round/>
+                      <a:headEnd type="none" w="med" len="med"/>
+                      <a:tailEnd type="none" w="med" len="med"/>
+                    </a:lnR>
+                    <a:lnT w="6350" cap="flat" cmpd="sng" algn="ctr">
+                      <a:solidFill>
+                        <a:srgbClr val="000000"/>
+                      </a:solidFill>
+                      <a:prstDash val="solid"/>
+                      <a:round/>
+                      <a:headEnd type="none" w="med" len="med"/>
+                      <a:tailEnd type="none" w="med" len="med"/>
+                    </a:lnT>
+                    <a:lnB w="6350" cap="flat" cmpd="sng" algn="ctr">
+                      <a:solidFill>
+                        <a:srgbClr val="000000"/>
+                      </a:solidFill>
+                      <a:prstDash val="solid"/>
+                      <a:round/>
+                      <a:headEnd type="none" w="med" len="med"/>
+                      <a:tailEnd type="none" w="med" len="med"/>
+                    </a:lnB>
+                    <a:solidFill>
+                      <a:srgbClr val="C5D9F1"/>
+                    </a:solidFill>
+                  </a:tcPr>
+                </a:tc>
+                <a:tc>
+                  <a:txBody>
+                    <a:bodyPr/>
+                    <a:lstStyle/>
+                    <a:p>
+                      <a:pPr algn="l" fontAlgn="b"/>
+                      <a:r>
+                        <a:rPr lang="pt-PT" sz="1200" b="0" i="0" u="none" strike="noStrike">
+                          <a:solidFill>
+                            <a:srgbClr val="000000"/>
+                          </a:solidFill>
+                          <a:effectLst/>
+                          <a:latin typeface="Calibri" panose="020F0502020204030204" pitchFamily="34" charset="0"/>
+                        </a:rPr>
+                        <a:t>Light On/Off</a:t>
+                      </a:r>
+                    </a:p>
+                  </a:txBody>
+                  <a:tcPr marL="9525" marR="9525" marT="9525" marB="0" anchor="b">
+                    <a:lnL w="6350" cap="flat" cmpd="sng" algn="ctr">
+                      <a:solidFill>
+                        <a:srgbClr val="000000"/>
+                      </a:solidFill>
+                      <a:prstDash val="solid"/>
+                      <a:round/>
+                      <a:headEnd type="none" w="med" len="med"/>
+                      <a:tailEnd type="none" w="med" len="med"/>
+                    </a:lnL>
+                    <a:lnR w="6350" cap="flat" cmpd="sng" algn="ctr">
+                      <a:solidFill>
+                        <a:srgbClr val="000000"/>
+                      </a:solidFill>
+                      <a:prstDash val="solid"/>
+                      <a:round/>
+                      <a:headEnd type="none" w="med" len="med"/>
+                      <a:tailEnd type="none" w="med" len="med"/>
+                    </a:lnR>
+                    <a:lnT w="6350" cap="flat" cmpd="sng" algn="ctr">
+                      <a:solidFill>
+                        <a:srgbClr val="000000"/>
+                      </a:solidFill>
+                      <a:prstDash val="solid"/>
+                      <a:round/>
+                      <a:headEnd type="none" w="med" len="med"/>
+                      <a:tailEnd type="none" w="med" len="med"/>
+                    </a:lnT>
+                    <a:lnB w="6350" cap="flat" cmpd="sng" algn="ctr">
+                      <a:solidFill>
+                        <a:srgbClr val="000000"/>
+                      </a:solidFill>
+                      <a:prstDash val="solid"/>
+                      <a:round/>
+                      <a:headEnd type="none" w="med" len="med"/>
+                      <a:tailEnd type="none" w="med" len="med"/>
+                    </a:lnB>
+                    <a:solidFill>
+                      <a:srgbClr val="F2DCDB"/>
+                    </a:solidFill>
+                  </a:tcPr>
+                </a:tc>
+                <a:tc>
+                  <a:txBody>
+                    <a:bodyPr/>
+                    <a:lstStyle/>
+                    <a:p>
+                      <a:pPr algn="l" fontAlgn="b"/>
+                      <a:r>
+                        <a:rPr lang="pt-PT" sz="1200" b="0" i="0" u="none" strike="noStrike">
+                          <a:solidFill>
+                            <a:srgbClr val="000000"/>
+                          </a:solidFill>
+                          <a:effectLst/>
+                          <a:latin typeface="Calibri" panose="020F0502020204030204" pitchFamily="34" charset="0"/>
+                        </a:rPr>
+                        <a:t>Turn pump ON/OFF</a:t>
+                      </a:r>
+                    </a:p>
+                  </a:txBody>
+                  <a:tcPr marL="9525" marR="9525" marT="9525" marB="0" anchor="b">
+                    <a:lnL w="6350" cap="flat" cmpd="sng" algn="ctr">
+                      <a:solidFill>
+                        <a:srgbClr val="000000"/>
+                      </a:solidFill>
+                      <a:prstDash val="solid"/>
+                      <a:round/>
+                      <a:headEnd type="none" w="med" len="med"/>
+                      <a:tailEnd type="none" w="med" len="med"/>
+                    </a:lnL>
+                    <a:lnR w="6350" cap="flat" cmpd="sng" algn="ctr">
+                      <a:solidFill>
+                        <a:srgbClr val="000000"/>
+                      </a:solidFill>
+                      <a:prstDash val="solid"/>
+                      <a:round/>
+                      <a:headEnd type="none" w="med" len="med"/>
+                      <a:tailEnd type="none" w="med" len="med"/>
+                    </a:lnR>
+                    <a:lnT w="6350" cap="flat" cmpd="sng" algn="ctr">
+                      <a:solidFill>
+                        <a:srgbClr val="000000"/>
+                      </a:solidFill>
+                      <a:prstDash val="solid"/>
+                      <a:round/>
+                      <a:headEnd type="none" w="med" len="med"/>
+                      <a:tailEnd type="none" w="med" len="med"/>
+                    </a:lnT>
+                    <a:lnB w="6350" cap="flat" cmpd="sng" algn="ctr">
+                      <a:solidFill>
+                        <a:srgbClr val="000000"/>
+                      </a:solidFill>
+                      <a:prstDash val="solid"/>
+                      <a:round/>
+                      <a:headEnd type="none" w="med" len="med"/>
+                      <a:tailEnd type="none" w="med" len="med"/>
+                    </a:lnB>
+                    <a:solidFill>
+                      <a:srgbClr val="EBF1DE"/>
+                    </a:solidFill>
+                  </a:tcPr>
+                </a:tc>
+                <a:tc>
+                  <a:txBody>
+                    <a:bodyPr/>
+                    <a:lstStyle/>
+                    <a:p>
+                      <a:pPr algn="l" fontAlgn="b"/>
+                      <a:r>
+                        <a:rPr lang="pt-PT" sz="1200" b="0" i="0" u="none" strike="noStrike">
+                          <a:solidFill>
+                            <a:srgbClr val="000000"/>
+                          </a:solidFill>
+                          <a:effectLst/>
+                          <a:latin typeface="Calibri" panose="020F0502020204030204" pitchFamily="34" charset="0"/>
+                        </a:rPr>
+                        <a:t>Asynchronous</a:t>
+                      </a:r>
+                    </a:p>
+                  </a:txBody>
+                  <a:tcPr marL="9525" marR="9525" marT="9525" marB="0" anchor="b">
+                    <a:lnL w="6350" cap="flat" cmpd="sng" algn="ctr">
+                      <a:solidFill>
+                        <a:srgbClr val="000000"/>
+                      </a:solidFill>
+                      <a:prstDash val="solid"/>
+                      <a:round/>
+                      <a:headEnd type="none" w="med" len="med"/>
+                      <a:tailEnd type="none" w="med" len="med"/>
+                    </a:lnL>
+                    <a:lnR w="12700" cap="flat" cmpd="sng" algn="ctr">
+                      <a:solidFill>
+                        <a:srgbClr val="000000"/>
+                      </a:solidFill>
+                      <a:prstDash val="solid"/>
+                      <a:round/>
+                      <a:headEnd type="none" w="med" len="med"/>
+                      <a:tailEnd type="none" w="med" len="med"/>
+                    </a:lnR>
+                    <a:lnT w="6350" cap="flat" cmpd="sng" algn="ctr">
+                      <a:solidFill>
+                        <a:srgbClr val="000000"/>
+                      </a:solidFill>
+                      <a:prstDash val="solid"/>
+                      <a:round/>
+                      <a:headEnd type="none" w="med" len="med"/>
+                      <a:tailEnd type="none" w="med" len="med"/>
+                    </a:lnT>
+                    <a:lnB w="6350" cap="flat" cmpd="sng" algn="ctr">
+                      <a:solidFill>
+                        <a:srgbClr val="000000"/>
+                      </a:solidFill>
+                      <a:prstDash val="solid"/>
+                      <a:round/>
+                      <a:headEnd type="none" w="med" len="med"/>
+                      <a:tailEnd type="none" w="med" len="med"/>
+                    </a:lnB>
+                    <a:solidFill>
+                      <a:srgbClr val="FDE9D9"/>
+                    </a:solidFill>
+                  </a:tcPr>
+                </a:tc>
+                <a:extLst>
+                  <a:ext uri="{0D108BD9-81ED-4DB2-BD59-A6C34878D82A}">
+                    <a16:rowId xmlns:a16="http://schemas.microsoft.com/office/drawing/2014/main" val="3646726748"/>
+                  </a:ext>
+                </a:extLst>
+              </a:tr>
+              <a:tr h="252804">
+                <a:tc vMerge="1">
+                  <a:txBody>
+                    <a:bodyPr/>
+                    <a:lstStyle/>
+                    <a:p>
+                      <a:endParaRPr lang="en-US"/>
+                    </a:p>
+                  </a:txBody>
+                  <a:tcPr/>
+                </a:tc>
+                <a:tc>
+                  <a:txBody>
+                    <a:bodyPr/>
+                    <a:lstStyle/>
+                    <a:p>
+                      <a:pPr algn="l" fontAlgn="b"/>
+                      <a:r>
+                        <a:rPr lang="pt-PT" sz="1200" b="0" i="0" u="none" strike="noStrike">
+                          <a:solidFill>
+                            <a:srgbClr val="000000"/>
+                          </a:solidFill>
+                          <a:effectLst/>
+                          <a:latin typeface="Calibri" panose="020F0502020204030204" pitchFamily="34" charset="0"/>
+                        </a:rPr>
+                        <a:t>Set temperature</a:t>
+                      </a:r>
+                    </a:p>
+                  </a:txBody>
+                  <a:tcPr marL="9525" marR="9525" marT="9525" marB="0" anchor="b">
+                    <a:lnL w="12700" cap="flat" cmpd="sng" algn="ctr">
+                      <a:solidFill>
+                        <a:srgbClr val="000000"/>
+                      </a:solidFill>
+                      <a:prstDash val="solid"/>
+                      <a:round/>
+                      <a:headEnd type="none" w="med" len="med"/>
+                      <a:tailEnd type="none" w="med" len="med"/>
+                    </a:lnL>
+                    <a:lnR w="6350" cap="flat" cmpd="sng" algn="ctr">
+                      <a:solidFill>
+                        <a:srgbClr val="000000"/>
+                      </a:solidFill>
+                      <a:prstDash val="solid"/>
+                      <a:round/>
+                      <a:headEnd type="none" w="med" len="med"/>
+                      <a:tailEnd type="none" w="med" len="med"/>
+                    </a:lnR>
+                    <a:lnT w="6350" cap="flat" cmpd="sng" algn="ctr">
+                      <a:solidFill>
+                        <a:srgbClr val="000000"/>
+                      </a:solidFill>
+                      <a:prstDash val="solid"/>
+                      <a:round/>
+                      <a:headEnd type="none" w="med" len="med"/>
+                      <a:tailEnd type="none" w="med" len="med"/>
+                    </a:lnT>
+                    <a:lnB w="6350" cap="flat" cmpd="sng" algn="ctr">
+                      <a:solidFill>
+                        <a:srgbClr val="000000"/>
+                      </a:solidFill>
+                      <a:prstDash val="solid"/>
+                      <a:round/>
+                      <a:headEnd type="none" w="med" len="med"/>
+                      <a:tailEnd type="none" w="med" len="med"/>
+                    </a:lnB>
+                    <a:solidFill>
+                      <a:srgbClr val="C5D9F1"/>
+                    </a:solidFill>
+                  </a:tcPr>
+                </a:tc>
+                <a:tc>
+                  <a:txBody>
+                    <a:bodyPr/>
+                    <a:lstStyle/>
+                    <a:p>
+                      <a:pPr algn="l" fontAlgn="b"/>
+                      <a:r>
+                        <a:rPr lang="pt-PT" sz="1200" b="0" i="0" u="none" strike="noStrike">
+                          <a:solidFill>
+                            <a:srgbClr val="000000"/>
+                          </a:solidFill>
+                          <a:effectLst/>
+                          <a:latin typeface="Calibri" panose="020F0502020204030204" pitchFamily="34" charset="0"/>
+                        </a:rPr>
+                        <a:t>Mobile command</a:t>
+                      </a:r>
+                    </a:p>
+                  </a:txBody>
+                  <a:tcPr marL="9525" marR="9525" marT="9525" marB="0" anchor="b">
+                    <a:lnL w="6350" cap="flat" cmpd="sng" algn="ctr">
+                      <a:solidFill>
+                        <a:srgbClr val="000000"/>
+                      </a:solidFill>
+                      <a:prstDash val="solid"/>
+                      <a:round/>
+                      <a:headEnd type="none" w="med" len="med"/>
+                      <a:tailEnd type="none" w="med" len="med"/>
+                    </a:lnL>
+                    <a:lnR w="6350" cap="flat" cmpd="sng" algn="ctr">
+                      <a:solidFill>
+                        <a:srgbClr val="000000"/>
+                      </a:solidFill>
+                      <a:prstDash val="solid"/>
+                      <a:round/>
+                      <a:headEnd type="none" w="med" len="med"/>
+                      <a:tailEnd type="none" w="med" len="med"/>
+                    </a:lnR>
+                    <a:lnT w="6350" cap="flat" cmpd="sng" algn="ctr">
+                      <a:solidFill>
+                        <a:srgbClr val="000000"/>
+                      </a:solidFill>
+                      <a:prstDash val="solid"/>
+                      <a:round/>
+                      <a:headEnd type="none" w="med" len="med"/>
+                      <a:tailEnd type="none" w="med" len="med"/>
+                    </a:lnT>
+                    <a:lnB w="6350" cap="flat" cmpd="sng" algn="ctr">
+                      <a:solidFill>
+                        <a:srgbClr val="000000"/>
+                      </a:solidFill>
+                      <a:prstDash val="solid"/>
+                      <a:round/>
+                      <a:headEnd type="none" w="med" len="med"/>
+                      <a:tailEnd type="none" w="med" len="med"/>
+                    </a:lnB>
+                    <a:solidFill>
+                      <a:srgbClr val="F2DCDB"/>
+                    </a:solidFill>
+                  </a:tcPr>
+                </a:tc>
+                <a:tc>
+                  <a:txBody>
+                    <a:bodyPr/>
+                    <a:lstStyle/>
+                    <a:p>
+                      <a:pPr algn="l" fontAlgn="b"/>
+                      <a:r>
+                        <a:rPr lang="pt-PT" sz="1200" b="0" i="0" u="none" strike="noStrike">
+                          <a:solidFill>
+                            <a:srgbClr val="000000"/>
+                          </a:solidFill>
+                          <a:effectLst/>
+                          <a:latin typeface="Calibri" panose="020F0502020204030204" pitchFamily="34" charset="0"/>
+                        </a:rPr>
+                        <a:t>change target temperature</a:t>
+                      </a:r>
+                    </a:p>
+                  </a:txBody>
+                  <a:tcPr marL="9525" marR="9525" marT="9525" marB="0" anchor="b">
+                    <a:lnL w="6350" cap="flat" cmpd="sng" algn="ctr">
+                      <a:solidFill>
+                        <a:srgbClr val="000000"/>
+                      </a:solidFill>
+                      <a:prstDash val="solid"/>
+                      <a:round/>
+                      <a:headEnd type="none" w="med" len="med"/>
+                      <a:tailEnd type="none" w="med" len="med"/>
+                    </a:lnL>
+                    <a:lnR w="6350" cap="flat" cmpd="sng" algn="ctr">
+                      <a:solidFill>
+                        <a:srgbClr val="000000"/>
+                      </a:solidFill>
+                      <a:prstDash val="solid"/>
+                      <a:round/>
+                      <a:headEnd type="none" w="med" len="med"/>
+                      <a:tailEnd type="none" w="med" len="med"/>
+                    </a:lnR>
+                    <a:lnT w="6350" cap="flat" cmpd="sng" algn="ctr">
+                      <a:solidFill>
+                        <a:srgbClr val="000000"/>
+                      </a:solidFill>
+                      <a:prstDash val="solid"/>
+                      <a:round/>
+                      <a:headEnd type="none" w="med" len="med"/>
+                      <a:tailEnd type="none" w="med" len="med"/>
+                    </a:lnT>
+                    <a:lnB w="6350" cap="flat" cmpd="sng" algn="ctr">
+                      <a:solidFill>
+                        <a:srgbClr val="000000"/>
+                      </a:solidFill>
+                      <a:prstDash val="solid"/>
+                      <a:round/>
+                      <a:headEnd type="none" w="med" len="med"/>
+                      <a:tailEnd type="none" w="med" len="med"/>
+                    </a:lnB>
+                    <a:solidFill>
+                      <a:srgbClr val="EBF1DE"/>
+                    </a:solidFill>
+                  </a:tcPr>
+                </a:tc>
+                <a:tc>
+                  <a:txBody>
+                    <a:bodyPr/>
+                    <a:lstStyle/>
+                    <a:p>
+                      <a:pPr algn="l" fontAlgn="b"/>
+                      <a:r>
+                        <a:rPr lang="pt-PT" sz="1200" b="0" i="0" u="none" strike="noStrike">
+                          <a:solidFill>
+                            <a:srgbClr val="000000"/>
+                          </a:solidFill>
+                          <a:effectLst/>
+                          <a:latin typeface="Calibri" panose="020F0502020204030204" pitchFamily="34" charset="0"/>
+                        </a:rPr>
+                        <a:t>Asynchronous</a:t>
+                      </a:r>
+                    </a:p>
+                  </a:txBody>
+                  <a:tcPr marL="9525" marR="9525" marT="9525" marB="0" anchor="b">
+                    <a:lnL w="6350" cap="flat" cmpd="sng" algn="ctr">
+                      <a:solidFill>
+                        <a:srgbClr val="000000"/>
+                      </a:solidFill>
+                      <a:prstDash val="solid"/>
+                      <a:round/>
+                      <a:headEnd type="none" w="med" len="med"/>
+                      <a:tailEnd type="none" w="med" len="med"/>
+                    </a:lnL>
+                    <a:lnR w="12700" cap="flat" cmpd="sng" algn="ctr">
+                      <a:solidFill>
+                        <a:srgbClr val="000000"/>
+                      </a:solidFill>
+                      <a:prstDash val="solid"/>
+                      <a:round/>
+                      <a:headEnd type="none" w="med" len="med"/>
+                      <a:tailEnd type="none" w="med" len="med"/>
+                    </a:lnR>
+                    <a:lnT w="6350" cap="flat" cmpd="sng" algn="ctr">
+                      <a:solidFill>
+                        <a:srgbClr val="000000"/>
+                      </a:solidFill>
+                      <a:prstDash val="solid"/>
+                      <a:round/>
+                      <a:headEnd type="none" w="med" len="med"/>
+                      <a:tailEnd type="none" w="med" len="med"/>
+                    </a:lnT>
+                    <a:lnB w="6350" cap="flat" cmpd="sng" algn="ctr">
+                      <a:solidFill>
+                        <a:srgbClr val="000000"/>
+                      </a:solidFill>
+                      <a:prstDash val="solid"/>
+                      <a:round/>
+                      <a:headEnd type="none" w="med" len="med"/>
+                      <a:tailEnd type="none" w="med" len="med"/>
+                    </a:lnB>
+                    <a:solidFill>
+                      <a:srgbClr val="FDE9D9"/>
+                    </a:solidFill>
+                  </a:tcPr>
+                </a:tc>
+                <a:extLst>
+                  <a:ext uri="{0D108BD9-81ED-4DB2-BD59-A6C34878D82A}">
+                    <a16:rowId xmlns:a16="http://schemas.microsoft.com/office/drawing/2014/main" val="1128373385"/>
+                  </a:ext>
+                </a:extLst>
+              </a:tr>
+              <a:tr h="252804">
+                <a:tc vMerge="1">
+                  <a:txBody>
+                    <a:bodyPr/>
+                    <a:lstStyle/>
+                    <a:p>
+                      <a:endParaRPr lang="en-US"/>
+                    </a:p>
+                  </a:txBody>
+                  <a:tcPr/>
+                </a:tc>
+                <a:tc>
+                  <a:txBody>
+                    <a:bodyPr/>
+                    <a:lstStyle/>
+                    <a:p>
+                      <a:pPr algn="l" fontAlgn="b"/>
+                      <a:r>
+                        <a:rPr lang="pt-PT" sz="1200" b="0" i="0" u="none" strike="noStrike">
+                          <a:solidFill>
+                            <a:srgbClr val="000000"/>
+                          </a:solidFill>
+                          <a:effectLst/>
+                          <a:latin typeface="Calibri" panose="020F0502020204030204" pitchFamily="34" charset="0"/>
+                        </a:rPr>
+                        <a:t>Set humidity</a:t>
+                      </a:r>
+                    </a:p>
+                  </a:txBody>
+                  <a:tcPr marL="9525" marR="9525" marT="9525" marB="0" anchor="b">
+                    <a:lnL w="12700" cap="flat" cmpd="sng" algn="ctr">
+                      <a:solidFill>
+                        <a:srgbClr val="000000"/>
+                      </a:solidFill>
+                      <a:prstDash val="solid"/>
+                      <a:round/>
+                      <a:headEnd type="none" w="med" len="med"/>
+                      <a:tailEnd type="none" w="med" len="med"/>
+                    </a:lnL>
+                    <a:lnR w="6350" cap="flat" cmpd="sng" algn="ctr">
+                      <a:solidFill>
+                        <a:srgbClr val="000000"/>
+                      </a:solidFill>
+                      <a:prstDash val="solid"/>
+                      <a:round/>
+                      <a:headEnd type="none" w="med" len="med"/>
+                      <a:tailEnd type="none" w="med" len="med"/>
+                    </a:lnR>
+                    <a:lnT w="6350" cap="flat" cmpd="sng" algn="ctr">
+                      <a:solidFill>
+                        <a:srgbClr val="000000"/>
+                      </a:solidFill>
+                      <a:prstDash val="solid"/>
+                      <a:round/>
+                      <a:headEnd type="none" w="med" len="med"/>
+                      <a:tailEnd type="none" w="med" len="med"/>
+                    </a:lnT>
+                    <a:lnB w="6350" cap="flat" cmpd="sng" algn="ctr">
+                      <a:solidFill>
+                        <a:srgbClr val="000000"/>
+                      </a:solidFill>
+                      <a:prstDash val="solid"/>
+                      <a:round/>
+                      <a:headEnd type="none" w="med" len="med"/>
+                      <a:tailEnd type="none" w="med" len="med"/>
+                    </a:lnB>
+                    <a:solidFill>
+                      <a:srgbClr val="C5D9F1"/>
+                    </a:solidFill>
+                  </a:tcPr>
+                </a:tc>
+                <a:tc>
+                  <a:txBody>
+                    <a:bodyPr/>
+                    <a:lstStyle/>
+                    <a:p>
+                      <a:pPr algn="l" fontAlgn="b"/>
+                      <a:r>
+                        <a:rPr lang="pt-PT" sz="1200" b="0" i="0" u="none" strike="noStrike">
+                          <a:solidFill>
+                            <a:srgbClr val="000000"/>
+                          </a:solidFill>
+                          <a:effectLst/>
+                          <a:latin typeface="Calibri" panose="020F0502020204030204" pitchFamily="34" charset="0"/>
+                        </a:rPr>
+                        <a:t>Mobile command</a:t>
+                      </a:r>
+                    </a:p>
+                  </a:txBody>
+                  <a:tcPr marL="9525" marR="9525" marT="9525" marB="0" anchor="b">
+                    <a:lnL w="6350" cap="flat" cmpd="sng" algn="ctr">
+                      <a:solidFill>
+                        <a:srgbClr val="000000"/>
+                      </a:solidFill>
+                      <a:prstDash val="solid"/>
+                      <a:round/>
+                      <a:headEnd type="none" w="med" len="med"/>
+                      <a:tailEnd type="none" w="med" len="med"/>
+                    </a:lnL>
+                    <a:lnR w="6350" cap="flat" cmpd="sng" algn="ctr">
+                      <a:solidFill>
+                        <a:srgbClr val="000000"/>
+                      </a:solidFill>
+                      <a:prstDash val="solid"/>
+                      <a:round/>
+                      <a:headEnd type="none" w="med" len="med"/>
+                      <a:tailEnd type="none" w="med" len="med"/>
+                    </a:lnR>
+                    <a:lnT w="6350" cap="flat" cmpd="sng" algn="ctr">
+                      <a:solidFill>
+                        <a:srgbClr val="000000"/>
+                      </a:solidFill>
+                      <a:prstDash val="solid"/>
+                      <a:round/>
+                      <a:headEnd type="none" w="med" len="med"/>
+                      <a:tailEnd type="none" w="med" len="med"/>
+                    </a:lnT>
+                    <a:lnB w="6350" cap="flat" cmpd="sng" algn="ctr">
+                      <a:solidFill>
+                        <a:srgbClr val="000000"/>
+                      </a:solidFill>
+                      <a:prstDash val="solid"/>
+                      <a:round/>
+                      <a:headEnd type="none" w="med" len="med"/>
+                      <a:tailEnd type="none" w="med" len="med"/>
+                    </a:lnB>
+                    <a:solidFill>
+                      <a:srgbClr val="F2DCDB"/>
+                    </a:solidFill>
+                  </a:tcPr>
+                </a:tc>
+                <a:tc>
+                  <a:txBody>
+                    <a:bodyPr/>
+                    <a:lstStyle/>
+                    <a:p>
+                      <a:pPr algn="l" fontAlgn="b"/>
+                      <a:r>
+                        <a:rPr lang="pt-PT" sz="1200" b="0" i="0" u="none" strike="noStrike">
+                          <a:solidFill>
+                            <a:srgbClr val="000000"/>
+                          </a:solidFill>
+                          <a:effectLst/>
+                          <a:latin typeface="Calibri" panose="020F0502020204030204" pitchFamily="34" charset="0"/>
+                        </a:rPr>
+                        <a:t>change target humidity</a:t>
+                      </a:r>
+                    </a:p>
+                  </a:txBody>
+                  <a:tcPr marL="9525" marR="9525" marT="9525" marB="0" anchor="b">
+                    <a:lnL w="6350" cap="flat" cmpd="sng" algn="ctr">
+                      <a:solidFill>
+                        <a:srgbClr val="000000"/>
+                      </a:solidFill>
+                      <a:prstDash val="solid"/>
+                      <a:round/>
+                      <a:headEnd type="none" w="med" len="med"/>
+                      <a:tailEnd type="none" w="med" len="med"/>
+                    </a:lnL>
+                    <a:lnR w="6350" cap="flat" cmpd="sng" algn="ctr">
+                      <a:solidFill>
+                        <a:srgbClr val="000000"/>
+                      </a:solidFill>
+                      <a:prstDash val="solid"/>
+                      <a:round/>
+                      <a:headEnd type="none" w="med" len="med"/>
+                      <a:tailEnd type="none" w="med" len="med"/>
+                    </a:lnR>
+                    <a:lnT w="6350" cap="flat" cmpd="sng" algn="ctr">
+                      <a:solidFill>
+                        <a:srgbClr val="000000"/>
+                      </a:solidFill>
+                      <a:prstDash val="solid"/>
+                      <a:round/>
+                      <a:headEnd type="none" w="med" len="med"/>
+                      <a:tailEnd type="none" w="med" len="med"/>
+                    </a:lnT>
+                    <a:lnB w="6350" cap="flat" cmpd="sng" algn="ctr">
+                      <a:solidFill>
+                        <a:srgbClr val="000000"/>
+                      </a:solidFill>
+                      <a:prstDash val="solid"/>
+                      <a:round/>
+                      <a:headEnd type="none" w="med" len="med"/>
+                      <a:tailEnd type="none" w="med" len="med"/>
+                    </a:lnB>
+                    <a:solidFill>
+                      <a:srgbClr val="EBF1DE"/>
+                    </a:solidFill>
+                  </a:tcPr>
+                </a:tc>
+                <a:tc>
+                  <a:txBody>
+                    <a:bodyPr/>
+                    <a:lstStyle/>
+                    <a:p>
+                      <a:pPr algn="l" fontAlgn="b"/>
+                      <a:r>
+                        <a:rPr lang="pt-PT" sz="1200" b="0" i="0" u="none" strike="noStrike">
+                          <a:solidFill>
+                            <a:srgbClr val="000000"/>
+                          </a:solidFill>
+                          <a:effectLst/>
+                          <a:latin typeface="Calibri" panose="020F0502020204030204" pitchFamily="34" charset="0"/>
+                        </a:rPr>
+                        <a:t>Asynchronous</a:t>
+                      </a:r>
+                    </a:p>
+                  </a:txBody>
+                  <a:tcPr marL="9525" marR="9525" marT="9525" marB="0" anchor="b">
+                    <a:lnL w="6350" cap="flat" cmpd="sng" algn="ctr">
+                      <a:solidFill>
+                        <a:srgbClr val="000000"/>
+                      </a:solidFill>
+                      <a:prstDash val="solid"/>
+                      <a:round/>
+                      <a:headEnd type="none" w="med" len="med"/>
+                      <a:tailEnd type="none" w="med" len="med"/>
+                    </a:lnL>
+                    <a:lnR w="12700" cap="flat" cmpd="sng" algn="ctr">
+                      <a:solidFill>
+                        <a:srgbClr val="000000"/>
+                      </a:solidFill>
+                      <a:prstDash val="solid"/>
+                      <a:round/>
+                      <a:headEnd type="none" w="med" len="med"/>
+                      <a:tailEnd type="none" w="med" len="med"/>
+                    </a:lnR>
+                    <a:lnT w="6350" cap="flat" cmpd="sng" algn="ctr">
+                      <a:solidFill>
+                        <a:srgbClr val="000000"/>
+                      </a:solidFill>
+                      <a:prstDash val="solid"/>
+                      <a:round/>
+                      <a:headEnd type="none" w="med" len="med"/>
+                      <a:tailEnd type="none" w="med" len="med"/>
+                    </a:lnT>
+                    <a:lnB w="6350" cap="flat" cmpd="sng" algn="ctr">
+                      <a:solidFill>
+                        <a:srgbClr val="000000"/>
+                      </a:solidFill>
+                      <a:prstDash val="solid"/>
+                      <a:round/>
+                      <a:headEnd type="none" w="med" len="med"/>
+                      <a:tailEnd type="none" w="med" len="med"/>
+                    </a:lnB>
+                    <a:solidFill>
+                      <a:srgbClr val="FDE9D9"/>
+                    </a:solidFill>
+                  </a:tcPr>
+                </a:tc>
+                <a:extLst>
+                  <a:ext uri="{0D108BD9-81ED-4DB2-BD59-A6C34878D82A}">
+                    <a16:rowId xmlns:a16="http://schemas.microsoft.com/office/drawing/2014/main" val="2451270493"/>
+                  </a:ext>
+                </a:extLst>
+              </a:tr>
+              <a:tr h="252804">
+                <a:tc vMerge="1">
+                  <a:txBody>
+                    <a:bodyPr/>
+                    <a:lstStyle/>
+                    <a:p>
+                      <a:endParaRPr lang="en-US"/>
+                    </a:p>
+                  </a:txBody>
+                  <a:tcPr/>
+                </a:tc>
+                <a:tc>
+                  <a:txBody>
+                    <a:bodyPr/>
+                    <a:lstStyle/>
+                    <a:p>
+                      <a:pPr algn="l" fontAlgn="b"/>
+                      <a:r>
+                        <a:rPr lang="pt-PT" sz="1200" b="0" i="0" u="none" strike="noStrike">
+                          <a:solidFill>
+                            <a:srgbClr val="000000"/>
+                          </a:solidFill>
+                          <a:effectLst/>
+                          <a:latin typeface="Calibri" panose="020F0502020204030204" pitchFamily="34" charset="0"/>
+                        </a:rPr>
+                        <a:t>Send data to database</a:t>
+                      </a:r>
+                    </a:p>
+                  </a:txBody>
+                  <a:tcPr marL="9525" marR="9525" marT="9525" marB="0" anchor="b">
+                    <a:lnL w="12700" cap="flat" cmpd="sng" algn="ctr">
+                      <a:solidFill>
+                        <a:srgbClr val="000000"/>
+                      </a:solidFill>
+                      <a:prstDash val="solid"/>
+                      <a:round/>
+                      <a:headEnd type="none" w="med" len="med"/>
+                      <a:tailEnd type="none" w="med" len="med"/>
+                    </a:lnL>
+                    <a:lnR w="6350" cap="flat" cmpd="sng" algn="ctr">
+                      <a:solidFill>
+                        <a:srgbClr val="000000"/>
+                      </a:solidFill>
+                      <a:prstDash val="solid"/>
+                      <a:round/>
+                      <a:headEnd type="none" w="med" len="med"/>
+                      <a:tailEnd type="none" w="med" len="med"/>
+                    </a:lnR>
+                    <a:lnT w="6350" cap="flat" cmpd="sng" algn="ctr">
+                      <a:solidFill>
+                        <a:srgbClr val="000000"/>
+                      </a:solidFill>
+                      <a:prstDash val="solid"/>
+                      <a:round/>
+                      <a:headEnd type="none" w="med" len="med"/>
+                      <a:tailEnd type="none" w="med" len="med"/>
+                    </a:lnT>
+                    <a:lnB w="6350" cap="flat" cmpd="sng" algn="ctr">
+                      <a:solidFill>
+                        <a:srgbClr val="000000"/>
+                      </a:solidFill>
+                      <a:prstDash val="solid"/>
+                      <a:round/>
+                      <a:headEnd type="none" w="med" len="med"/>
+                      <a:tailEnd type="none" w="med" len="med"/>
+                    </a:lnB>
+                    <a:solidFill>
+                      <a:srgbClr val="C5D9F1"/>
+                    </a:solidFill>
+                  </a:tcPr>
+                </a:tc>
+                <a:tc>
+                  <a:txBody>
+                    <a:bodyPr/>
+                    <a:lstStyle/>
+                    <a:p>
+                      <a:pPr algn="l" fontAlgn="b"/>
+                      <a:r>
+                        <a:rPr lang="pt-PT" sz="1200" b="0" i="0" u="none" strike="noStrike">
+                          <a:solidFill>
+                            <a:srgbClr val="000000"/>
+                          </a:solidFill>
+                          <a:effectLst/>
+                          <a:latin typeface="Calibri" panose="020F0502020204030204" pitchFamily="34" charset="0"/>
+                        </a:rPr>
+                        <a:t>Sampling event</a:t>
+                      </a:r>
+                    </a:p>
+                  </a:txBody>
+                  <a:tcPr marL="9525" marR="9525" marT="9525" marB="0" anchor="b">
+                    <a:lnL w="6350" cap="flat" cmpd="sng" algn="ctr">
+                      <a:solidFill>
+                        <a:srgbClr val="000000"/>
+                      </a:solidFill>
+                      <a:prstDash val="solid"/>
+                      <a:round/>
+                      <a:headEnd type="none" w="med" len="med"/>
+                      <a:tailEnd type="none" w="med" len="med"/>
+                    </a:lnL>
+                    <a:lnR w="6350" cap="flat" cmpd="sng" algn="ctr">
+                      <a:solidFill>
+                        <a:srgbClr val="000000"/>
+                      </a:solidFill>
+                      <a:prstDash val="solid"/>
+                      <a:round/>
+                      <a:headEnd type="none" w="med" len="med"/>
+                      <a:tailEnd type="none" w="med" len="med"/>
+                    </a:lnR>
+                    <a:lnT w="6350" cap="flat" cmpd="sng" algn="ctr">
+                      <a:solidFill>
+                        <a:srgbClr val="000000"/>
+                      </a:solidFill>
+                      <a:prstDash val="solid"/>
+                      <a:round/>
+                      <a:headEnd type="none" w="med" len="med"/>
+                      <a:tailEnd type="none" w="med" len="med"/>
+                    </a:lnT>
+                    <a:lnB w="6350" cap="flat" cmpd="sng" algn="ctr">
+                      <a:solidFill>
+                        <a:srgbClr val="000000"/>
+                      </a:solidFill>
+                      <a:prstDash val="solid"/>
+                      <a:round/>
+                      <a:headEnd type="none" w="med" len="med"/>
+                      <a:tailEnd type="none" w="med" len="med"/>
+                    </a:lnB>
+                    <a:solidFill>
+                      <a:srgbClr val="F2DCDB"/>
+                    </a:solidFill>
+                  </a:tcPr>
+                </a:tc>
+                <a:tc>
+                  <a:txBody>
+                    <a:bodyPr/>
+                    <a:lstStyle/>
+                    <a:p>
+                      <a:pPr algn="l" fontAlgn="b"/>
+                      <a:r>
+                        <a:rPr lang="pt-PT" sz="1200" b="0" i="0" u="none" strike="noStrike">
+                          <a:solidFill>
+                            <a:srgbClr val="000000"/>
+                          </a:solidFill>
+                          <a:effectLst/>
+                          <a:latin typeface="Calibri" panose="020F0502020204030204" pitchFamily="34" charset="0"/>
+                        </a:rPr>
+                        <a:t>Send data to database</a:t>
+                      </a:r>
+                    </a:p>
+                  </a:txBody>
+                  <a:tcPr marL="9525" marR="9525" marT="9525" marB="0" anchor="b">
+                    <a:lnL w="6350" cap="flat" cmpd="sng" algn="ctr">
+                      <a:solidFill>
+                        <a:srgbClr val="000000"/>
+                      </a:solidFill>
+                      <a:prstDash val="solid"/>
+                      <a:round/>
+                      <a:headEnd type="none" w="med" len="med"/>
+                      <a:tailEnd type="none" w="med" len="med"/>
+                    </a:lnL>
+                    <a:lnR w="6350" cap="flat" cmpd="sng" algn="ctr">
+                      <a:solidFill>
+                        <a:srgbClr val="000000"/>
+                      </a:solidFill>
+                      <a:prstDash val="solid"/>
+                      <a:round/>
+                      <a:headEnd type="none" w="med" len="med"/>
+                      <a:tailEnd type="none" w="med" len="med"/>
+                    </a:lnR>
+                    <a:lnT w="6350" cap="flat" cmpd="sng" algn="ctr">
+                      <a:solidFill>
+                        <a:srgbClr val="000000"/>
+                      </a:solidFill>
+                      <a:prstDash val="solid"/>
+                      <a:round/>
+                      <a:headEnd type="none" w="med" len="med"/>
+                      <a:tailEnd type="none" w="med" len="med"/>
+                    </a:lnT>
+                    <a:lnB w="6350" cap="flat" cmpd="sng" algn="ctr">
+                      <a:solidFill>
+                        <a:srgbClr val="000000"/>
+                      </a:solidFill>
+                      <a:prstDash val="solid"/>
+                      <a:round/>
+                      <a:headEnd type="none" w="med" len="med"/>
+                      <a:tailEnd type="none" w="med" len="med"/>
+                    </a:lnB>
+                    <a:solidFill>
+                      <a:srgbClr val="EBF1DE"/>
+                    </a:solidFill>
+                  </a:tcPr>
+                </a:tc>
+                <a:tc>
+                  <a:txBody>
+                    <a:bodyPr/>
+                    <a:lstStyle/>
+                    <a:p>
+                      <a:pPr algn="l" fontAlgn="b"/>
+                      <a:r>
+                        <a:rPr lang="pt-PT" sz="1200" b="0" i="0" u="none" strike="noStrike">
+                          <a:solidFill>
+                            <a:srgbClr val="000000"/>
+                          </a:solidFill>
+                          <a:effectLst/>
+                          <a:latin typeface="Calibri" panose="020F0502020204030204" pitchFamily="34" charset="0"/>
+                        </a:rPr>
+                        <a:t>Asynchronous</a:t>
+                      </a:r>
+                    </a:p>
+                  </a:txBody>
+                  <a:tcPr marL="9525" marR="9525" marT="9525" marB="0" anchor="b">
+                    <a:lnL w="6350" cap="flat" cmpd="sng" algn="ctr">
+                      <a:solidFill>
+                        <a:srgbClr val="000000"/>
+                      </a:solidFill>
+                      <a:prstDash val="solid"/>
+                      <a:round/>
+                      <a:headEnd type="none" w="med" len="med"/>
+                      <a:tailEnd type="none" w="med" len="med"/>
+                    </a:lnL>
+                    <a:lnR w="12700" cap="flat" cmpd="sng" algn="ctr">
+                      <a:solidFill>
+                        <a:srgbClr val="000000"/>
+                      </a:solidFill>
+                      <a:prstDash val="solid"/>
+                      <a:round/>
+                      <a:headEnd type="none" w="med" len="med"/>
+                      <a:tailEnd type="none" w="med" len="med"/>
+                    </a:lnR>
+                    <a:lnT w="6350" cap="flat" cmpd="sng" algn="ctr">
+                      <a:solidFill>
+                        <a:srgbClr val="000000"/>
+                      </a:solidFill>
+                      <a:prstDash val="solid"/>
+                      <a:round/>
+                      <a:headEnd type="none" w="med" len="med"/>
+                      <a:tailEnd type="none" w="med" len="med"/>
+                    </a:lnT>
+                    <a:lnB w="6350" cap="flat" cmpd="sng" algn="ctr">
+                      <a:solidFill>
+                        <a:srgbClr val="000000"/>
+                      </a:solidFill>
+                      <a:prstDash val="solid"/>
+                      <a:round/>
+                      <a:headEnd type="none" w="med" len="med"/>
+                      <a:tailEnd type="none" w="med" len="med"/>
+                    </a:lnB>
+                    <a:solidFill>
+                      <a:srgbClr val="FDE9D9"/>
+                    </a:solidFill>
+                  </a:tcPr>
+                </a:tc>
+                <a:extLst>
+                  <a:ext uri="{0D108BD9-81ED-4DB2-BD59-A6C34878D82A}">
+                    <a16:rowId xmlns:a16="http://schemas.microsoft.com/office/drawing/2014/main" val="644267470"/>
+                  </a:ext>
+                </a:extLst>
+              </a:tr>
+              <a:tr h="252804">
+                <a:tc rowSpan="2">
+                  <a:txBody>
+                    <a:bodyPr/>
+                    <a:lstStyle/>
+                    <a:p>
+                      <a:pPr algn="r" fontAlgn="b"/>
+                      <a:r>
+                        <a:rPr lang="pt-PT" sz="1200" b="0" i="0" u="none" strike="noStrike">
+                          <a:solidFill>
+                            <a:srgbClr val="000000"/>
+                          </a:solidFill>
+                          <a:effectLst/>
+                          <a:latin typeface="Calibri" panose="020F0502020204030204" pitchFamily="34" charset="0"/>
+                        </a:rPr>
+                        <a:t>mobile</a:t>
+                      </a:r>
+                    </a:p>
+                  </a:txBody>
+                  <a:tcPr marL="9525" marR="9525" marT="9525" marB="0" vert="vert270" anchor="b">
+                    <a:lnL w="12700" cap="flat" cmpd="sng" algn="ctr">
+                      <a:solidFill>
+                        <a:srgbClr val="000000"/>
+                      </a:solidFill>
+                      <a:prstDash val="solid"/>
+                      <a:round/>
+                      <a:headEnd type="none" w="med" len="med"/>
+                      <a:tailEnd type="none" w="med" len="med"/>
+                    </a:lnL>
+                    <a:lnR w="12700" cap="flat" cmpd="sng" algn="ctr">
+                      <a:solidFill>
+                        <a:srgbClr val="000000"/>
+                      </a:solidFill>
+                      <a:prstDash val="solid"/>
+                      <a:round/>
+                      <a:headEnd type="none" w="med" len="med"/>
+                      <a:tailEnd type="none" w="med" len="med"/>
+                    </a:lnR>
+                    <a:lnT w="6350" cap="flat" cmpd="sng" algn="ctr">
+                      <a:solidFill>
+                        <a:srgbClr val="000000"/>
+                      </a:solidFill>
+                      <a:prstDash val="solid"/>
+                      <a:round/>
+                      <a:headEnd type="none" w="med" len="med"/>
+                      <a:tailEnd type="none" w="med" len="med"/>
+                    </a:lnT>
+                    <a:lnB w="12700" cap="flat" cmpd="sng" algn="ctr">
+                      <a:solidFill>
+                        <a:srgbClr val="000000"/>
+                      </a:solidFill>
+                      <a:prstDash val="solid"/>
+                      <a:round/>
+                      <a:headEnd type="none" w="med" len="med"/>
+                      <a:tailEnd type="none" w="med" len="med"/>
+                    </a:lnB>
+                    <a:solidFill>
+                      <a:srgbClr val="DDD9C4"/>
+                    </a:solidFill>
+                  </a:tcPr>
+                </a:tc>
+                <a:tc>
+                  <a:txBody>
+                    <a:bodyPr/>
+                    <a:lstStyle/>
+                    <a:p>
+                      <a:pPr algn="l" fontAlgn="b"/>
+                      <a:r>
+                        <a:rPr lang="pt-PT" sz="1200" b="0" i="0" u="none" strike="noStrike">
+                          <a:solidFill>
+                            <a:srgbClr val="000000"/>
+                          </a:solidFill>
+                          <a:effectLst/>
+                          <a:latin typeface="Calibri" panose="020F0502020204030204" pitchFamily="34" charset="0"/>
+                        </a:rPr>
+                        <a:t>Recieve data from database</a:t>
+                      </a:r>
+                    </a:p>
+                  </a:txBody>
+                  <a:tcPr marL="9525" marR="9525" marT="9525" marB="0" anchor="b">
+                    <a:lnL w="12700" cap="flat" cmpd="sng" algn="ctr">
+                      <a:solidFill>
+                        <a:srgbClr val="000000"/>
+                      </a:solidFill>
+                      <a:prstDash val="solid"/>
+                      <a:round/>
+                      <a:headEnd type="none" w="med" len="med"/>
+                      <a:tailEnd type="none" w="med" len="med"/>
+                    </a:lnL>
+                    <a:lnR w="6350" cap="flat" cmpd="sng" algn="ctr">
+                      <a:solidFill>
+                        <a:srgbClr val="000000"/>
+                      </a:solidFill>
+                      <a:prstDash val="solid"/>
+                      <a:round/>
+                      <a:headEnd type="none" w="med" len="med"/>
+                      <a:tailEnd type="none" w="med" len="med"/>
+                    </a:lnR>
+                    <a:lnT w="6350" cap="flat" cmpd="sng" algn="ctr">
+                      <a:solidFill>
+                        <a:srgbClr val="000000"/>
+                      </a:solidFill>
+                      <a:prstDash val="solid"/>
+                      <a:round/>
+                      <a:headEnd type="none" w="med" len="med"/>
+                      <a:tailEnd type="none" w="med" len="med"/>
+                    </a:lnT>
+                    <a:lnB w="6350" cap="flat" cmpd="sng" algn="ctr">
+                      <a:solidFill>
+                        <a:srgbClr val="000000"/>
+                      </a:solidFill>
+                      <a:prstDash val="solid"/>
+                      <a:round/>
+                      <a:headEnd type="none" w="med" len="med"/>
+                      <a:tailEnd type="none" w="med" len="med"/>
+                    </a:lnB>
+                    <a:solidFill>
+                      <a:srgbClr val="C5D9F1"/>
+                    </a:solidFill>
+                  </a:tcPr>
+                </a:tc>
+                <a:tc>
+                  <a:txBody>
+                    <a:bodyPr/>
+                    <a:lstStyle/>
+                    <a:p>
+                      <a:pPr algn="l" fontAlgn="b"/>
+                      <a:r>
+                        <a:rPr lang="pt-PT" sz="1200" b="0" i="0" u="none" strike="noStrike">
+                          <a:solidFill>
+                            <a:srgbClr val="000000"/>
+                          </a:solidFill>
+                          <a:effectLst/>
+                          <a:latin typeface="Calibri" panose="020F0502020204030204" pitchFamily="34" charset="0"/>
+                        </a:rPr>
+                        <a:t>Timer</a:t>
+                      </a:r>
+                    </a:p>
+                  </a:txBody>
+                  <a:tcPr marL="9525" marR="9525" marT="9525" marB="0" anchor="b">
+                    <a:lnL w="6350" cap="flat" cmpd="sng" algn="ctr">
+                      <a:solidFill>
+                        <a:srgbClr val="000000"/>
+                      </a:solidFill>
+                      <a:prstDash val="solid"/>
+                      <a:round/>
+                      <a:headEnd type="none" w="med" len="med"/>
+                      <a:tailEnd type="none" w="med" len="med"/>
+                    </a:lnL>
+                    <a:lnR w="6350" cap="flat" cmpd="sng" algn="ctr">
+                      <a:solidFill>
+                        <a:srgbClr val="000000"/>
+                      </a:solidFill>
+                      <a:prstDash val="solid"/>
+                      <a:round/>
+                      <a:headEnd type="none" w="med" len="med"/>
+                      <a:tailEnd type="none" w="med" len="med"/>
+                    </a:lnR>
+                    <a:lnT w="6350" cap="flat" cmpd="sng" algn="ctr">
+                      <a:solidFill>
+                        <a:srgbClr val="000000"/>
+                      </a:solidFill>
+                      <a:prstDash val="solid"/>
+                      <a:round/>
+                      <a:headEnd type="none" w="med" len="med"/>
+                      <a:tailEnd type="none" w="med" len="med"/>
+                    </a:lnT>
+                    <a:lnB w="6350" cap="flat" cmpd="sng" algn="ctr">
+                      <a:solidFill>
+                        <a:srgbClr val="000000"/>
+                      </a:solidFill>
+                      <a:prstDash val="solid"/>
+                      <a:round/>
+                      <a:headEnd type="none" w="med" len="med"/>
+                      <a:tailEnd type="none" w="med" len="med"/>
+                    </a:lnB>
+                    <a:solidFill>
+                      <a:srgbClr val="F2DCDB"/>
+                    </a:solidFill>
+                  </a:tcPr>
+                </a:tc>
+                <a:tc>
+                  <a:txBody>
+                    <a:bodyPr/>
+                    <a:lstStyle/>
+                    <a:p>
+                      <a:pPr algn="l" fontAlgn="b"/>
+                      <a:r>
+                        <a:rPr lang="pt-PT" sz="1200" b="0" i="0" u="none" strike="noStrike">
+                          <a:solidFill>
+                            <a:srgbClr val="000000"/>
+                          </a:solidFill>
+                          <a:effectLst/>
+                          <a:latin typeface="Calibri" panose="020F0502020204030204" pitchFamily="34" charset="0"/>
+                        </a:rPr>
+                        <a:t>Recieve data from database</a:t>
+                      </a:r>
+                    </a:p>
+                  </a:txBody>
+                  <a:tcPr marL="9525" marR="9525" marT="9525" marB="0" anchor="b">
+                    <a:lnL w="6350" cap="flat" cmpd="sng" algn="ctr">
+                      <a:solidFill>
+                        <a:srgbClr val="000000"/>
+                      </a:solidFill>
+                      <a:prstDash val="solid"/>
+                      <a:round/>
+                      <a:headEnd type="none" w="med" len="med"/>
+                      <a:tailEnd type="none" w="med" len="med"/>
+                    </a:lnL>
+                    <a:lnR w="6350" cap="flat" cmpd="sng" algn="ctr">
+                      <a:solidFill>
+                        <a:srgbClr val="000000"/>
+                      </a:solidFill>
+                      <a:prstDash val="solid"/>
+                      <a:round/>
+                      <a:headEnd type="none" w="med" len="med"/>
+                      <a:tailEnd type="none" w="med" len="med"/>
+                    </a:lnR>
+                    <a:lnT w="6350" cap="flat" cmpd="sng" algn="ctr">
+                      <a:solidFill>
+                        <a:srgbClr val="000000"/>
+                      </a:solidFill>
+                      <a:prstDash val="solid"/>
+                      <a:round/>
+                      <a:headEnd type="none" w="med" len="med"/>
+                      <a:tailEnd type="none" w="med" len="med"/>
+                    </a:lnT>
+                    <a:lnB w="6350" cap="flat" cmpd="sng" algn="ctr">
+                      <a:solidFill>
+                        <a:srgbClr val="000000"/>
+                      </a:solidFill>
+                      <a:prstDash val="solid"/>
+                      <a:round/>
+                      <a:headEnd type="none" w="med" len="med"/>
+                      <a:tailEnd type="none" w="med" len="med"/>
+                    </a:lnB>
+                    <a:solidFill>
+                      <a:srgbClr val="EBF1DE"/>
+                    </a:solidFill>
+                  </a:tcPr>
+                </a:tc>
+                <a:tc>
+                  <a:txBody>
+                    <a:bodyPr/>
+                    <a:lstStyle/>
+                    <a:p>
+                      <a:pPr algn="l" fontAlgn="b"/>
+                      <a:r>
+                        <a:rPr lang="pt-PT" sz="1200" b="0" i="0" u="none" strike="noStrike">
+                          <a:solidFill>
+                            <a:srgbClr val="000000"/>
+                          </a:solidFill>
+                          <a:effectLst/>
+                          <a:latin typeface="Calibri" panose="020F0502020204030204" pitchFamily="34" charset="0"/>
+                        </a:rPr>
+                        <a:t>Synchronous</a:t>
+                      </a:r>
+                    </a:p>
+                  </a:txBody>
+                  <a:tcPr marL="9525" marR="9525" marT="9525" marB="0" anchor="b">
+                    <a:lnL w="6350" cap="flat" cmpd="sng" algn="ctr">
+                      <a:solidFill>
+                        <a:srgbClr val="000000"/>
+                      </a:solidFill>
+                      <a:prstDash val="solid"/>
+                      <a:round/>
+                      <a:headEnd type="none" w="med" len="med"/>
+                      <a:tailEnd type="none" w="med" len="med"/>
+                    </a:lnL>
+                    <a:lnR w="12700" cap="flat" cmpd="sng" algn="ctr">
+                      <a:solidFill>
+                        <a:srgbClr val="000000"/>
+                      </a:solidFill>
+                      <a:prstDash val="solid"/>
+                      <a:round/>
+                      <a:headEnd type="none" w="med" len="med"/>
+                      <a:tailEnd type="none" w="med" len="med"/>
+                    </a:lnR>
+                    <a:lnT w="6350" cap="flat" cmpd="sng" algn="ctr">
+                      <a:solidFill>
+                        <a:srgbClr val="000000"/>
+                      </a:solidFill>
+                      <a:prstDash val="solid"/>
+                      <a:round/>
+                      <a:headEnd type="none" w="med" len="med"/>
+                      <a:tailEnd type="none" w="med" len="med"/>
+                    </a:lnT>
+                    <a:lnB w="6350" cap="flat" cmpd="sng" algn="ctr">
+                      <a:solidFill>
+                        <a:srgbClr val="000000"/>
+                      </a:solidFill>
+                      <a:prstDash val="solid"/>
+                      <a:round/>
+                      <a:headEnd type="none" w="med" len="med"/>
+                      <a:tailEnd type="none" w="med" len="med"/>
+                    </a:lnB>
+                    <a:solidFill>
+                      <a:srgbClr val="FDE9D9"/>
+                    </a:solidFill>
+                  </a:tcPr>
+                </a:tc>
+                <a:extLst>
+                  <a:ext uri="{0D108BD9-81ED-4DB2-BD59-A6C34878D82A}">
+                    <a16:rowId xmlns:a16="http://schemas.microsoft.com/office/drawing/2014/main" val="3655840860"/>
+                  </a:ext>
+                </a:extLst>
+              </a:tr>
+              <a:tr h="252804">
+                <a:tc vMerge="1">
+                  <a:txBody>
+                    <a:bodyPr/>
+                    <a:lstStyle/>
+                    <a:p>
+                      <a:endParaRPr lang="en-US"/>
+                    </a:p>
+                  </a:txBody>
+                  <a:tcPr/>
+                </a:tc>
+                <a:tc>
+                  <a:txBody>
+                    <a:bodyPr/>
+                    <a:lstStyle/>
+                    <a:p>
+                      <a:pPr algn="l" fontAlgn="b"/>
+                      <a:r>
+                        <a:rPr lang="pt-PT" sz="1200" b="0" i="0" u="none" strike="noStrike">
+                          <a:solidFill>
+                            <a:srgbClr val="000000"/>
+                          </a:solidFill>
+                          <a:effectLst/>
+                          <a:latin typeface="Calibri" panose="020F0502020204030204" pitchFamily="34" charset="0"/>
+                        </a:rPr>
+                        <a:t>Change system parameters</a:t>
+                      </a:r>
+                    </a:p>
+                  </a:txBody>
+                  <a:tcPr marL="9525" marR="9525" marT="9525" marB="0" anchor="b">
+                    <a:lnL w="12700" cap="flat" cmpd="sng" algn="ctr">
+                      <a:solidFill>
+                        <a:srgbClr val="000000"/>
+                      </a:solidFill>
+                      <a:prstDash val="solid"/>
+                      <a:round/>
+                      <a:headEnd type="none" w="med" len="med"/>
+                      <a:tailEnd type="none" w="med" len="med"/>
+                    </a:lnL>
+                    <a:lnR w="6350" cap="flat" cmpd="sng" algn="ctr">
+                      <a:solidFill>
+                        <a:srgbClr val="000000"/>
+                      </a:solidFill>
+                      <a:prstDash val="solid"/>
+                      <a:round/>
+                      <a:headEnd type="none" w="med" len="med"/>
+                      <a:tailEnd type="none" w="med" len="med"/>
+                    </a:lnR>
+                    <a:lnT w="6350" cap="flat" cmpd="sng" algn="ctr">
+                      <a:solidFill>
+                        <a:srgbClr val="000000"/>
+                      </a:solidFill>
+                      <a:prstDash val="solid"/>
+                      <a:round/>
+                      <a:headEnd type="none" w="med" len="med"/>
+                      <a:tailEnd type="none" w="med" len="med"/>
+                    </a:lnT>
+                    <a:lnB w="12700" cap="flat" cmpd="sng" algn="ctr">
+                      <a:solidFill>
+                        <a:srgbClr val="000000"/>
+                      </a:solidFill>
+                      <a:prstDash val="solid"/>
+                      <a:round/>
+                      <a:headEnd type="none" w="med" len="med"/>
+                      <a:tailEnd type="none" w="med" len="med"/>
+                    </a:lnB>
+                    <a:solidFill>
+                      <a:srgbClr val="C5D9F1"/>
+                    </a:solidFill>
+                  </a:tcPr>
+                </a:tc>
+                <a:tc>
+                  <a:txBody>
+                    <a:bodyPr/>
+                    <a:lstStyle/>
+                    <a:p>
+                      <a:pPr algn="l" fontAlgn="b"/>
+                      <a:r>
+                        <a:rPr lang="pt-PT" sz="1200" b="0" i="0" u="none" strike="noStrike">
+                          <a:solidFill>
+                            <a:srgbClr val="000000"/>
+                          </a:solidFill>
+                          <a:effectLst/>
+                          <a:latin typeface="Calibri" panose="020F0502020204030204" pitchFamily="34" charset="0"/>
+                        </a:rPr>
+                        <a:t>User</a:t>
+                      </a:r>
+                    </a:p>
+                  </a:txBody>
+                  <a:tcPr marL="9525" marR="9525" marT="9525" marB="0" anchor="b">
+                    <a:lnL w="6350" cap="flat" cmpd="sng" algn="ctr">
+                      <a:solidFill>
+                        <a:srgbClr val="000000"/>
+                      </a:solidFill>
+                      <a:prstDash val="solid"/>
+                      <a:round/>
+                      <a:headEnd type="none" w="med" len="med"/>
+                      <a:tailEnd type="none" w="med" len="med"/>
+                    </a:lnL>
+                    <a:lnR w="6350" cap="flat" cmpd="sng" algn="ctr">
+                      <a:solidFill>
+                        <a:srgbClr val="000000"/>
+                      </a:solidFill>
+                      <a:prstDash val="solid"/>
+                      <a:round/>
+                      <a:headEnd type="none" w="med" len="med"/>
+                      <a:tailEnd type="none" w="med" len="med"/>
+                    </a:lnR>
+                    <a:lnT w="6350" cap="flat" cmpd="sng" algn="ctr">
+                      <a:solidFill>
+                        <a:srgbClr val="000000"/>
+                      </a:solidFill>
+                      <a:prstDash val="solid"/>
+                      <a:round/>
+                      <a:headEnd type="none" w="med" len="med"/>
+                      <a:tailEnd type="none" w="med" len="med"/>
+                    </a:lnT>
+                    <a:lnB w="12700" cap="flat" cmpd="sng" algn="ctr">
+                      <a:solidFill>
+                        <a:srgbClr val="000000"/>
+                      </a:solidFill>
+                      <a:prstDash val="solid"/>
+                      <a:round/>
+                      <a:headEnd type="none" w="med" len="med"/>
+                      <a:tailEnd type="none" w="med" len="med"/>
+                    </a:lnB>
+                    <a:solidFill>
+                      <a:srgbClr val="F2DCDB"/>
+                    </a:solidFill>
+                  </a:tcPr>
+                </a:tc>
+                <a:tc>
+                  <a:txBody>
+                    <a:bodyPr/>
+                    <a:lstStyle/>
+                    <a:p>
+                      <a:pPr algn="l" fontAlgn="b"/>
+                      <a:r>
+                        <a:rPr lang="en-US" sz="1200" b="0" i="0" u="none" strike="noStrike">
+                          <a:solidFill>
+                            <a:srgbClr val="000000"/>
+                          </a:solidFill>
+                          <a:effectLst/>
+                          <a:latin typeface="Calibri" panose="020F0502020204030204" pitchFamily="34" charset="0"/>
+                        </a:rPr>
+                        <a:t>Send new parameters to database</a:t>
+                      </a:r>
+                    </a:p>
+                  </a:txBody>
+                  <a:tcPr marL="9525" marR="9525" marT="9525" marB="0" anchor="b">
+                    <a:lnL w="6350" cap="flat" cmpd="sng" algn="ctr">
+                      <a:solidFill>
+                        <a:srgbClr val="000000"/>
+                      </a:solidFill>
+                      <a:prstDash val="solid"/>
+                      <a:round/>
+                      <a:headEnd type="none" w="med" len="med"/>
+                      <a:tailEnd type="none" w="med" len="med"/>
+                    </a:lnL>
+                    <a:lnR w="6350" cap="flat" cmpd="sng" algn="ctr">
+                      <a:solidFill>
+                        <a:srgbClr val="000000"/>
+                      </a:solidFill>
+                      <a:prstDash val="solid"/>
+                      <a:round/>
+                      <a:headEnd type="none" w="med" len="med"/>
+                      <a:tailEnd type="none" w="med" len="med"/>
+                    </a:lnR>
+                    <a:lnT w="6350" cap="flat" cmpd="sng" algn="ctr">
+                      <a:solidFill>
+                        <a:srgbClr val="000000"/>
+                      </a:solidFill>
+                      <a:prstDash val="solid"/>
+                      <a:round/>
+                      <a:headEnd type="none" w="med" len="med"/>
+                      <a:tailEnd type="none" w="med" len="med"/>
+                    </a:lnT>
+                    <a:lnB w="12700" cap="flat" cmpd="sng" algn="ctr">
+                      <a:solidFill>
+                        <a:srgbClr val="000000"/>
+                      </a:solidFill>
+                      <a:prstDash val="solid"/>
+                      <a:round/>
+                      <a:headEnd type="none" w="med" len="med"/>
+                      <a:tailEnd type="none" w="med" len="med"/>
+                    </a:lnB>
+                    <a:solidFill>
+                      <a:srgbClr val="EBF1DE"/>
+                    </a:solidFill>
+                  </a:tcPr>
+                </a:tc>
+                <a:tc>
+                  <a:txBody>
+                    <a:bodyPr/>
+                    <a:lstStyle/>
+                    <a:p>
+                      <a:pPr algn="l" fontAlgn="b"/>
+                      <a:r>
+                        <a:rPr lang="pt-PT" sz="1200" b="0" i="0" u="none" strike="noStrike" dirty="0" err="1">
+                          <a:solidFill>
+                            <a:srgbClr val="000000"/>
+                          </a:solidFill>
+                          <a:effectLst/>
+                          <a:latin typeface="Calibri" panose="020F0502020204030204" pitchFamily="34" charset="0"/>
+                        </a:rPr>
+                        <a:t>Asynchronous</a:t>
+                      </a:r>
+                      <a:endParaRPr lang="pt-PT" sz="1200" b="0" i="0" u="none" strike="noStrike" dirty="0">
+                        <a:solidFill>
+                          <a:srgbClr val="000000"/>
+                        </a:solidFill>
+                        <a:effectLst/>
+                        <a:latin typeface="Calibri" panose="020F0502020204030204" pitchFamily="34" charset="0"/>
+                      </a:endParaRPr>
+                    </a:p>
+                  </a:txBody>
+                  <a:tcPr marL="9525" marR="9525" marT="9525" marB="0" anchor="b">
+                    <a:lnL w="6350" cap="flat" cmpd="sng" algn="ctr">
+                      <a:solidFill>
+                        <a:srgbClr val="000000"/>
+                      </a:solidFill>
+                      <a:prstDash val="solid"/>
+                      <a:round/>
+                      <a:headEnd type="none" w="med" len="med"/>
+                      <a:tailEnd type="none" w="med" len="med"/>
+                    </a:lnL>
+                    <a:lnR w="12700" cap="flat" cmpd="sng" algn="ctr">
+                      <a:solidFill>
+                        <a:srgbClr val="000000"/>
+                      </a:solidFill>
+                      <a:prstDash val="solid"/>
+                      <a:round/>
+                      <a:headEnd type="none" w="med" len="med"/>
+                      <a:tailEnd type="none" w="med" len="med"/>
+                    </a:lnR>
+                    <a:lnT w="6350" cap="flat" cmpd="sng" algn="ctr">
+                      <a:solidFill>
+                        <a:srgbClr val="000000"/>
+                      </a:solidFill>
+                      <a:prstDash val="solid"/>
+                      <a:round/>
+                      <a:headEnd type="none" w="med" len="med"/>
+                      <a:tailEnd type="none" w="med" len="med"/>
+                    </a:lnT>
+                    <a:lnB w="12700" cap="flat" cmpd="sng" algn="ctr">
+                      <a:solidFill>
+                        <a:srgbClr val="000000"/>
+                      </a:solidFill>
+                      <a:prstDash val="solid"/>
+                      <a:round/>
+                      <a:headEnd type="none" w="med" len="med"/>
+                      <a:tailEnd type="none" w="med" len="med"/>
+                    </a:lnB>
+                    <a:solidFill>
+                      <a:srgbClr val="FDE9D9"/>
+                    </a:solidFill>
+                  </a:tcPr>
+                </a:tc>
+                <a:extLst>
+                  <a:ext uri="{0D108BD9-81ED-4DB2-BD59-A6C34878D82A}">
+                    <a16:rowId xmlns:a16="http://schemas.microsoft.com/office/drawing/2014/main" val="3003106540"/>
+                  </a:ext>
+                </a:extLst>
+              </a:tr>
+            </a:tbl>
+          </a:graphicData>
+        </a:graphic>
+      </p:graphicFrame>
+    </p:spTree>
+    <p:extLst>
+      <p:ext uri="{BB962C8B-B14F-4D97-AF65-F5344CB8AC3E}">
+        <p14:creationId xmlns:p14="http://schemas.microsoft.com/office/powerpoint/2010/main" val="2572473668"/>
+      </p:ext>
+    </p:extLst>
+  </p:cSld>
+  <p:clrMapOvr>
+    <a:masterClrMapping/>
+  </p:clrMapOvr>
+</p:sld>
+</file>
+
+<file path=ppt/slides/slide17.xml><?xml version="1.0" encoding="utf-8"?>
 <p:sld xmlns:a="http://schemas.openxmlformats.org/drawingml/2006/main" xmlns:r="http://schemas.openxmlformats.org/officeDocument/2006/relationships" xmlns:p="http://schemas.openxmlformats.org/presentationml/2006/main">
   <p:cSld>
     <p:spTree>
@@ -3203,144 +7479,1851 @@
           </a:p>
         </p:txBody>
       </p:sp>
-      <p:pic>
-        <p:nvPicPr>
-          <p:cNvPr id="8195" name="Picture 3"/>
-          <p:cNvPicPr>
-            <a:picLocks noChangeAspect="1" noChangeArrowheads="1"/>
-          </p:cNvPicPr>
-          <p:nvPr/>
-        </p:nvPicPr>
-        <p:blipFill>
-          <a:blip r:embed="rId2"/>
-          <a:srcRect/>
-          <a:stretch>
-            <a:fillRect/>
-          </a:stretch>
-        </p:blipFill>
-        <p:spPr bwMode="auto">
-          <a:xfrm>
-            <a:off x="3214678" y="1785926"/>
-            <a:ext cx="3929090" cy="4124932"/>
-          </a:xfrm>
-          <a:prstGeom prst="rect">
-            <a:avLst/>
-          </a:prstGeom>
-          <a:noFill/>
-          <a:ln w="9525">
-            <a:noFill/>
-            <a:miter lim="800000"/>
-            <a:headEnd/>
-            <a:tailEnd/>
-          </a:ln>
-          <a:effectLst/>
-        </p:spPr>
-      </p:pic>
+      <p:graphicFrame>
+        <p:nvGraphicFramePr>
+          <p:cNvPr id="2" name="Tabela 1">
+            <a:extLst>
+              <a:ext uri="{FF2B5EF4-FFF2-40B4-BE49-F238E27FC236}">
+                <a16:creationId xmlns:a16="http://schemas.microsoft.com/office/drawing/2014/main" id="{C18A5A42-730E-4A37-AD78-C5024DBF5F75}"/>
+              </a:ext>
+            </a:extLst>
+          </p:cNvPr>
+          <p:cNvGraphicFramePr>
+            <a:graphicFrameLocks noGrp="1"/>
+          </p:cNvGraphicFramePr>
+          <p:nvPr>
+            <p:extLst>
+              <p:ext uri="{D42A27DB-BD31-4B8C-83A1-F6EECF244321}">
+                <p14:modId xmlns:p14="http://schemas.microsoft.com/office/powerpoint/2010/main" val="295330664"/>
+              </p:ext>
+            </p:extLst>
+          </p:nvPr>
+        </p:nvGraphicFramePr>
+        <p:xfrm>
+          <a:off x="2627784" y="1844824"/>
+          <a:ext cx="4536504" cy="4176458"/>
+        </p:xfrm>
+        <a:graphic>
+          <a:graphicData uri="http://schemas.openxmlformats.org/drawingml/2006/table">
+            <a:tbl>
+              <a:tblPr/>
+              <a:tblGrid>
+                <a:gridCol w="3376407">
+                  <a:extLst>
+                    <a:ext uri="{9D8B030D-6E8A-4147-A177-3AD203B41FA5}">
+                      <a16:colId xmlns:a16="http://schemas.microsoft.com/office/drawing/2014/main" val="3648301460"/>
+                    </a:ext>
+                  </a:extLst>
+                </a:gridCol>
+                <a:gridCol w="1160097">
+                  <a:extLst>
+                    <a:ext uri="{9D8B030D-6E8A-4147-A177-3AD203B41FA5}">
+                      <a16:colId xmlns:a16="http://schemas.microsoft.com/office/drawing/2014/main" val="1913027068"/>
+                    </a:ext>
+                  </a:extLst>
+                </a:gridCol>
+              </a:tblGrid>
+              <a:tr h="367706">
+                <a:tc>
+                  <a:txBody>
+                    <a:bodyPr/>
+                    <a:lstStyle/>
+                    <a:p>
+                      <a:pPr algn="ctr" fontAlgn="b"/>
+                      <a:r>
+                        <a:rPr lang="pt-PT" sz="1800" b="1" i="0" u="none" strike="noStrike" dirty="0" err="1">
+                          <a:solidFill>
+                            <a:srgbClr val="000000"/>
+                          </a:solidFill>
+                          <a:effectLst/>
+                          <a:latin typeface="Calibri" panose="020F0502020204030204" pitchFamily="34" charset="0"/>
+                        </a:rPr>
+                        <a:t>Materials</a:t>
+                      </a:r>
+                      <a:endParaRPr lang="pt-PT" sz="1800" b="1" i="0" u="none" strike="noStrike" dirty="0">
+                        <a:solidFill>
+                          <a:srgbClr val="000000"/>
+                        </a:solidFill>
+                        <a:effectLst/>
+                        <a:latin typeface="Calibri" panose="020F0502020204030204" pitchFamily="34" charset="0"/>
+                      </a:endParaRPr>
+                    </a:p>
+                  </a:txBody>
+                  <a:tcPr marL="9525" marR="9525" marT="9525" marB="0" anchor="b">
+                    <a:lnL w="12700" cap="flat" cmpd="sng" algn="ctr">
+                      <a:solidFill>
+                        <a:srgbClr val="000000"/>
+                      </a:solidFill>
+                      <a:prstDash val="solid"/>
+                      <a:round/>
+                      <a:headEnd type="none" w="med" len="med"/>
+                      <a:tailEnd type="none" w="med" len="med"/>
+                    </a:lnL>
+                    <a:lnR w="6350" cap="flat" cmpd="sng" algn="ctr">
+                      <a:solidFill>
+                        <a:srgbClr val="000000"/>
+                      </a:solidFill>
+                      <a:prstDash val="solid"/>
+                      <a:round/>
+                      <a:headEnd type="none" w="med" len="med"/>
+                      <a:tailEnd type="none" w="med" len="med"/>
+                    </a:lnR>
+                    <a:lnT w="12700" cap="flat" cmpd="sng" algn="ctr">
+                      <a:solidFill>
+                        <a:srgbClr val="000000"/>
+                      </a:solidFill>
+                      <a:prstDash val="solid"/>
+                      <a:round/>
+                      <a:headEnd type="none" w="med" len="med"/>
+                      <a:tailEnd type="none" w="med" len="med"/>
+                    </a:lnT>
+                    <a:lnB w="6350" cap="flat" cmpd="sng" algn="ctr">
+                      <a:solidFill>
+                        <a:srgbClr val="000000"/>
+                      </a:solidFill>
+                      <a:prstDash val="solid"/>
+                      <a:round/>
+                      <a:headEnd type="none" w="med" len="med"/>
+                      <a:tailEnd type="none" w="med" len="med"/>
+                    </a:lnB>
+                    <a:solidFill>
+                      <a:srgbClr val="8DB4E2"/>
+                    </a:solidFill>
+                  </a:tcPr>
+                </a:tc>
+                <a:tc>
+                  <a:txBody>
+                    <a:bodyPr/>
+                    <a:lstStyle/>
+                    <a:p>
+                      <a:pPr algn="ctr" fontAlgn="b"/>
+                      <a:r>
+                        <a:rPr lang="pt-PT" sz="1600" b="1" i="0" u="none" strike="noStrike" dirty="0" err="1">
+                          <a:solidFill>
+                            <a:srgbClr val="000000"/>
+                          </a:solidFill>
+                          <a:effectLst/>
+                          <a:latin typeface="Calibri" panose="020F0502020204030204" pitchFamily="34" charset="0"/>
+                        </a:rPr>
+                        <a:t>Rough</a:t>
+                      </a:r>
+                      <a:r>
+                        <a:rPr lang="pt-PT" sz="1600" b="0" i="0" u="none" strike="noStrike" dirty="0">
+                          <a:solidFill>
+                            <a:srgbClr val="000000"/>
+                          </a:solidFill>
+                          <a:effectLst/>
+                          <a:latin typeface="Calibri" panose="020F0502020204030204" pitchFamily="34" charset="0"/>
+                        </a:rPr>
+                        <a:t> </a:t>
+                      </a:r>
+                      <a:r>
+                        <a:rPr lang="pt-PT" sz="1600" b="1" i="0" u="none" strike="noStrike" dirty="0" err="1">
+                          <a:solidFill>
+                            <a:srgbClr val="000000"/>
+                          </a:solidFill>
+                          <a:effectLst/>
+                          <a:latin typeface="Calibri" panose="020F0502020204030204" pitchFamily="34" charset="0"/>
+                        </a:rPr>
+                        <a:t>cost</a:t>
+                      </a:r>
+                      <a:endParaRPr lang="pt-PT" sz="1600" b="1" i="0" u="none" strike="noStrike" dirty="0">
+                        <a:solidFill>
+                          <a:srgbClr val="000000"/>
+                        </a:solidFill>
+                        <a:effectLst/>
+                        <a:latin typeface="Calibri" panose="020F0502020204030204" pitchFamily="34" charset="0"/>
+                      </a:endParaRPr>
+                    </a:p>
+                  </a:txBody>
+                  <a:tcPr marL="9525" marR="9525" marT="9525" marB="0" anchor="b">
+                    <a:lnL w="6350" cap="flat" cmpd="sng" algn="ctr">
+                      <a:solidFill>
+                        <a:srgbClr val="000000"/>
+                      </a:solidFill>
+                      <a:prstDash val="solid"/>
+                      <a:round/>
+                      <a:headEnd type="none" w="med" len="med"/>
+                      <a:tailEnd type="none" w="med" len="med"/>
+                    </a:lnL>
+                    <a:lnR w="12700" cap="flat" cmpd="sng" algn="ctr">
+                      <a:solidFill>
+                        <a:srgbClr val="000000"/>
+                      </a:solidFill>
+                      <a:prstDash val="solid"/>
+                      <a:round/>
+                      <a:headEnd type="none" w="med" len="med"/>
+                      <a:tailEnd type="none" w="med" len="med"/>
+                    </a:lnR>
+                    <a:lnT w="12700" cap="flat" cmpd="sng" algn="ctr">
+                      <a:solidFill>
+                        <a:srgbClr val="000000"/>
+                      </a:solidFill>
+                      <a:prstDash val="solid"/>
+                      <a:round/>
+                      <a:headEnd type="none" w="med" len="med"/>
+                      <a:tailEnd type="none" w="med" len="med"/>
+                    </a:lnT>
+                    <a:lnB w="6350" cap="flat" cmpd="sng" algn="ctr">
+                      <a:solidFill>
+                        <a:srgbClr val="000000"/>
+                      </a:solidFill>
+                      <a:prstDash val="solid"/>
+                      <a:round/>
+                      <a:headEnd type="none" w="med" len="med"/>
+                      <a:tailEnd type="none" w="med" len="med"/>
+                    </a:lnB>
+                    <a:solidFill>
+                      <a:srgbClr val="D8E4BC"/>
+                    </a:solidFill>
+                  </a:tcPr>
+                </a:tc>
+                <a:extLst>
+                  <a:ext uri="{0D108BD9-81ED-4DB2-BD59-A6C34878D82A}">
+                    <a16:rowId xmlns:a16="http://schemas.microsoft.com/office/drawing/2014/main" val="3779598954"/>
+                  </a:ext>
+                </a:extLst>
+              </a:tr>
+              <a:tr h="316079">
+                <a:tc>
+                  <a:txBody>
+                    <a:bodyPr/>
+                    <a:lstStyle/>
+                    <a:p>
+                      <a:pPr algn="l" fontAlgn="b"/>
+                      <a:r>
+                        <a:rPr lang="pt-PT" sz="1400" b="0" i="0" u="none" strike="noStrike" dirty="0" err="1">
+                          <a:solidFill>
+                            <a:srgbClr val="000000"/>
+                          </a:solidFill>
+                          <a:effectLst/>
+                          <a:latin typeface="Calibri" panose="020F0502020204030204" pitchFamily="34" charset="0"/>
+                        </a:rPr>
+                        <a:t>Water</a:t>
+                      </a:r>
+                      <a:r>
+                        <a:rPr lang="pt-PT" sz="1400" b="0" i="0" u="none" strike="noStrike" dirty="0">
+                          <a:solidFill>
+                            <a:srgbClr val="000000"/>
+                          </a:solidFill>
+                          <a:effectLst/>
+                          <a:latin typeface="Calibri" panose="020F0502020204030204" pitchFamily="34" charset="0"/>
+                        </a:rPr>
+                        <a:t> pump</a:t>
+                      </a:r>
+                    </a:p>
+                  </a:txBody>
+                  <a:tcPr marL="9525" marR="9525" marT="9525" marB="0" anchor="b">
+                    <a:lnL w="12700" cap="flat" cmpd="sng" algn="ctr">
+                      <a:solidFill>
+                        <a:srgbClr val="000000"/>
+                      </a:solidFill>
+                      <a:prstDash val="solid"/>
+                      <a:round/>
+                      <a:headEnd type="none" w="med" len="med"/>
+                      <a:tailEnd type="none" w="med" len="med"/>
+                    </a:lnL>
+                    <a:lnR w="6350" cap="flat" cmpd="sng" algn="ctr">
+                      <a:solidFill>
+                        <a:srgbClr val="000000"/>
+                      </a:solidFill>
+                      <a:prstDash val="solid"/>
+                      <a:round/>
+                      <a:headEnd type="none" w="med" len="med"/>
+                      <a:tailEnd type="none" w="med" len="med"/>
+                    </a:lnR>
+                    <a:lnT w="6350" cap="flat" cmpd="sng" algn="ctr">
+                      <a:solidFill>
+                        <a:srgbClr val="000000"/>
+                      </a:solidFill>
+                      <a:prstDash val="solid"/>
+                      <a:round/>
+                      <a:headEnd type="none" w="med" len="med"/>
+                      <a:tailEnd type="none" w="med" len="med"/>
+                    </a:lnT>
+                    <a:lnB w="6350" cap="flat" cmpd="sng" algn="ctr">
+                      <a:solidFill>
+                        <a:srgbClr val="000000"/>
+                      </a:solidFill>
+                      <a:prstDash val="solid"/>
+                      <a:round/>
+                      <a:headEnd type="none" w="med" len="med"/>
+                      <a:tailEnd type="none" w="med" len="med"/>
+                    </a:lnB>
+                    <a:solidFill>
+                      <a:srgbClr val="C5D9F1"/>
+                    </a:solidFill>
+                  </a:tcPr>
+                </a:tc>
+                <a:tc>
+                  <a:txBody>
+                    <a:bodyPr/>
+                    <a:lstStyle/>
+                    <a:p>
+                      <a:pPr algn="ctr" fontAlgn="b"/>
+                      <a:r>
+                        <a:rPr lang="pt-PT" sz="1400" b="0" i="0" u="none" strike="noStrike">
+                          <a:solidFill>
+                            <a:srgbClr val="000000"/>
+                          </a:solidFill>
+                          <a:effectLst/>
+                          <a:latin typeface="Calibri" panose="020F0502020204030204" pitchFamily="34" charset="0"/>
+                        </a:rPr>
+                        <a:t>8 €</a:t>
+                      </a:r>
+                    </a:p>
+                  </a:txBody>
+                  <a:tcPr marL="9525" marR="9525" marT="9525" marB="0" anchor="b">
+                    <a:lnL w="6350" cap="flat" cmpd="sng" algn="ctr">
+                      <a:solidFill>
+                        <a:srgbClr val="000000"/>
+                      </a:solidFill>
+                      <a:prstDash val="solid"/>
+                      <a:round/>
+                      <a:headEnd type="none" w="med" len="med"/>
+                      <a:tailEnd type="none" w="med" len="med"/>
+                    </a:lnL>
+                    <a:lnR w="12700" cap="flat" cmpd="sng" algn="ctr">
+                      <a:solidFill>
+                        <a:srgbClr val="000000"/>
+                      </a:solidFill>
+                      <a:prstDash val="solid"/>
+                      <a:round/>
+                      <a:headEnd type="none" w="med" len="med"/>
+                      <a:tailEnd type="none" w="med" len="med"/>
+                    </a:lnR>
+                    <a:lnT w="6350" cap="flat" cmpd="sng" algn="ctr">
+                      <a:solidFill>
+                        <a:srgbClr val="000000"/>
+                      </a:solidFill>
+                      <a:prstDash val="solid"/>
+                      <a:round/>
+                      <a:headEnd type="none" w="med" len="med"/>
+                      <a:tailEnd type="none" w="med" len="med"/>
+                    </a:lnT>
+                    <a:lnB w="6350" cap="flat" cmpd="sng" algn="ctr">
+                      <a:solidFill>
+                        <a:srgbClr val="000000"/>
+                      </a:solidFill>
+                      <a:prstDash val="solid"/>
+                      <a:round/>
+                      <a:headEnd type="none" w="med" len="med"/>
+                      <a:tailEnd type="none" w="med" len="med"/>
+                    </a:lnB>
+                    <a:solidFill>
+                      <a:srgbClr val="EBF1DE"/>
+                    </a:solidFill>
+                  </a:tcPr>
+                </a:tc>
+                <a:extLst>
+                  <a:ext uri="{0D108BD9-81ED-4DB2-BD59-A6C34878D82A}">
+                    <a16:rowId xmlns:a16="http://schemas.microsoft.com/office/drawing/2014/main" val="1923580746"/>
+                  </a:ext>
+                </a:extLst>
+              </a:tr>
+              <a:tr h="316079">
+                <a:tc>
+                  <a:txBody>
+                    <a:bodyPr/>
+                    <a:lstStyle/>
+                    <a:p>
+                      <a:pPr algn="l" fontAlgn="b"/>
+                      <a:r>
+                        <a:rPr lang="pt-PT" sz="1400" b="0" i="0" u="none" strike="noStrike" dirty="0" err="1">
+                          <a:solidFill>
+                            <a:srgbClr val="000000"/>
+                          </a:solidFill>
+                          <a:effectLst/>
+                          <a:latin typeface="Calibri" panose="020F0502020204030204" pitchFamily="34" charset="0"/>
+                        </a:rPr>
+                        <a:t>Heater</a:t>
+                      </a:r>
+                      <a:endParaRPr lang="pt-PT" sz="1400" b="0" i="0" u="none" strike="noStrike" dirty="0">
+                        <a:solidFill>
+                          <a:srgbClr val="000000"/>
+                        </a:solidFill>
+                        <a:effectLst/>
+                        <a:latin typeface="Calibri" panose="020F0502020204030204" pitchFamily="34" charset="0"/>
+                      </a:endParaRPr>
+                    </a:p>
+                  </a:txBody>
+                  <a:tcPr marL="9525" marR="9525" marT="9525" marB="0" anchor="b">
+                    <a:lnL w="12700" cap="flat" cmpd="sng" algn="ctr">
+                      <a:solidFill>
+                        <a:srgbClr val="000000"/>
+                      </a:solidFill>
+                      <a:prstDash val="solid"/>
+                      <a:round/>
+                      <a:headEnd type="none" w="med" len="med"/>
+                      <a:tailEnd type="none" w="med" len="med"/>
+                    </a:lnL>
+                    <a:lnR w="6350" cap="flat" cmpd="sng" algn="ctr">
+                      <a:solidFill>
+                        <a:srgbClr val="000000"/>
+                      </a:solidFill>
+                      <a:prstDash val="solid"/>
+                      <a:round/>
+                      <a:headEnd type="none" w="med" len="med"/>
+                      <a:tailEnd type="none" w="med" len="med"/>
+                    </a:lnR>
+                    <a:lnT w="6350" cap="flat" cmpd="sng" algn="ctr">
+                      <a:solidFill>
+                        <a:srgbClr val="000000"/>
+                      </a:solidFill>
+                      <a:prstDash val="solid"/>
+                      <a:round/>
+                      <a:headEnd type="none" w="med" len="med"/>
+                      <a:tailEnd type="none" w="med" len="med"/>
+                    </a:lnT>
+                    <a:lnB w="6350" cap="flat" cmpd="sng" algn="ctr">
+                      <a:solidFill>
+                        <a:srgbClr val="000000"/>
+                      </a:solidFill>
+                      <a:prstDash val="solid"/>
+                      <a:round/>
+                      <a:headEnd type="none" w="med" len="med"/>
+                      <a:tailEnd type="none" w="med" len="med"/>
+                    </a:lnB>
+                    <a:solidFill>
+                      <a:srgbClr val="C5D9F1"/>
+                    </a:solidFill>
+                  </a:tcPr>
+                </a:tc>
+                <a:tc>
+                  <a:txBody>
+                    <a:bodyPr/>
+                    <a:lstStyle/>
+                    <a:p>
+                      <a:pPr algn="ctr" fontAlgn="b"/>
+                      <a:r>
+                        <a:rPr lang="pt-PT" sz="1400" b="0" i="0" u="none" strike="noStrike">
+                          <a:solidFill>
+                            <a:srgbClr val="000000"/>
+                          </a:solidFill>
+                          <a:effectLst/>
+                          <a:latin typeface="Calibri" panose="020F0502020204030204" pitchFamily="34" charset="0"/>
+                        </a:rPr>
+                        <a:t>7 €</a:t>
+                      </a:r>
+                    </a:p>
+                  </a:txBody>
+                  <a:tcPr marL="9525" marR="9525" marT="9525" marB="0" anchor="b">
+                    <a:lnL w="6350" cap="flat" cmpd="sng" algn="ctr">
+                      <a:solidFill>
+                        <a:srgbClr val="000000"/>
+                      </a:solidFill>
+                      <a:prstDash val="solid"/>
+                      <a:round/>
+                      <a:headEnd type="none" w="med" len="med"/>
+                      <a:tailEnd type="none" w="med" len="med"/>
+                    </a:lnL>
+                    <a:lnR w="12700" cap="flat" cmpd="sng" algn="ctr">
+                      <a:solidFill>
+                        <a:srgbClr val="000000"/>
+                      </a:solidFill>
+                      <a:prstDash val="solid"/>
+                      <a:round/>
+                      <a:headEnd type="none" w="med" len="med"/>
+                      <a:tailEnd type="none" w="med" len="med"/>
+                    </a:lnR>
+                    <a:lnT w="6350" cap="flat" cmpd="sng" algn="ctr">
+                      <a:solidFill>
+                        <a:srgbClr val="000000"/>
+                      </a:solidFill>
+                      <a:prstDash val="solid"/>
+                      <a:round/>
+                      <a:headEnd type="none" w="med" len="med"/>
+                      <a:tailEnd type="none" w="med" len="med"/>
+                    </a:lnT>
+                    <a:lnB w="6350" cap="flat" cmpd="sng" algn="ctr">
+                      <a:solidFill>
+                        <a:srgbClr val="000000"/>
+                      </a:solidFill>
+                      <a:prstDash val="solid"/>
+                      <a:round/>
+                      <a:headEnd type="none" w="med" len="med"/>
+                      <a:tailEnd type="none" w="med" len="med"/>
+                    </a:lnB>
+                    <a:solidFill>
+                      <a:srgbClr val="EBF1DE"/>
+                    </a:solidFill>
+                  </a:tcPr>
+                </a:tc>
+                <a:extLst>
+                  <a:ext uri="{0D108BD9-81ED-4DB2-BD59-A6C34878D82A}">
+                    <a16:rowId xmlns:a16="http://schemas.microsoft.com/office/drawing/2014/main" val="1704235553"/>
+                  </a:ext>
+                </a:extLst>
+              </a:tr>
+              <a:tr h="316079">
+                <a:tc>
+                  <a:txBody>
+                    <a:bodyPr/>
+                    <a:lstStyle/>
+                    <a:p>
+                      <a:pPr algn="l" fontAlgn="b"/>
+                      <a:r>
+                        <a:rPr lang="pt-PT" sz="1400" b="0" i="0" u="none" strike="noStrike" dirty="0" err="1">
+                          <a:solidFill>
+                            <a:srgbClr val="000000"/>
+                          </a:solidFill>
+                          <a:effectLst/>
+                          <a:latin typeface="Calibri" panose="020F0502020204030204" pitchFamily="34" charset="0"/>
+                        </a:rPr>
+                        <a:t>Window</a:t>
+                      </a:r>
+                      <a:r>
+                        <a:rPr lang="pt-PT" sz="1400" b="0" i="0" u="none" strike="noStrike" dirty="0">
+                          <a:solidFill>
+                            <a:srgbClr val="000000"/>
+                          </a:solidFill>
+                          <a:effectLst/>
+                          <a:latin typeface="Calibri" panose="020F0502020204030204" pitchFamily="34" charset="0"/>
+                        </a:rPr>
+                        <a:t> motor</a:t>
+                      </a:r>
+                    </a:p>
+                  </a:txBody>
+                  <a:tcPr marL="9525" marR="9525" marT="9525" marB="0" anchor="b">
+                    <a:lnL w="12700" cap="flat" cmpd="sng" algn="ctr">
+                      <a:solidFill>
+                        <a:srgbClr val="000000"/>
+                      </a:solidFill>
+                      <a:prstDash val="solid"/>
+                      <a:round/>
+                      <a:headEnd type="none" w="med" len="med"/>
+                      <a:tailEnd type="none" w="med" len="med"/>
+                    </a:lnL>
+                    <a:lnR w="6350" cap="flat" cmpd="sng" algn="ctr">
+                      <a:solidFill>
+                        <a:srgbClr val="000000"/>
+                      </a:solidFill>
+                      <a:prstDash val="solid"/>
+                      <a:round/>
+                      <a:headEnd type="none" w="med" len="med"/>
+                      <a:tailEnd type="none" w="med" len="med"/>
+                    </a:lnR>
+                    <a:lnT w="6350" cap="flat" cmpd="sng" algn="ctr">
+                      <a:solidFill>
+                        <a:srgbClr val="000000"/>
+                      </a:solidFill>
+                      <a:prstDash val="solid"/>
+                      <a:round/>
+                      <a:headEnd type="none" w="med" len="med"/>
+                      <a:tailEnd type="none" w="med" len="med"/>
+                    </a:lnT>
+                    <a:lnB w="6350" cap="flat" cmpd="sng" algn="ctr">
+                      <a:solidFill>
+                        <a:srgbClr val="000000"/>
+                      </a:solidFill>
+                      <a:prstDash val="solid"/>
+                      <a:round/>
+                      <a:headEnd type="none" w="med" len="med"/>
+                      <a:tailEnd type="none" w="med" len="med"/>
+                    </a:lnB>
+                    <a:solidFill>
+                      <a:srgbClr val="C5D9F1"/>
+                    </a:solidFill>
+                  </a:tcPr>
+                </a:tc>
+                <a:tc>
+                  <a:txBody>
+                    <a:bodyPr/>
+                    <a:lstStyle/>
+                    <a:p>
+                      <a:pPr algn="ctr" fontAlgn="b"/>
+                      <a:r>
+                        <a:rPr lang="pt-PT" sz="1400" b="0" i="0" u="none" strike="noStrike">
+                          <a:solidFill>
+                            <a:srgbClr val="000000"/>
+                          </a:solidFill>
+                          <a:effectLst/>
+                          <a:latin typeface="Calibri" panose="020F0502020204030204" pitchFamily="34" charset="0"/>
+                        </a:rPr>
+                        <a:t>5 €</a:t>
+                      </a:r>
+                    </a:p>
+                  </a:txBody>
+                  <a:tcPr marL="9525" marR="9525" marT="9525" marB="0" anchor="b">
+                    <a:lnL w="6350" cap="flat" cmpd="sng" algn="ctr">
+                      <a:solidFill>
+                        <a:srgbClr val="000000"/>
+                      </a:solidFill>
+                      <a:prstDash val="solid"/>
+                      <a:round/>
+                      <a:headEnd type="none" w="med" len="med"/>
+                      <a:tailEnd type="none" w="med" len="med"/>
+                    </a:lnL>
+                    <a:lnR w="12700" cap="flat" cmpd="sng" algn="ctr">
+                      <a:solidFill>
+                        <a:srgbClr val="000000"/>
+                      </a:solidFill>
+                      <a:prstDash val="solid"/>
+                      <a:round/>
+                      <a:headEnd type="none" w="med" len="med"/>
+                      <a:tailEnd type="none" w="med" len="med"/>
+                    </a:lnR>
+                    <a:lnT w="6350" cap="flat" cmpd="sng" algn="ctr">
+                      <a:solidFill>
+                        <a:srgbClr val="000000"/>
+                      </a:solidFill>
+                      <a:prstDash val="solid"/>
+                      <a:round/>
+                      <a:headEnd type="none" w="med" len="med"/>
+                      <a:tailEnd type="none" w="med" len="med"/>
+                    </a:lnT>
+                    <a:lnB w="6350" cap="flat" cmpd="sng" algn="ctr">
+                      <a:solidFill>
+                        <a:srgbClr val="000000"/>
+                      </a:solidFill>
+                      <a:prstDash val="solid"/>
+                      <a:round/>
+                      <a:headEnd type="none" w="med" len="med"/>
+                      <a:tailEnd type="none" w="med" len="med"/>
+                    </a:lnB>
+                    <a:solidFill>
+                      <a:srgbClr val="EBF1DE"/>
+                    </a:solidFill>
+                  </a:tcPr>
+                </a:tc>
+                <a:extLst>
+                  <a:ext uri="{0D108BD9-81ED-4DB2-BD59-A6C34878D82A}">
+                    <a16:rowId xmlns:a16="http://schemas.microsoft.com/office/drawing/2014/main" val="1801941983"/>
+                  </a:ext>
+                </a:extLst>
+              </a:tr>
+              <a:tr h="316079">
+                <a:tc>
+                  <a:txBody>
+                    <a:bodyPr/>
+                    <a:lstStyle/>
+                    <a:p>
+                      <a:pPr algn="l" fontAlgn="b"/>
+                      <a:r>
+                        <a:rPr lang="pt-PT" sz="1400" b="0" i="0" u="none" strike="noStrike" dirty="0">
+                          <a:solidFill>
+                            <a:srgbClr val="000000"/>
+                          </a:solidFill>
+                          <a:effectLst/>
+                          <a:latin typeface="Calibri" panose="020F0502020204030204" pitchFamily="34" charset="0"/>
+                        </a:rPr>
+                        <a:t>Light</a:t>
+                      </a:r>
+                    </a:p>
+                  </a:txBody>
+                  <a:tcPr marL="9525" marR="9525" marT="9525" marB="0" anchor="b">
+                    <a:lnL w="12700" cap="flat" cmpd="sng" algn="ctr">
+                      <a:solidFill>
+                        <a:srgbClr val="000000"/>
+                      </a:solidFill>
+                      <a:prstDash val="solid"/>
+                      <a:round/>
+                      <a:headEnd type="none" w="med" len="med"/>
+                      <a:tailEnd type="none" w="med" len="med"/>
+                    </a:lnL>
+                    <a:lnR w="6350" cap="flat" cmpd="sng" algn="ctr">
+                      <a:solidFill>
+                        <a:srgbClr val="000000"/>
+                      </a:solidFill>
+                      <a:prstDash val="solid"/>
+                      <a:round/>
+                      <a:headEnd type="none" w="med" len="med"/>
+                      <a:tailEnd type="none" w="med" len="med"/>
+                    </a:lnR>
+                    <a:lnT w="6350" cap="flat" cmpd="sng" algn="ctr">
+                      <a:solidFill>
+                        <a:srgbClr val="000000"/>
+                      </a:solidFill>
+                      <a:prstDash val="solid"/>
+                      <a:round/>
+                      <a:headEnd type="none" w="med" len="med"/>
+                      <a:tailEnd type="none" w="med" len="med"/>
+                    </a:lnT>
+                    <a:lnB w="6350" cap="flat" cmpd="sng" algn="ctr">
+                      <a:solidFill>
+                        <a:srgbClr val="000000"/>
+                      </a:solidFill>
+                      <a:prstDash val="solid"/>
+                      <a:round/>
+                      <a:headEnd type="none" w="med" len="med"/>
+                      <a:tailEnd type="none" w="med" len="med"/>
+                    </a:lnB>
+                    <a:solidFill>
+                      <a:srgbClr val="C5D9F1"/>
+                    </a:solidFill>
+                  </a:tcPr>
+                </a:tc>
+                <a:tc>
+                  <a:txBody>
+                    <a:bodyPr/>
+                    <a:lstStyle/>
+                    <a:p>
+                      <a:pPr algn="ctr" fontAlgn="b"/>
+                      <a:r>
+                        <a:rPr lang="pt-PT" sz="1400" b="0" i="0" u="none" strike="noStrike">
+                          <a:solidFill>
+                            <a:srgbClr val="000000"/>
+                          </a:solidFill>
+                          <a:effectLst/>
+                          <a:latin typeface="Calibri" panose="020F0502020204030204" pitchFamily="34" charset="0"/>
+                        </a:rPr>
+                        <a:t>6€-8€</a:t>
+                      </a:r>
+                    </a:p>
+                  </a:txBody>
+                  <a:tcPr marL="9525" marR="9525" marT="9525" marB="0" anchor="b">
+                    <a:lnL w="6350" cap="flat" cmpd="sng" algn="ctr">
+                      <a:solidFill>
+                        <a:srgbClr val="000000"/>
+                      </a:solidFill>
+                      <a:prstDash val="solid"/>
+                      <a:round/>
+                      <a:headEnd type="none" w="med" len="med"/>
+                      <a:tailEnd type="none" w="med" len="med"/>
+                    </a:lnL>
+                    <a:lnR w="12700" cap="flat" cmpd="sng" algn="ctr">
+                      <a:solidFill>
+                        <a:srgbClr val="000000"/>
+                      </a:solidFill>
+                      <a:prstDash val="solid"/>
+                      <a:round/>
+                      <a:headEnd type="none" w="med" len="med"/>
+                      <a:tailEnd type="none" w="med" len="med"/>
+                    </a:lnR>
+                    <a:lnT w="6350" cap="flat" cmpd="sng" algn="ctr">
+                      <a:solidFill>
+                        <a:srgbClr val="000000"/>
+                      </a:solidFill>
+                      <a:prstDash val="solid"/>
+                      <a:round/>
+                      <a:headEnd type="none" w="med" len="med"/>
+                      <a:tailEnd type="none" w="med" len="med"/>
+                    </a:lnT>
+                    <a:lnB w="6350" cap="flat" cmpd="sng" algn="ctr">
+                      <a:solidFill>
+                        <a:srgbClr val="000000"/>
+                      </a:solidFill>
+                      <a:prstDash val="solid"/>
+                      <a:round/>
+                      <a:headEnd type="none" w="med" len="med"/>
+                      <a:tailEnd type="none" w="med" len="med"/>
+                    </a:lnB>
+                    <a:solidFill>
+                      <a:srgbClr val="EBF1DE"/>
+                    </a:solidFill>
+                  </a:tcPr>
+                </a:tc>
+                <a:extLst>
+                  <a:ext uri="{0D108BD9-81ED-4DB2-BD59-A6C34878D82A}">
+                    <a16:rowId xmlns:a16="http://schemas.microsoft.com/office/drawing/2014/main" val="78151353"/>
+                  </a:ext>
+                </a:extLst>
+              </a:tr>
+              <a:tr h="316079">
+                <a:tc>
+                  <a:txBody>
+                    <a:bodyPr/>
+                    <a:lstStyle/>
+                    <a:p>
+                      <a:pPr algn="l" fontAlgn="b"/>
+                      <a:r>
+                        <a:rPr lang="pt-PT" sz="1400" b="0" i="0" u="none" strike="noStrike" dirty="0" err="1">
+                          <a:solidFill>
+                            <a:srgbClr val="000000"/>
+                          </a:solidFill>
+                          <a:effectLst/>
+                          <a:latin typeface="Calibri" panose="020F0502020204030204" pitchFamily="34" charset="0"/>
+                        </a:rPr>
+                        <a:t>Water</a:t>
+                      </a:r>
+                      <a:r>
+                        <a:rPr lang="pt-PT" sz="1400" b="0" i="0" u="none" strike="noStrike" dirty="0">
+                          <a:solidFill>
+                            <a:srgbClr val="000000"/>
+                          </a:solidFill>
+                          <a:effectLst/>
+                          <a:latin typeface="Calibri" panose="020F0502020204030204" pitchFamily="34" charset="0"/>
+                        </a:rPr>
+                        <a:t> </a:t>
+                      </a:r>
+                      <a:r>
+                        <a:rPr lang="pt-PT" sz="1400" b="0" i="0" u="none" strike="noStrike" dirty="0" err="1">
+                          <a:solidFill>
+                            <a:srgbClr val="000000"/>
+                          </a:solidFill>
+                          <a:effectLst/>
+                          <a:latin typeface="Calibri" panose="020F0502020204030204" pitchFamily="34" charset="0"/>
+                        </a:rPr>
+                        <a:t>temperature</a:t>
+                      </a:r>
+                      <a:r>
+                        <a:rPr lang="pt-PT" sz="1400" b="0" i="0" u="none" strike="noStrike" dirty="0">
+                          <a:solidFill>
+                            <a:srgbClr val="000000"/>
+                          </a:solidFill>
+                          <a:effectLst/>
+                          <a:latin typeface="Calibri" panose="020F0502020204030204" pitchFamily="34" charset="0"/>
+                        </a:rPr>
+                        <a:t> sensor</a:t>
+                      </a:r>
+                    </a:p>
+                  </a:txBody>
+                  <a:tcPr marL="9525" marR="9525" marT="9525" marB="0" anchor="b">
+                    <a:lnL w="12700" cap="flat" cmpd="sng" algn="ctr">
+                      <a:solidFill>
+                        <a:srgbClr val="000000"/>
+                      </a:solidFill>
+                      <a:prstDash val="solid"/>
+                      <a:round/>
+                      <a:headEnd type="none" w="med" len="med"/>
+                      <a:tailEnd type="none" w="med" len="med"/>
+                    </a:lnL>
+                    <a:lnR w="6350" cap="flat" cmpd="sng" algn="ctr">
+                      <a:solidFill>
+                        <a:srgbClr val="000000"/>
+                      </a:solidFill>
+                      <a:prstDash val="solid"/>
+                      <a:round/>
+                      <a:headEnd type="none" w="med" len="med"/>
+                      <a:tailEnd type="none" w="med" len="med"/>
+                    </a:lnR>
+                    <a:lnT w="6350" cap="flat" cmpd="sng" algn="ctr">
+                      <a:solidFill>
+                        <a:srgbClr val="000000"/>
+                      </a:solidFill>
+                      <a:prstDash val="solid"/>
+                      <a:round/>
+                      <a:headEnd type="none" w="med" len="med"/>
+                      <a:tailEnd type="none" w="med" len="med"/>
+                    </a:lnT>
+                    <a:lnB w="6350" cap="flat" cmpd="sng" algn="ctr">
+                      <a:solidFill>
+                        <a:srgbClr val="000000"/>
+                      </a:solidFill>
+                      <a:prstDash val="solid"/>
+                      <a:round/>
+                      <a:headEnd type="none" w="med" len="med"/>
+                      <a:tailEnd type="none" w="med" len="med"/>
+                    </a:lnB>
+                    <a:solidFill>
+                      <a:srgbClr val="C5D9F1"/>
+                    </a:solidFill>
+                  </a:tcPr>
+                </a:tc>
+                <a:tc>
+                  <a:txBody>
+                    <a:bodyPr/>
+                    <a:lstStyle/>
+                    <a:p>
+                      <a:pPr algn="ctr" fontAlgn="b"/>
+                      <a:r>
+                        <a:rPr lang="pt-PT" sz="1400" b="0" i="0" u="none" strike="noStrike">
+                          <a:solidFill>
+                            <a:srgbClr val="000000"/>
+                          </a:solidFill>
+                          <a:effectLst/>
+                          <a:latin typeface="Calibri" panose="020F0502020204030204" pitchFamily="34" charset="0"/>
+                        </a:rPr>
+                        <a:t>2 €</a:t>
+                      </a:r>
+                    </a:p>
+                  </a:txBody>
+                  <a:tcPr marL="9525" marR="9525" marT="9525" marB="0" anchor="b">
+                    <a:lnL w="6350" cap="flat" cmpd="sng" algn="ctr">
+                      <a:solidFill>
+                        <a:srgbClr val="000000"/>
+                      </a:solidFill>
+                      <a:prstDash val="solid"/>
+                      <a:round/>
+                      <a:headEnd type="none" w="med" len="med"/>
+                      <a:tailEnd type="none" w="med" len="med"/>
+                    </a:lnL>
+                    <a:lnR w="12700" cap="flat" cmpd="sng" algn="ctr">
+                      <a:solidFill>
+                        <a:srgbClr val="000000"/>
+                      </a:solidFill>
+                      <a:prstDash val="solid"/>
+                      <a:round/>
+                      <a:headEnd type="none" w="med" len="med"/>
+                      <a:tailEnd type="none" w="med" len="med"/>
+                    </a:lnR>
+                    <a:lnT w="6350" cap="flat" cmpd="sng" algn="ctr">
+                      <a:solidFill>
+                        <a:srgbClr val="000000"/>
+                      </a:solidFill>
+                      <a:prstDash val="solid"/>
+                      <a:round/>
+                      <a:headEnd type="none" w="med" len="med"/>
+                      <a:tailEnd type="none" w="med" len="med"/>
+                    </a:lnT>
+                    <a:lnB w="6350" cap="flat" cmpd="sng" algn="ctr">
+                      <a:solidFill>
+                        <a:srgbClr val="000000"/>
+                      </a:solidFill>
+                      <a:prstDash val="solid"/>
+                      <a:round/>
+                      <a:headEnd type="none" w="med" len="med"/>
+                      <a:tailEnd type="none" w="med" len="med"/>
+                    </a:lnB>
+                    <a:solidFill>
+                      <a:srgbClr val="EBF1DE"/>
+                    </a:solidFill>
+                  </a:tcPr>
+                </a:tc>
+                <a:extLst>
+                  <a:ext uri="{0D108BD9-81ED-4DB2-BD59-A6C34878D82A}">
+                    <a16:rowId xmlns:a16="http://schemas.microsoft.com/office/drawing/2014/main" val="2328050417"/>
+                  </a:ext>
+                </a:extLst>
+              </a:tr>
+              <a:tr h="316079">
+                <a:tc>
+                  <a:txBody>
+                    <a:bodyPr/>
+                    <a:lstStyle/>
+                    <a:p>
+                      <a:pPr algn="l" fontAlgn="b"/>
+                      <a:r>
+                        <a:rPr lang="en-US" sz="1400" b="0" i="0" u="none" strike="noStrike" dirty="0">
+                          <a:solidFill>
+                            <a:srgbClr val="000000"/>
+                          </a:solidFill>
+                          <a:effectLst/>
+                          <a:latin typeface="Calibri" panose="020F0502020204030204" pitchFamily="34" charset="0"/>
+                        </a:rPr>
+                        <a:t>Air humidity and temperature sensor</a:t>
+                      </a:r>
+                    </a:p>
+                  </a:txBody>
+                  <a:tcPr marL="9525" marR="9525" marT="9525" marB="0" anchor="b">
+                    <a:lnL w="12700" cap="flat" cmpd="sng" algn="ctr">
+                      <a:solidFill>
+                        <a:srgbClr val="000000"/>
+                      </a:solidFill>
+                      <a:prstDash val="solid"/>
+                      <a:round/>
+                      <a:headEnd type="none" w="med" len="med"/>
+                      <a:tailEnd type="none" w="med" len="med"/>
+                    </a:lnL>
+                    <a:lnR w="6350" cap="flat" cmpd="sng" algn="ctr">
+                      <a:solidFill>
+                        <a:srgbClr val="000000"/>
+                      </a:solidFill>
+                      <a:prstDash val="solid"/>
+                      <a:round/>
+                      <a:headEnd type="none" w="med" len="med"/>
+                      <a:tailEnd type="none" w="med" len="med"/>
+                    </a:lnR>
+                    <a:lnT w="6350" cap="flat" cmpd="sng" algn="ctr">
+                      <a:solidFill>
+                        <a:srgbClr val="000000"/>
+                      </a:solidFill>
+                      <a:prstDash val="solid"/>
+                      <a:round/>
+                      <a:headEnd type="none" w="med" len="med"/>
+                      <a:tailEnd type="none" w="med" len="med"/>
+                    </a:lnT>
+                    <a:lnB w="6350" cap="flat" cmpd="sng" algn="ctr">
+                      <a:solidFill>
+                        <a:srgbClr val="000000"/>
+                      </a:solidFill>
+                      <a:prstDash val="solid"/>
+                      <a:round/>
+                      <a:headEnd type="none" w="med" len="med"/>
+                      <a:tailEnd type="none" w="med" len="med"/>
+                    </a:lnB>
+                    <a:solidFill>
+                      <a:srgbClr val="C5D9F1"/>
+                    </a:solidFill>
+                  </a:tcPr>
+                </a:tc>
+                <a:tc>
+                  <a:txBody>
+                    <a:bodyPr/>
+                    <a:lstStyle/>
+                    <a:p>
+                      <a:pPr algn="ctr" fontAlgn="b"/>
+                      <a:r>
+                        <a:rPr lang="pt-PT" sz="1400" b="0" i="0" u="none" strike="noStrike">
+                          <a:solidFill>
+                            <a:srgbClr val="000000"/>
+                          </a:solidFill>
+                          <a:effectLst/>
+                          <a:latin typeface="Calibri" panose="020F0502020204030204" pitchFamily="34" charset="0"/>
+                        </a:rPr>
+                        <a:t>10 €</a:t>
+                      </a:r>
+                    </a:p>
+                  </a:txBody>
+                  <a:tcPr marL="9525" marR="9525" marT="9525" marB="0" anchor="b">
+                    <a:lnL w="6350" cap="flat" cmpd="sng" algn="ctr">
+                      <a:solidFill>
+                        <a:srgbClr val="000000"/>
+                      </a:solidFill>
+                      <a:prstDash val="solid"/>
+                      <a:round/>
+                      <a:headEnd type="none" w="med" len="med"/>
+                      <a:tailEnd type="none" w="med" len="med"/>
+                    </a:lnL>
+                    <a:lnR w="12700" cap="flat" cmpd="sng" algn="ctr">
+                      <a:solidFill>
+                        <a:srgbClr val="000000"/>
+                      </a:solidFill>
+                      <a:prstDash val="solid"/>
+                      <a:round/>
+                      <a:headEnd type="none" w="med" len="med"/>
+                      <a:tailEnd type="none" w="med" len="med"/>
+                    </a:lnR>
+                    <a:lnT w="6350" cap="flat" cmpd="sng" algn="ctr">
+                      <a:solidFill>
+                        <a:srgbClr val="000000"/>
+                      </a:solidFill>
+                      <a:prstDash val="solid"/>
+                      <a:round/>
+                      <a:headEnd type="none" w="med" len="med"/>
+                      <a:tailEnd type="none" w="med" len="med"/>
+                    </a:lnT>
+                    <a:lnB w="6350" cap="flat" cmpd="sng" algn="ctr">
+                      <a:solidFill>
+                        <a:srgbClr val="000000"/>
+                      </a:solidFill>
+                      <a:prstDash val="solid"/>
+                      <a:round/>
+                      <a:headEnd type="none" w="med" len="med"/>
+                      <a:tailEnd type="none" w="med" len="med"/>
+                    </a:lnB>
+                    <a:solidFill>
+                      <a:srgbClr val="EBF1DE"/>
+                    </a:solidFill>
+                  </a:tcPr>
+                </a:tc>
+                <a:extLst>
+                  <a:ext uri="{0D108BD9-81ED-4DB2-BD59-A6C34878D82A}">
+                    <a16:rowId xmlns:a16="http://schemas.microsoft.com/office/drawing/2014/main" val="1966001423"/>
+                  </a:ext>
+                </a:extLst>
+              </a:tr>
+              <a:tr h="316079">
+                <a:tc>
+                  <a:txBody>
+                    <a:bodyPr/>
+                    <a:lstStyle/>
+                    <a:p>
+                      <a:pPr algn="l" fontAlgn="b"/>
+                      <a:r>
+                        <a:rPr lang="pt-PT" sz="1400" b="0" i="0" u="none" strike="noStrike" dirty="0">
+                          <a:solidFill>
+                            <a:srgbClr val="000000"/>
+                          </a:solidFill>
+                          <a:effectLst/>
+                          <a:latin typeface="Calibri" panose="020F0502020204030204" pitchFamily="34" charset="0"/>
+                        </a:rPr>
+                        <a:t>LDR</a:t>
+                      </a:r>
+                    </a:p>
+                  </a:txBody>
+                  <a:tcPr marL="9525" marR="9525" marT="9525" marB="0" anchor="b">
+                    <a:lnL w="12700" cap="flat" cmpd="sng" algn="ctr">
+                      <a:solidFill>
+                        <a:srgbClr val="000000"/>
+                      </a:solidFill>
+                      <a:prstDash val="solid"/>
+                      <a:round/>
+                      <a:headEnd type="none" w="med" len="med"/>
+                      <a:tailEnd type="none" w="med" len="med"/>
+                    </a:lnL>
+                    <a:lnR w="6350" cap="flat" cmpd="sng" algn="ctr">
+                      <a:solidFill>
+                        <a:srgbClr val="000000"/>
+                      </a:solidFill>
+                      <a:prstDash val="solid"/>
+                      <a:round/>
+                      <a:headEnd type="none" w="med" len="med"/>
+                      <a:tailEnd type="none" w="med" len="med"/>
+                    </a:lnR>
+                    <a:lnT w="6350" cap="flat" cmpd="sng" algn="ctr">
+                      <a:solidFill>
+                        <a:srgbClr val="000000"/>
+                      </a:solidFill>
+                      <a:prstDash val="solid"/>
+                      <a:round/>
+                      <a:headEnd type="none" w="med" len="med"/>
+                      <a:tailEnd type="none" w="med" len="med"/>
+                    </a:lnT>
+                    <a:lnB w="6350" cap="flat" cmpd="sng" algn="ctr">
+                      <a:solidFill>
+                        <a:srgbClr val="000000"/>
+                      </a:solidFill>
+                      <a:prstDash val="solid"/>
+                      <a:round/>
+                      <a:headEnd type="none" w="med" len="med"/>
+                      <a:tailEnd type="none" w="med" len="med"/>
+                    </a:lnB>
+                    <a:solidFill>
+                      <a:srgbClr val="C5D9F1"/>
+                    </a:solidFill>
+                  </a:tcPr>
+                </a:tc>
+                <a:tc>
+                  <a:txBody>
+                    <a:bodyPr/>
+                    <a:lstStyle/>
+                    <a:p>
+                      <a:pPr algn="ctr" fontAlgn="b"/>
+                      <a:r>
+                        <a:rPr lang="pt-PT" sz="1400" b="0" i="0" u="none" strike="noStrike">
+                          <a:solidFill>
+                            <a:srgbClr val="000000"/>
+                          </a:solidFill>
+                          <a:effectLst/>
+                          <a:latin typeface="Calibri" panose="020F0502020204030204" pitchFamily="34" charset="0"/>
+                        </a:rPr>
+                        <a:t>1 €</a:t>
+                      </a:r>
+                    </a:p>
+                  </a:txBody>
+                  <a:tcPr marL="9525" marR="9525" marT="9525" marB="0" anchor="b">
+                    <a:lnL w="6350" cap="flat" cmpd="sng" algn="ctr">
+                      <a:solidFill>
+                        <a:srgbClr val="000000"/>
+                      </a:solidFill>
+                      <a:prstDash val="solid"/>
+                      <a:round/>
+                      <a:headEnd type="none" w="med" len="med"/>
+                      <a:tailEnd type="none" w="med" len="med"/>
+                    </a:lnL>
+                    <a:lnR w="12700" cap="flat" cmpd="sng" algn="ctr">
+                      <a:solidFill>
+                        <a:srgbClr val="000000"/>
+                      </a:solidFill>
+                      <a:prstDash val="solid"/>
+                      <a:round/>
+                      <a:headEnd type="none" w="med" len="med"/>
+                      <a:tailEnd type="none" w="med" len="med"/>
+                    </a:lnR>
+                    <a:lnT w="6350" cap="flat" cmpd="sng" algn="ctr">
+                      <a:solidFill>
+                        <a:srgbClr val="000000"/>
+                      </a:solidFill>
+                      <a:prstDash val="solid"/>
+                      <a:round/>
+                      <a:headEnd type="none" w="med" len="med"/>
+                      <a:tailEnd type="none" w="med" len="med"/>
+                    </a:lnT>
+                    <a:lnB w="6350" cap="flat" cmpd="sng" algn="ctr">
+                      <a:solidFill>
+                        <a:srgbClr val="000000"/>
+                      </a:solidFill>
+                      <a:prstDash val="solid"/>
+                      <a:round/>
+                      <a:headEnd type="none" w="med" len="med"/>
+                      <a:tailEnd type="none" w="med" len="med"/>
+                    </a:lnB>
+                    <a:solidFill>
+                      <a:srgbClr val="EBF1DE"/>
+                    </a:solidFill>
+                  </a:tcPr>
+                </a:tc>
+                <a:extLst>
+                  <a:ext uri="{0D108BD9-81ED-4DB2-BD59-A6C34878D82A}">
+                    <a16:rowId xmlns:a16="http://schemas.microsoft.com/office/drawing/2014/main" val="2612211934"/>
+                  </a:ext>
+                </a:extLst>
+              </a:tr>
+              <a:tr h="316079">
+                <a:tc>
+                  <a:txBody>
+                    <a:bodyPr/>
+                    <a:lstStyle/>
+                    <a:p>
+                      <a:pPr algn="l" fontAlgn="b"/>
+                      <a:r>
+                        <a:rPr lang="pt-PT" sz="1400" b="0" i="0" u="none" strike="noStrike" dirty="0" err="1">
+                          <a:solidFill>
+                            <a:srgbClr val="000000"/>
+                          </a:solidFill>
+                          <a:effectLst/>
+                          <a:latin typeface="Calibri" panose="020F0502020204030204" pitchFamily="34" charset="0"/>
+                        </a:rPr>
+                        <a:t>Structure</a:t>
+                      </a:r>
+                      <a:endParaRPr lang="pt-PT" sz="1400" b="0" i="0" u="none" strike="noStrike" dirty="0">
+                        <a:solidFill>
+                          <a:srgbClr val="000000"/>
+                        </a:solidFill>
+                        <a:effectLst/>
+                        <a:latin typeface="Calibri" panose="020F0502020204030204" pitchFamily="34" charset="0"/>
+                      </a:endParaRPr>
+                    </a:p>
+                  </a:txBody>
+                  <a:tcPr marL="9525" marR="9525" marT="9525" marB="0" anchor="b">
+                    <a:lnL w="12700" cap="flat" cmpd="sng" algn="ctr">
+                      <a:solidFill>
+                        <a:srgbClr val="000000"/>
+                      </a:solidFill>
+                      <a:prstDash val="solid"/>
+                      <a:round/>
+                      <a:headEnd type="none" w="med" len="med"/>
+                      <a:tailEnd type="none" w="med" len="med"/>
+                    </a:lnL>
+                    <a:lnR w="6350" cap="flat" cmpd="sng" algn="ctr">
+                      <a:solidFill>
+                        <a:srgbClr val="000000"/>
+                      </a:solidFill>
+                      <a:prstDash val="solid"/>
+                      <a:round/>
+                      <a:headEnd type="none" w="med" len="med"/>
+                      <a:tailEnd type="none" w="med" len="med"/>
+                    </a:lnR>
+                    <a:lnT w="6350" cap="flat" cmpd="sng" algn="ctr">
+                      <a:solidFill>
+                        <a:srgbClr val="000000"/>
+                      </a:solidFill>
+                      <a:prstDash val="solid"/>
+                      <a:round/>
+                      <a:headEnd type="none" w="med" len="med"/>
+                      <a:tailEnd type="none" w="med" len="med"/>
+                    </a:lnT>
+                    <a:lnB w="6350" cap="flat" cmpd="sng" algn="ctr">
+                      <a:solidFill>
+                        <a:srgbClr val="000000"/>
+                      </a:solidFill>
+                      <a:prstDash val="solid"/>
+                      <a:round/>
+                      <a:headEnd type="none" w="med" len="med"/>
+                      <a:tailEnd type="none" w="med" len="med"/>
+                    </a:lnB>
+                    <a:solidFill>
+                      <a:srgbClr val="C5D9F1"/>
+                    </a:solidFill>
+                  </a:tcPr>
+                </a:tc>
+                <a:tc>
+                  <a:txBody>
+                    <a:bodyPr/>
+                    <a:lstStyle/>
+                    <a:p>
+                      <a:pPr algn="ctr" fontAlgn="b"/>
+                      <a:r>
+                        <a:rPr lang="pt-PT" sz="1400" b="0" i="0" u="none" strike="noStrike">
+                          <a:solidFill>
+                            <a:srgbClr val="000000"/>
+                          </a:solidFill>
+                          <a:effectLst/>
+                          <a:latin typeface="Calibri" panose="020F0502020204030204" pitchFamily="34" charset="0"/>
+                        </a:rPr>
+                        <a:t>30€-40€</a:t>
+                      </a:r>
+                    </a:p>
+                  </a:txBody>
+                  <a:tcPr marL="9525" marR="9525" marT="9525" marB="0" anchor="b">
+                    <a:lnL w="6350" cap="flat" cmpd="sng" algn="ctr">
+                      <a:solidFill>
+                        <a:srgbClr val="000000"/>
+                      </a:solidFill>
+                      <a:prstDash val="solid"/>
+                      <a:round/>
+                      <a:headEnd type="none" w="med" len="med"/>
+                      <a:tailEnd type="none" w="med" len="med"/>
+                    </a:lnL>
+                    <a:lnR w="12700" cap="flat" cmpd="sng" algn="ctr">
+                      <a:solidFill>
+                        <a:srgbClr val="000000"/>
+                      </a:solidFill>
+                      <a:prstDash val="solid"/>
+                      <a:round/>
+                      <a:headEnd type="none" w="med" len="med"/>
+                      <a:tailEnd type="none" w="med" len="med"/>
+                    </a:lnR>
+                    <a:lnT w="6350" cap="flat" cmpd="sng" algn="ctr">
+                      <a:solidFill>
+                        <a:srgbClr val="000000"/>
+                      </a:solidFill>
+                      <a:prstDash val="solid"/>
+                      <a:round/>
+                      <a:headEnd type="none" w="med" len="med"/>
+                      <a:tailEnd type="none" w="med" len="med"/>
+                    </a:lnT>
+                    <a:lnB w="6350" cap="flat" cmpd="sng" algn="ctr">
+                      <a:solidFill>
+                        <a:srgbClr val="000000"/>
+                      </a:solidFill>
+                      <a:prstDash val="solid"/>
+                      <a:round/>
+                      <a:headEnd type="none" w="med" len="med"/>
+                      <a:tailEnd type="none" w="med" len="med"/>
+                    </a:lnB>
+                    <a:solidFill>
+                      <a:srgbClr val="EBF1DE"/>
+                    </a:solidFill>
+                  </a:tcPr>
+                </a:tc>
+                <a:extLst>
+                  <a:ext uri="{0D108BD9-81ED-4DB2-BD59-A6C34878D82A}">
+                    <a16:rowId xmlns:a16="http://schemas.microsoft.com/office/drawing/2014/main" val="3375446978"/>
+                  </a:ext>
+                </a:extLst>
+              </a:tr>
+              <a:tr h="316079">
+                <a:tc>
+                  <a:txBody>
+                    <a:bodyPr/>
+                    <a:lstStyle/>
+                    <a:p>
+                      <a:pPr algn="l" fontAlgn="b"/>
+                      <a:r>
+                        <a:rPr lang="pt-PT" sz="1400" b="0" i="0" u="none" strike="noStrike" dirty="0" err="1">
+                          <a:solidFill>
+                            <a:srgbClr val="000000"/>
+                          </a:solidFill>
+                          <a:effectLst/>
+                          <a:latin typeface="Calibri" panose="020F0502020204030204" pitchFamily="34" charset="0"/>
+                        </a:rPr>
+                        <a:t>Raspberry</a:t>
+                      </a:r>
+                      <a:r>
+                        <a:rPr lang="pt-PT" sz="1400" b="0" i="0" u="none" strike="noStrike" dirty="0">
+                          <a:solidFill>
+                            <a:srgbClr val="000000"/>
+                          </a:solidFill>
+                          <a:effectLst/>
+                          <a:latin typeface="Calibri" panose="020F0502020204030204" pitchFamily="34" charset="0"/>
+                        </a:rPr>
+                        <a:t> Pi</a:t>
+                      </a:r>
+                    </a:p>
+                  </a:txBody>
+                  <a:tcPr marL="9525" marR="9525" marT="9525" marB="0" anchor="b">
+                    <a:lnL w="12700" cap="flat" cmpd="sng" algn="ctr">
+                      <a:solidFill>
+                        <a:srgbClr val="000000"/>
+                      </a:solidFill>
+                      <a:prstDash val="solid"/>
+                      <a:round/>
+                      <a:headEnd type="none" w="med" len="med"/>
+                      <a:tailEnd type="none" w="med" len="med"/>
+                    </a:lnL>
+                    <a:lnR w="6350" cap="flat" cmpd="sng" algn="ctr">
+                      <a:solidFill>
+                        <a:srgbClr val="000000"/>
+                      </a:solidFill>
+                      <a:prstDash val="solid"/>
+                      <a:round/>
+                      <a:headEnd type="none" w="med" len="med"/>
+                      <a:tailEnd type="none" w="med" len="med"/>
+                    </a:lnR>
+                    <a:lnT w="6350" cap="flat" cmpd="sng" algn="ctr">
+                      <a:solidFill>
+                        <a:srgbClr val="000000"/>
+                      </a:solidFill>
+                      <a:prstDash val="solid"/>
+                      <a:round/>
+                      <a:headEnd type="none" w="med" len="med"/>
+                      <a:tailEnd type="none" w="med" len="med"/>
+                    </a:lnT>
+                    <a:lnB w="6350" cap="flat" cmpd="sng" algn="ctr">
+                      <a:solidFill>
+                        <a:srgbClr val="000000"/>
+                      </a:solidFill>
+                      <a:prstDash val="solid"/>
+                      <a:round/>
+                      <a:headEnd type="none" w="med" len="med"/>
+                      <a:tailEnd type="none" w="med" len="med"/>
+                    </a:lnB>
+                    <a:solidFill>
+                      <a:srgbClr val="C5D9F1"/>
+                    </a:solidFill>
+                  </a:tcPr>
+                </a:tc>
+                <a:tc>
+                  <a:txBody>
+                    <a:bodyPr/>
+                    <a:lstStyle/>
+                    <a:p>
+                      <a:pPr algn="ctr" fontAlgn="b"/>
+                      <a:r>
+                        <a:rPr lang="pt-PT" sz="1400" b="0" i="0" u="none" strike="noStrike">
+                          <a:solidFill>
+                            <a:srgbClr val="000000"/>
+                          </a:solidFill>
+                          <a:effectLst/>
+                          <a:latin typeface="Calibri" panose="020F0502020204030204" pitchFamily="34" charset="0"/>
+                        </a:rPr>
+                        <a:t>50 €</a:t>
+                      </a:r>
+                    </a:p>
+                  </a:txBody>
+                  <a:tcPr marL="9525" marR="9525" marT="9525" marB="0" anchor="b">
+                    <a:lnL w="6350" cap="flat" cmpd="sng" algn="ctr">
+                      <a:solidFill>
+                        <a:srgbClr val="000000"/>
+                      </a:solidFill>
+                      <a:prstDash val="solid"/>
+                      <a:round/>
+                      <a:headEnd type="none" w="med" len="med"/>
+                      <a:tailEnd type="none" w="med" len="med"/>
+                    </a:lnL>
+                    <a:lnR w="12700" cap="flat" cmpd="sng" algn="ctr">
+                      <a:solidFill>
+                        <a:srgbClr val="000000"/>
+                      </a:solidFill>
+                      <a:prstDash val="solid"/>
+                      <a:round/>
+                      <a:headEnd type="none" w="med" len="med"/>
+                      <a:tailEnd type="none" w="med" len="med"/>
+                    </a:lnR>
+                    <a:lnT w="6350" cap="flat" cmpd="sng" algn="ctr">
+                      <a:solidFill>
+                        <a:srgbClr val="000000"/>
+                      </a:solidFill>
+                      <a:prstDash val="solid"/>
+                      <a:round/>
+                      <a:headEnd type="none" w="med" len="med"/>
+                      <a:tailEnd type="none" w="med" len="med"/>
+                    </a:lnT>
+                    <a:lnB w="6350" cap="flat" cmpd="sng" algn="ctr">
+                      <a:solidFill>
+                        <a:srgbClr val="000000"/>
+                      </a:solidFill>
+                      <a:prstDash val="solid"/>
+                      <a:round/>
+                      <a:headEnd type="none" w="med" len="med"/>
+                      <a:tailEnd type="none" w="med" len="med"/>
+                    </a:lnB>
+                    <a:solidFill>
+                      <a:srgbClr val="EBF1DE"/>
+                    </a:solidFill>
+                  </a:tcPr>
+                </a:tc>
+                <a:extLst>
+                  <a:ext uri="{0D108BD9-81ED-4DB2-BD59-A6C34878D82A}">
+                    <a16:rowId xmlns:a16="http://schemas.microsoft.com/office/drawing/2014/main" val="1386978849"/>
+                  </a:ext>
+                </a:extLst>
+              </a:tr>
+              <a:tr h="316079">
+                <a:tc>
+                  <a:txBody>
+                    <a:bodyPr/>
+                    <a:lstStyle/>
+                    <a:p>
+                      <a:pPr algn="l" fontAlgn="b"/>
+                      <a:r>
+                        <a:rPr lang="pt-PT" sz="1400" b="0" i="0" u="none" strike="noStrike" dirty="0" err="1">
+                          <a:solidFill>
+                            <a:srgbClr val="000000"/>
+                          </a:solidFill>
+                          <a:effectLst/>
+                          <a:latin typeface="Calibri" panose="020F0502020204030204" pitchFamily="34" charset="0"/>
+                        </a:rPr>
+                        <a:t>Camera</a:t>
+                      </a:r>
+                      <a:endParaRPr lang="pt-PT" sz="1400" b="0" i="0" u="none" strike="noStrike" dirty="0">
+                        <a:solidFill>
+                          <a:srgbClr val="000000"/>
+                        </a:solidFill>
+                        <a:effectLst/>
+                        <a:latin typeface="Calibri" panose="020F0502020204030204" pitchFamily="34" charset="0"/>
+                      </a:endParaRPr>
+                    </a:p>
+                  </a:txBody>
+                  <a:tcPr marL="9525" marR="9525" marT="9525" marB="0" anchor="b">
+                    <a:lnL w="12700" cap="flat" cmpd="sng" algn="ctr">
+                      <a:solidFill>
+                        <a:srgbClr val="000000"/>
+                      </a:solidFill>
+                      <a:prstDash val="solid"/>
+                      <a:round/>
+                      <a:headEnd type="none" w="med" len="med"/>
+                      <a:tailEnd type="none" w="med" len="med"/>
+                    </a:lnL>
+                    <a:lnR w="6350" cap="flat" cmpd="sng" algn="ctr">
+                      <a:solidFill>
+                        <a:srgbClr val="000000"/>
+                      </a:solidFill>
+                      <a:prstDash val="solid"/>
+                      <a:round/>
+                      <a:headEnd type="none" w="med" len="med"/>
+                      <a:tailEnd type="none" w="med" len="med"/>
+                    </a:lnR>
+                    <a:lnT w="6350" cap="flat" cmpd="sng" algn="ctr">
+                      <a:solidFill>
+                        <a:srgbClr val="000000"/>
+                      </a:solidFill>
+                      <a:prstDash val="solid"/>
+                      <a:round/>
+                      <a:headEnd type="none" w="med" len="med"/>
+                      <a:tailEnd type="none" w="med" len="med"/>
+                    </a:lnT>
+                    <a:lnB w="6350" cap="flat" cmpd="sng" algn="ctr">
+                      <a:solidFill>
+                        <a:srgbClr val="000000"/>
+                      </a:solidFill>
+                      <a:prstDash val="solid"/>
+                      <a:round/>
+                      <a:headEnd type="none" w="med" len="med"/>
+                      <a:tailEnd type="none" w="med" len="med"/>
+                    </a:lnB>
+                    <a:solidFill>
+                      <a:srgbClr val="C5D9F1"/>
+                    </a:solidFill>
+                  </a:tcPr>
+                </a:tc>
+                <a:tc>
+                  <a:txBody>
+                    <a:bodyPr/>
+                    <a:lstStyle/>
+                    <a:p>
+                      <a:pPr algn="ctr" fontAlgn="b"/>
+                      <a:r>
+                        <a:rPr lang="pt-PT" sz="1400" b="0" i="0" u="none" strike="noStrike">
+                          <a:solidFill>
+                            <a:srgbClr val="000000"/>
+                          </a:solidFill>
+                          <a:effectLst/>
+                          <a:latin typeface="Calibri" panose="020F0502020204030204" pitchFamily="34" charset="0"/>
+                        </a:rPr>
+                        <a:t>10€-20€</a:t>
+                      </a:r>
+                    </a:p>
+                  </a:txBody>
+                  <a:tcPr marL="9525" marR="9525" marT="9525" marB="0" anchor="b">
+                    <a:lnL w="6350" cap="flat" cmpd="sng" algn="ctr">
+                      <a:solidFill>
+                        <a:srgbClr val="000000"/>
+                      </a:solidFill>
+                      <a:prstDash val="solid"/>
+                      <a:round/>
+                      <a:headEnd type="none" w="med" len="med"/>
+                      <a:tailEnd type="none" w="med" len="med"/>
+                    </a:lnL>
+                    <a:lnR w="12700" cap="flat" cmpd="sng" algn="ctr">
+                      <a:solidFill>
+                        <a:srgbClr val="000000"/>
+                      </a:solidFill>
+                      <a:prstDash val="solid"/>
+                      <a:round/>
+                      <a:headEnd type="none" w="med" len="med"/>
+                      <a:tailEnd type="none" w="med" len="med"/>
+                    </a:lnR>
+                    <a:lnT w="6350" cap="flat" cmpd="sng" algn="ctr">
+                      <a:solidFill>
+                        <a:srgbClr val="000000"/>
+                      </a:solidFill>
+                      <a:prstDash val="solid"/>
+                      <a:round/>
+                      <a:headEnd type="none" w="med" len="med"/>
+                      <a:tailEnd type="none" w="med" len="med"/>
+                    </a:lnT>
+                    <a:lnB w="6350" cap="flat" cmpd="sng" algn="ctr">
+                      <a:solidFill>
+                        <a:srgbClr val="000000"/>
+                      </a:solidFill>
+                      <a:prstDash val="solid"/>
+                      <a:round/>
+                      <a:headEnd type="none" w="med" len="med"/>
+                      <a:tailEnd type="none" w="med" len="med"/>
+                    </a:lnB>
+                    <a:solidFill>
+                      <a:srgbClr val="EBF1DE"/>
+                    </a:solidFill>
+                  </a:tcPr>
+                </a:tc>
+                <a:extLst>
+                  <a:ext uri="{0D108BD9-81ED-4DB2-BD59-A6C34878D82A}">
+                    <a16:rowId xmlns:a16="http://schemas.microsoft.com/office/drawing/2014/main" val="499741304"/>
+                  </a:ext>
+                </a:extLst>
+              </a:tr>
+              <a:tr h="316079">
+                <a:tc>
+                  <a:txBody>
+                    <a:bodyPr/>
+                    <a:lstStyle/>
+                    <a:p>
+                      <a:pPr algn="l" fontAlgn="b"/>
+                      <a:r>
+                        <a:rPr lang="pt-PT" sz="1400" b="0" i="0" u="none" strike="noStrike" dirty="0" err="1">
+                          <a:solidFill>
+                            <a:srgbClr val="000000"/>
+                          </a:solidFill>
+                          <a:effectLst/>
+                          <a:latin typeface="Calibri" panose="020F0502020204030204" pitchFamily="34" charset="0"/>
+                        </a:rPr>
+                        <a:t>Misc</a:t>
+                      </a:r>
+                      <a:r>
+                        <a:rPr lang="pt-PT" sz="1400" b="0" i="0" u="none" strike="noStrike" dirty="0">
+                          <a:solidFill>
+                            <a:srgbClr val="000000"/>
+                          </a:solidFill>
+                          <a:effectLst/>
+                          <a:latin typeface="Calibri" panose="020F0502020204030204" pitchFamily="34" charset="0"/>
+                        </a:rPr>
+                        <a:t> </a:t>
+                      </a:r>
+                      <a:r>
+                        <a:rPr lang="pt-PT" sz="1400" b="0" i="0" u="none" strike="noStrike" dirty="0" err="1">
+                          <a:solidFill>
+                            <a:srgbClr val="000000"/>
+                          </a:solidFill>
+                          <a:effectLst/>
+                          <a:latin typeface="Calibri" panose="020F0502020204030204" pitchFamily="34" charset="0"/>
+                        </a:rPr>
+                        <a:t>materials</a:t>
+                      </a:r>
+                      <a:endParaRPr lang="pt-PT" sz="1400" b="0" i="0" u="none" strike="noStrike" dirty="0">
+                        <a:solidFill>
+                          <a:srgbClr val="000000"/>
+                        </a:solidFill>
+                        <a:effectLst/>
+                        <a:latin typeface="Calibri" panose="020F0502020204030204" pitchFamily="34" charset="0"/>
+                      </a:endParaRPr>
+                    </a:p>
+                  </a:txBody>
+                  <a:tcPr marL="9525" marR="9525" marT="9525" marB="0" anchor="b">
+                    <a:lnL w="12700" cap="flat" cmpd="sng" algn="ctr">
+                      <a:solidFill>
+                        <a:srgbClr val="000000"/>
+                      </a:solidFill>
+                      <a:prstDash val="solid"/>
+                      <a:round/>
+                      <a:headEnd type="none" w="med" len="med"/>
+                      <a:tailEnd type="none" w="med" len="med"/>
+                    </a:lnL>
+                    <a:lnR w="6350" cap="flat" cmpd="sng" algn="ctr">
+                      <a:solidFill>
+                        <a:srgbClr val="000000"/>
+                      </a:solidFill>
+                      <a:prstDash val="solid"/>
+                      <a:round/>
+                      <a:headEnd type="none" w="med" len="med"/>
+                      <a:tailEnd type="none" w="med" len="med"/>
+                    </a:lnR>
+                    <a:lnT w="6350" cap="flat" cmpd="sng" algn="ctr">
+                      <a:solidFill>
+                        <a:srgbClr val="000000"/>
+                      </a:solidFill>
+                      <a:prstDash val="solid"/>
+                      <a:round/>
+                      <a:headEnd type="none" w="med" len="med"/>
+                      <a:tailEnd type="none" w="med" len="med"/>
+                    </a:lnT>
+                    <a:lnB w="6350" cap="flat" cmpd="sng" algn="ctr">
+                      <a:solidFill>
+                        <a:srgbClr val="000000"/>
+                      </a:solidFill>
+                      <a:prstDash val="solid"/>
+                      <a:round/>
+                      <a:headEnd type="none" w="med" len="med"/>
+                      <a:tailEnd type="none" w="med" len="med"/>
+                    </a:lnB>
+                    <a:solidFill>
+                      <a:srgbClr val="C5D9F1"/>
+                    </a:solidFill>
+                  </a:tcPr>
+                </a:tc>
+                <a:tc>
+                  <a:txBody>
+                    <a:bodyPr/>
+                    <a:lstStyle/>
+                    <a:p>
+                      <a:pPr algn="ctr" fontAlgn="b"/>
+                      <a:r>
+                        <a:rPr lang="pt-PT" sz="1400" b="0" i="0" u="none" strike="noStrike" dirty="0">
+                          <a:solidFill>
+                            <a:srgbClr val="000000"/>
+                          </a:solidFill>
+                          <a:effectLst/>
+                          <a:latin typeface="Calibri" panose="020F0502020204030204" pitchFamily="34" charset="0"/>
+                        </a:rPr>
+                        <a:t>1€-2€</a:t>
+                      </a:r>
+                    </a:p>
+                  </a:txBody>
+                  <a:tcPr marL="9525" marR="9525" marT="9525" marB="0" anchor="b">
+                    <a:lnL w="6350" cap="flat" cmpd="sng" algn="ctr">
+                      <a:solidFill>
+                        <a:srgbClr val="000000"/>
+                      </a:solidFill>
+                      <a:prstDash val="solid"/>
+                      <a:round/>
+                      <a:headEnd type="none" w="med" len="med"/>
+                      <a:tailEnd type="none" w="med" len="med"/>
+                    </a:lnL>
+                    <a:lnR w="12700" cap="flat" cmpd="sng" algn="ctr">
+                      <a:solidFill>
+                        <a:srgbClr val="000000"/>
+                      </a:solidFill>
+                      <a:prstDash val="solid"/>
+                      <a:round/>
+                      <a:headEnd type="none" w="med" len="med"/>
+                      <a:tailEnd type="none" w="med" len="med"/>
+                    </a:lnR>
+                    <a:lnT w="6350" cap="flat" cmpd="sng" algn="ctr">
+                      <a:solidFill>
+                        <a:srgbClr val="000000"/>
+                      </a:solidFill>
+                      <a:prstDash val="solid"/>
+                      <a:round/>
+                      <a:headEnd type="none" w="med" len="med"/>
+                      <a:tailEnd type="none" w="med" len="med"/>
+                    </a:lnT>
+                    <a:lnB w="6350" cap="flat" cmpd="sng" algn="ctr">
+                      <a:solidFill>
+                        <a:srgbClr val="000000"/>
+                      </a:solidFill>
+                      <a:prstDash val="solid"/>
+                      <a:round/>
+                      <a:headEnd type="none" w="med" len="med"/>
+                      <a:tailEnd type="none" w="med" len="med"/>
+                    </a:lnB>
+                    <a:solidFill>
+                      <a:srgbClr val="EBF1DE"/>
+                    </a:solidFill>
+                  </a:tcPr>
+                </a:tc>
+                <a:extLst>
+                  <a:ext uri="{0D108BD9-81ED-4DB2-BD59-A6C34878D82A}">
+                    <a16:rowId xmlns:a16="http://schemas.microsoft.com/office/drawing/2014/main" val="2418194117"/>
+                  </a:ext>
+                </a:extLst>
+              </a:tr>
+              <a:tr h="331883">
+                <a:tc>
+                  <a:txBody>
+                    <a:bodyPr/>
+                    <a:lstStyle/>
+                    <a:p>
+                      <a:pPr algn="l" fontAlgn="b"/>
+                      <a:r>
+                        <a:rPr lang="pt-PT" sz="1400" b="0" i="0" u="none" strike="noStrike">
+                          <a:solidFill>
+                            <a:srgbClr val="000000"/>
+                          </a:solidFill>
+                          <a:effectLst/>
+                          <a:latin typeface="Calibri" panose="020F0502020204030204" pitchFamily="34" charset="0"/>
+                        </a:rPr>
+                        <a:t>Estimated material cost</a:t>
+                      </a:r>
+                    </a:p>
+                  </a:txBody>
+                  <a:tcPr marL="9525" marR="9525" marT="9525" marB="0" anchor="b">
+                    <a:lnL w="12700" cap="flat" cmpd="sng" algn="ctr">
+                      <a:solidFill>
+                        <a:srgbClr val="000000"/>
+                      </a:solidFill>
+                      <a:prstDash val="solid"/>
+                      <a:round/>
+                      <a:headEnd type="none" w="med" len="med"/>
+                      <a:tailEnd type="none" w="med" len="med"/>
+                    </a:lnL>
+                    <a:lnR w="6350" cap="flat" cmpd="sng" algn="ctr">
+                      <a:solidFill>
+                        <a:srgbClr val="000000"/>
+                      </a:solidFill>
+                      <a:prstDash val="solid"/>
+                      <a:round/>
+                      <a:headEnd type="none" w="med" len="med"/>
+                      <a:tailEnd type="none" w="med" len="med"/>
+                    </a:lnR>
+                    <a:lnT w="6350" cap="flat" cmpd="sng" algn="ctr">
+                      <a:solidFill>
+                        <a:srgbClr val="000000"/>
+                      </a:solidFill>
+                      <a:prstDash val="solid"/>
+                      <a:round/>
+                      <a:headEnd type="none" w="med" len="med"/>
+                      <a:tailEnd type="none" w="med" len="med"/>
+                    </a:lnT>
+                    <a:lnB w="12700" cap="flat" cmpd="sng" algn="ctr">
+                      <a:solidFill>
+                        <a:srgbClr val="000000"/>
+                      </a:solidFill>
+                      <a:prstDash val="solid"/>
+                      <a:round/>
+                      <a:headEnd type="none" w="med" len="med"/>
+                      <a:tailEnd type="none" w="med" len="med"/>
+                    </a:lnB>
+                    <a:solidFill>
+                      <a:srgbClr val="DA9694"/>
+                    </a:solidFill>
+                  </a:tcPr>
+                </a:tc>
+                <a:tc>
+                  <a:txBody>
+                    <a:bodyPr/>
+                    <a:lstStyle/>
+                    <a:p>
+                      <a:pPr algn="ctr" fontAlgn="b"/>
+                      <a:r>
+                        <a:rPr lang="pt-PT" sz="1400" b="0" i="0" u="none" strike="noStrike" dirty="0">
+                          <a:solidFill>
+                            <a:srgbClr val="000000"/>
+                          </a:solidFill>
+                          <a:effectLst/>
+                          <a:latin typeface="Calibri" panose="020F0502020204030204" pitchFamily="34" charset="0"/>
+                        </a:rPr>
+                        <a:t>130€-153€</a:t>
+                      </a:r>
+                    </a:p>
+                  </a:txBody>
+                  <a:tcPr marL="9525" marR="9525" marT="9525" marB="0" anchor="b">
+                    <a:lnL w="6350" cap="flat" cmpd="sng" algn="ctr">
+                      <a:solidFill>
+                        <a:srgbClr val="000000"/>
+                      </a:solidFill>
+                      <a:prstDash val="solid"/>
+                      <a:round/>
+                      <a:headEnd type="none" w="med" len="med"/>
+                      <a:tailEnd type="none" w="med" len="med"/>
+                    </a:lnL>
+                    <a:lnR w="12700" cap="flat" cmpd="sng" algn="ctr">
+                      <a:solidFill>
+                        <a:srgbClr val="000000"/>
+                      </a:solidFill>
+                      <a:prstDash val="solid"/>
+                      <a:round/>
+                      <a:headEnd type="none" w="med" len="med"/>
+                      <a:tailEnd type="none" w="med" len="med"/>
+                    </a:lnR>
+                    <a:lnT w="6350" cap="flat" cmpd="sng" algn="ctr">
+                      <a:solidFill>
+                        <a:srgbClr val="000000"/>
+                      </a:solidFill>
+                      <a:prstDash val="solid"/>
+                      <a:round/>
+                      <a:headEnd type="none" w="med" len="med"/>
+                      <a:tailEnd type="none" w="med" len="med"/>
+                    </a:lnT>
+                    <a:lnB w="12700" cap="flat" cmpd="sng" algn="ctr">
+                      <a:solidFill>
+                        <a:srgbClr val="000000"/>
+                      </a:solidFill>
+                      <a:prstDash val="solid"/>
+                      <a:round/>
+                      <a:headEnd type="none" w="med" len="med"/>
+                      <a:tailEnd type="none" w="med" len="med"/>
+                    </a:lnB>
+                    <a:solidFill>
+                      <a:srgbClr val="E6B8B7"/>
+                    </a:solidFill>
+                  </a:tcPr>
+                </a:tc>
+                <a:extLst>
+                  <a:ext uri="{0D108BD9-81ED-4DB2-BD59-A6C34878D82A}">
+                    <a16:rowId xmlns:a16="http://schemas.microsoft.com/office/drawing/2014/main" val="1484903470"/>
+                  </a:ext>
+                </a:extLst>
+              </a:tr>
+            </a:tbl>
+          </a:graphicData>
+        </a:graphic>
+      </p:graphicFrame>
     </p:spTree>
     <p:extLst>
       <p:ext uri="{BB962C8B-B14F-4D97-AF65-F5344CB8AC3E}">
         <p14:creationId xmlns:p14="http://schemas.microsoft.com/office/powerpoint/2010/main" val="2572473668"/>
-      </p:ext>
-    </p:extLst>
-  </p:cSld>
-  <p:clrMapOvr>
-    <a:masterClrMapping/>
-  </p:clrMapOvr>
-</p:sld>
-</file>
-
-<file path=ppt/slides/slide16.xml><?xml version="1.0" encoding="utf-8"?>
-<p:sld xmlns:a="http://schemas.openxmlformats.org/drawingml/2006/main" xmlns:r="http://schemas.openxmlformats.org/officeDocument/2006/relationships" xmlns:p="http://schemas.openxmlformats.org/presentationml/2006/main">
-  <p:cSld>
-    <p:spTree>
-      <p:nvGrpSpPr>
-        <p:cNvPr id="1" name=""/>
-        <p:cNvGrpSpPr/>
-        <p:nvPr/>
-      </p:nvGrpSpPr>
-      <p:grpSpPr>
-        <a:xfrm>
-          <a:off x="0" y="0"/>
-          <a:ext cx="0" cy="0"/>
-          <a:chOff x="0" y="0"/>
-          <a:chExt cx="0" cy="0"/>
-        </a:xfrm>
-      </p:grpSpPr>
-      <p:sp>
-        <p:nvSpPr>
-          <p:cNvPr id="3" name="Título 2">
-            <a:extLst>
-              <a:ext uri="{FF2B5EF4-FFF2-40B4-BE49-F238E27FC236}">
-                <a16:creationId xmlns:a16="http://schemas.microsoft.com/office/drawing/2014/main" id="{3DF3180C-EDBC-4044-8629-A79F6440F505}"/>
-              </a:ext>
-            </a:extLst>
-          </p:cNvPr>
-          <p:cNvSpPr>
-            <a:spLocks noGrp="1"/>
-          </p:cNvSpPr>
-          <p:nvPr>
-            <p:ph type="title"/>
-          </p:nvPr>
-        </p:nvSpPr>
-        <p:spPr/>
-        <p:txBody>
-          <a:bodyPr/>
-          <a:lstStyle/>
-          <a:p>
-            <a:pPr algn="ctr"/>
-            <a:r>
-              <a:rPr lang="pt-PT" dirty="0" err="1"/>
-              <a:t>Gantt</a:t>
-            </a:r>
-            <a:r>
-              <a:rPr lang="pt-PT" dirty="0"/>
-              <a:t> </a:t>
-            </a:r>
-            <a:r>
-              <a:rPr lang="pt-PT" dirty="0" err="1"/>
-              <a:t>Diagram</a:t>
-            </a:r>
-            <a:endParaRPr lang="en-US" dirty="0"/>
-          </a:p>
-        </p:txBody>
-      </p:sp>
-      <p:pic>
-        <p:nvPicPr>
-          <p:cNvPr id="1026" name="Picture 2"/>
-          <p:cNvPicPr>
-            <a:picLocks noChangeAspect="1" noChangeArrowheads="1"/>
-          </p:cNvPicPr>
-          <p:nvPr/>
-        </p:nvPicPr>
-        <p:blipFill>
-          <a:blip r:embed="rId2"/>
-          <a:srcRect/>
-          <a:stretch>
-            <a:fillRect/>
-          </a:stretch>
-        </p:blipFill>
-        <p:spPr bwMode="auto">
-          <a:xfrm>
-            <a:off x="1214414" y="2643182"/>
-            <a:ext cx="7715272" cy="2073267"/>
-          </a:xfrm>
-          <a:prstGeom prst="rect">
-            <a:avLst/>
-          </a:prstGeom>
-          <a:noFill/>
-          <a:ln w="9525">
-            <a:noFill/>
-            <a:miter lim="800000"/>
-            <a:headEnd/>
-            <a:tailEnd/>
-          </a:ln>
-          <a:effectLst/>
-        </p:spPr>
-      </p:pic>
-    </p:spTree>
-    <p:extLst>
-      <p:ext uri="{BB962C8B-B14F-4D97-AF65-F5344CB8AC3E}">
-        <p14:creationId xmlns:p14="http://schemas.microsoft.com/office/powerpoint/2010/main" val="3111128428"/>
       </p:ext>
     </p:extLst>
   </p:cSld>
@@ -3571,8 +9554,8 @@
         </p:blipFill>
         <p:spPr bwMode="auto">
           <a:xfrm>
-            <a:off x="2071670" y="2071678"/>
-            <a:ext cx="5786478" cy="3929090"/>
+            <a:off x="1907704" y="1988840"/>
+            <a:ext cx="6559035" cy="4453666"/>
           </a:xfrm>
           <a:prstGeom prst="rect">
             <a:avLst/>
@@ -3661,8 +9644,8 @@
         </p:blipFill>
         <p:spPr bwMode="auto">
           <a:xfrm>
-            <a:off x="1857356" y="2285992"/>
-            <a:ext cx="6375569" cy="3500462"/>
+            <a:off x="1403648" y="2060848"/>
+            <a:ext cx="7327891" cy="4023328"/>
           </a:xfrm>
           <a:prstGeom prst="rect">
             <a:avLst/>
@@ -3795,7 +9778,7 @@
           <p:cNvPr id="3" name="Título 2">
             <a:extLst>
               <a:ext uri="{FF2B5EF4-FFF2-40B4-BE49-F238E27FC236}">
-                <a16:creationId xmlns:a16="http://schemas.microsoft.com/office/drawing/2014/main" id="{8796298E-BAD5-44F6-A79F-5F078A970E9E}"/>
+                <a16:creationId xmlns:a16="http://schemas.microsoft.com/office/drawing/2014/main" id="{3DF3180C-EDBC-4044-8629-A79F6440F505}"/>
               </a:ext>
             </a:extLst>
           </p:cNvPr>
@@ -3811,16 +9794,26 @@
           <a:bodyPr/>
           <a:lstStyle/>
           <a:p>
+            <a:pPr algn="ctr"/>
             <a:r>
-              <a:rPr lang="en-US" dirty="0"/>
-              <a:t>Events</a:t>
+              <a:rPr lang="pt-PT" dirty="0" err="1"/>
+              <a:t>Gantt</a:t>
             </a:r>
+            <a:r>
+              <a:rPr lang="pt-PT" dirty="0"/>
+              <a:t> </a:t>
+            </a:r>
+            <a:r>
+              <a:rPr lang="pt-PT" dirty="0" err="1"/>
+              <a:t>Diagram</a:t>
+            </a:r>
+            <a:endParaRPr lang="en-US" dirty="0"/>
           </a:p>
         </p:txBody>
       </p:sp>
       <p:pic>
         <p:nvPicPr>
-          <p:cNvPr id="1027" name="Picture 3"/>
+          <p:cNvPr id="1026" name="Picture 2"/>
           <p:cNvPicPr>
             <a:picLocks noChangeAspect="1" noChangeArrowheads="1"/>
           </p:cNvPicPr>
@@ -3835,8 +9828,8 @@
         </p:blipFill>
         <p:spPr bwMode="auto">
           <a:xfrm>
-            <a:off x="1571604" y="2143116"/>
-            <a:ext cx="7153275" cy="3705225"/>
+            <a:off x="1214414" y="2643182"/>
+            <a:ext cx="7715272" cy="2073267"/>
           </a:xfrm>
           <a:prstGeom prst="rect">
             <a:avLst/>
@@ -3854,7 +9847,7 @@
     </p:spTree>
     <p:extLst>
       <p:ext uri="{BB962C8B-B14F-4D97-AF65-F5344CB8AC3E}">
-        <p14:creationId xmlns:p14="http://schemas.microsoft.com/office/powerpoint/2010/main" val="2572473668"/>
+        <p14:creationId xmlns:p14="http://schemas.microsoft.com/office/powerpoint/2010/main" val="3111128428"/>
       </p:ext>
     </p:extLst>
   </p:cSld>
@@ -3911,28 +9904,38 @@
       </p:sp>
       <p:pic>
         <p:nvPicPr>
-          <p:cNvPr id="5124" name="Picture 4" descr="C:\Users\0\Desktop\use cases v2.drawio.png"/>
+          <p:cNvPr id="4" name="Imagem 3">
+            <a:extLst>
+              <a:ext uri="{FF2B5EF4-FFF2-40B4-BE49-F238E27FC236}">
+                <a16:creationId xmlns:a16="http://schemas.microsoft.com/office/drawing/2014/main" id="{90559EE7-EBE5-46FE-879D-FC9ACA7338CF}"/>
+              </a:ext>
+            </a:extLst>
+          </p:cNvPr>
           <p:cNvPicPr>
-            <a:picLocks noChangeAspect="1" noChangeArrowheads="1"/>
+            <a:picLocks noChangeAspect="1"/>
           </p:cNvPicPr>
           <p:nvPr/>
         </p:nvPicPr>
         <p:blipFill>
-          <a:blip r:embed="rId2"/>
-          <a:srcRect/>
+          <a:blip r:embed="rId2">
+            <a:extLst>
+              <a:ext uri="{28A0092B-C50C-407E-A947-70E740481C1C}">
+                <a14:useLocalDpi xmlns:a14="http://schemas.microsoft.com/office/drawing/2010/main" val="0"/>
+              </a:ext>
+            </a:extLst>
+          </a:blip>
           <a:stretch>
             <a:fillRect/>
           </a:stretch>
         </p:blipFill>
-        <p:spPr bwMode="auto">
+        <p:spPr>
           <a:xfrm>
-            <a:off x="3071802" y="1928802"/>
-            <a:ext cx="3995499" cy="4129069"/>
+            <a:off x="1691680" y="1700808"/>
+            <a:ext cx="6840091" cy="4592494"/>
           </a:xfrm>
           <a:prstGeom prst="rect">
             <a:avLst/>
           </a:prstGeom>
-          <a:noFill/>
         </p:spPr>
       </p:pic>
     </p:spTree>
@@ -3995,28 +9998,38 @@
       </p:sp>
       <p:pic>
         <p:nvPicPr>
-          <p:cNvPr id="5123" name="Picture 3" descr="C:\Users\0\Desktop\state diagram v2.drawio.png"/>
+          <p:cNvPr id="6" name="Imagem 5">
+            <a:extLst>
+              <a:ext uri="{FF2B5EF4-FFF2-40B4-BE49-F238E27FC236}">
+                <a16:creationId xmlns:a16="http://schemas.microsoft.com/office/drawing/2014/main" id="{2CE40B78-C8BD-41BF-BF34-E0845146C8CD}"/>
+              </a:ext>
+            </a:extLst>
+          </p:cNvPr>
           <p:cNvPicPr>
-            <a:picLocks noChangeAspect="1" noChangeArrowheads="1"/>
+            <a:picLocks noChangeAspect="1"/>
           </p:cNvPicPr>
           <p:nvPr/>
         </p:nvPicPr>
         <p:blipFill>
-          <a:blip r:embed="rId2"/>
-          <a:srcRect/>
+          <a:blip r:embed="rId2">
+            <a:extLst>
+              <a:ext uri="{28A0092B-C50C-407E-A947-70E740481C1C}">
+                <a14:useLocalDpi xmlns:a14="http://schemas.microsoft.com/office/drawing/2010/main" val="0"/>
+              </a:ext>
+            </a:extLst>
+          </a:blip>
           <a:stretch>
             <a:fillRect/>
           </a:stretch>
         </p:blipFill>
-        <p:spPr bwMode="auto">
+        <p:spPr>
           <a:xfrm>
-            <a:off x="2071670" y="1857364"/>
-            <a:ext cx="5929354" cy="4333781"/>
+            <a:off x="2779699" y="1207511"/>
+            <a:ext cx="4384589" cy="5584878"/>
           </a:xfrm>
           <a:prstGeom prst="rect">
             <a:avLst/>
           </a:prstGeom>
-          <a:noFill/>
         </p:spPr>
       </p:pic>
     </p:spTree>
@@ -4072,79 +10085,51 @@
           <a:p>
             <a:r>
               <a:rPr lang="en-US" dirty="0"/>
-              <a:t>Sequential diagram</a:t>
+              <a:t>State diagram</a:t>
             </a:r>
           </a:p>
         </p:txBody>
       </p:sp>
       <p:pic>
         <p:nvPicPr>
-          <p:cNvPr id="6148" name="Picture 4" descr="C:\Users\0\Desktop\sequential diagram2.drawio.png"/>
+          <p:cNvPr id="4" name="Imagem 3">
+            <a:extLst>
+              <a:ext uri="{FF2B5EF4-FFF2-40B4-BE49-F238E27FC236}">
+                <a16:creationId xmlns:a16="http://schemas.microsoft.com/office/drawing/2014/main" id="{9070D9EE-1254-4D93-8828-936B2B865E1A}"/>
+              </a:ext>
+            </a:extLst>
+          </p:cNvPr>
           <p:cNvPicPr>
-            <a:picLocks noChangeAspect="1" noChangeArrowheads="1"/>
+            <a:picLocks noChangeAspect="1"/>
           </p:cNvPicPr>
           <p:nvPr/>
         </p:nvPicPr>
         <p:blipFill>
-          <a:blip r:embed="rId2"/>
-          <a:srcRect/>
+          <a:blip r:embed="rId2">
+            <a:extLst>
+              <a:ext uri="{28A0092B-C50C-407E-A947-70E740481C1C}">
+                <a14:useLocalDpi xmlns:a14="http://schemas.microsoft.com/office/drawing/2010/main" val="0"/>
+              </a:ext>
+            </a:extLst>
+          </a:blip>
           <a:stretch>
             <a:fillRect/>
           </a:stretch>
         </p:blipFill>
-        <p:spPr bwMode="auto">
+        <p:spPr>
           <a:xfrm>
-            <a:off x="1785918" y="2071678"/>
-            <a:ext cx="6201770" cy="3240000"/>
+            <a:off x="2483768" y="1412776"/>
+            <a:ext cx="4867275" cy="5248275"/>
           </a:xfrm>
           <a:prstGeom prst="rect">
             <a:avLst/>
           </a:prstGeom>
-          <a:noFill/>
         </p:spPr>
       </p:pic>
-      <p:sp>
-        <p:nvSpPr>
-          <p:cNvPr id="8" name="CaixaDeTexto 7"/>
-          <p:cNvSpPr txBox="1"/>
-          <p:nvPr/>
-        </p:nvSpPr>
-        <p:spPr>
-          <a:xfrm>
-            <a:off x="1785918" y="1214422"/>
-            <a:ext cx="5214974" cy="369332"/>
-          </a:xfrm>
-          <a:prstGeom prst="rect">
-            <a:avLst/>
-          </a:prstGeom>
-          <a:noFill/>
-        </p:spPr>
-        <p:txBody>
-          <a:bodyPr wrap="square" rtlCol="0">
-            <a:spAutoFit/>
-          </a:bodyPr>
-          <a:lstStyle/>
-          <a:p>
-            <a:r>
-              <a:rPr lang="pt-PT" dirty="0" err="1"/>
-              <a:t>Light</a:t>
-            </a:r>
-            <a:r>
-              <a:rPr lang="pt-PT" dirty="0"/>
-              <a:t> </a:t>
-            </a:r>
-            <a:r>
-              <a:rPr lang="pt-PT" dirty="0" err="1"/>
-              <a:t>control</a:t>
-            </a:r>
-            <a:endParaRPr lang="pt-PT" dirty="0"/>
-          </a:p>
-        </p:txBody>
-      </p:sp>
     </p:spTree>
     <p:extLst>
       <p:ext uri="{BB962C8B-B14F-4D97-AF65-F5344CB8AC3E}">
-        <p14:creationId xmlns:p14="http://schemas.microsoft.com/office/powerpoint/2010/main" val="2572473668"/>
+        <p14:creationId xmlns:p14="http://schemas.microsoft.com/office/powerpoint/2010/main" val="2086314655"/>
       </p:ext>
     </p:extLst>
   </p:cSld>
@@ -5005,10 +10990,6 @@
 </file>
 
 <file path=customXml/item1.xml><?xml version="1.0" encoding="utf-8"?>
-<ct:contentTypeSchema xmlns:ct="http://schemas.microsoft.com/office/2006/metadata/contentType" xmlns:ma="http://schemas.microsoft.com/office/2006/metadata/properties/metaAttributes" ct:_="" ma:_="" ma:contentTypeName="TemplateFile" ma:contentTypeID="0x0101005EB5FCBB1E5ECD4D83FA6E62BA4F98FF04003B76559807ED7042AFCC9CD6E0E16B7A" ma:contentTypeVersion="23" ma:contentTypeDescription="Create a new document." ma:contentTypeScope="" ma:versionID="4e7ae912b4fbccaa31f4eb83f826eee0"/>
-</file>
-
-<file path=customXml/item2.xml><?xml version="1.0" encoding="utf-8"?>
 <?mso-contentType ?>
 <FormTemplates xmlns="http://schemas.microsoft.com/sharepoint/v3/contenttype/forms">
   <Display>DocumentLibraryForm</Display>
@@ -5017,23 +10998,27 @@
 </FormTemplates>
 </file>
 
+<file path=customXml/item2.xml><?xml version="1.0" encoding="utf-8"?>
+<ct:contentTypeSchema xmlns:ct="http://schemas.microsoft.com/office/2006/metadata/contentType" xmlns:ma="http://schemas.microsoft.com/office/2006/metadata/properties/metaAttributes" ct:_="" ma:_="" ma:contentTypeName="TemplateFile" ma:contentTypeID="0x0101005EB5FCBB1E5ECD4D83FA6E62BA4F98FF04003B76559807ED7042AFCC9CD6E0E16B7A" ma:contentTypeVersion="23" ma:contentTypeDescription="Create a new document." ma:contentTypeScope="" ma:versionID="4e7ae912b4fbccaa31f4eb83f826eee0"/>
+</file>
+
 <file path=customXml/item3.xml><?xml version="1.0" encoding="utf-8"?>
 <p:properties xmlns:p="http://schemas.microsoft.com/office/2006/metadata/properties" xmlns:xsi="http://www.w3.org/2001/XMLSchema-instance" xmlns:pc="http://schemas.microsoft.com/office/infopath/2007/PartnerControls"/>
 </file>
 
 <file path=customXml/itemProps1.xml><?xml version="1.0" encoding="utf-8"?>
-<ds:datastoreItem xmlns:ds="http://schemas.openxmlformats.org/officeDocument/2006/customXml" ds:itemID="{43739120-6E4D-43F1-BE63-8A56581E977C}">
+<ds:datastoreItem xmlns:ds="http://schemas.openxmlformats.org/officeDocument/2006/customXml" ds:itemID="{639430A2-2E43-417E-8E0C-4D89782865E9}">
   <ds:schemaRefs>
-    <ds:schemaRef ds:uri="http://schemas.microsoft.com/office/2006/metadata/contentType"/>
-    <ds:schemaRef ds:uri="http://schemas.microsoft.com/office/2006/metadata/properties/metaAttributes"/>
+    <ds:schemaRef ds:uri="http://schemas.microsoft.com/sharepoint/v3/contenttype/forms"/>
   </ds:schemaRefs>
 </ds:datastoreItem>
 </file>
 
 <file path=customXml/itemProps2.xml><?xml version="1.0" encoding="utf-8"?>
-<ds:datastoreItem xmlns:ds="http://schemas.openxmlformats.org/officeDocument/2006/customXml" ds:itemID="{639430A2-2E43-417E-8E0C-4D89782865E9}">
+<ds:datastoreItem xmlns:ds="http://schemas.openxmlformats.org/officeDocument/2006/customXml" ds:itemID="{43739120-6E4D-43F1-BE63-8A56581E977C}">
   <ds:schemaRefs>
-    <ds:schemaRef ds:uri="http://schemas.microsoft.com/sharepoint/v3/contenttype/forms"/>
+    <ds:schemaRef ds:uri="http://schemas.microsoft.com/office/2006/metadata/contentType"/>
+    <ds:schemaRef ds:uri="http://schemas.microsoft.com/office/2006/metadata/properties/metaAttributes"/>
   </ds:schemaRefs>
 </ds:datastoreItem>
 </file>
